--- a/Distributed Systems 101/Unit1_ppt.pptx
+++ b/Distributed Systems 101/Unit1_ppt.pptx
@@ -5,7 +5,7 @@
     <p:sldMasterId id="2147483648" r:id="rId1"/>
   </p:sldMasterIdLst>
   <p:notesMasterIdLst>
-    <p:notesMasterId r:id="rId87"/>
+    <p:notesMasterId r:id="rId117"/>
   </p:notesMasterIdLst>
   <p:sldIdLst>
     <p:sldId id="256" r:id="rId2"/>
@@ -93,6 +93,36 @@
     <p:sldId id="338" r:id="rId84"/>
     <p:sldId id="339" r:id="rId85"/>
     <p:sldId id="340" r:id="rId86"/>
+    <p:sldId id="341" r:id="rId87"/>
+    <p:sldId id="342" r:id="rId88"/>
+    <p:sldId id="343" r:id="rId89"/>
+    <p:sldId id="344" r:id="rId90"/>
+    <p:sldId id="345" r:id="rId91"/>
+    <p:sldId id="347" r:id="rId92"/>
+    <p:sldId id="346" r:id="rId93"/>
+    <p:sldId id="349" r:id="rId94"/>
+    <p:sldId id="350" r:id="rId95"/>
+    <p:sldId id="348" r:id="rId96"/>
+    <p:sldId id="351" r:id="rId97"/>
+    <p:sldId id="352" r:id="rId98"/>
+    <p:sldId id="353" r:id="rId99"/>
+    <p:sldId id="354" r:id="rId100"/>
+    <p:sldId id="355" r:id="rId101"/>
+    <p:sldId id="356" r:id="rId102"/>
+    <p:sldId id="357" r:id="rId103"/>
+    <p:sldId id="359" r:id="rId104"/>
+    <p:sldId id="358" r:id="rId105"/>
+    <p:sldId id="360" r:id="rId106"/>
+    <p:sldId id="361" r:id="rId107"/>
+    <p:sldId id="362" r:id="rId108"/>
+    <p:sldId id="363" r:id="rId109"/>
+    <p:sldId id="364" r:id="rId110"/>
+    <p:sldId id="365" r:id="rId111"/>
+    <p:sldId id="366" r:id="rId112"/>
+    <p:sldId id="367" r:id="rId113"/>
+    <p:sldId id="368" r:id="rId114"/>
+    <p:sldId id="369" r:id="rId115"/>
+    <p:sldId id="370" r:id="rId116"/>
   </p:sldIdLst>
   <p:sldSz cx="12192000" cy="6858000"/>
   <p:notesSz cx="6858000" cy="9144000"/>
@@ -281,6 +311,36 @@
             <p14:sldId id="338"/>
             <p14:sldId id="339"/>
             <p14:sldId id="340"/>
+            <p14:sldId id="341"/>
+            <p14:sldId id="342"/>
+            <p14:sldId id="343"/>
+            <p14:sldId id="344"/>
+            <p14:sldId id="345"/>
+            <p14:sldId id="347"/>
+            <p14:sldId id="346"/>
+            <p14:sldId id="349"/>
+            <p14:sldId id="350"/>
+            <p14:sldId id="348"/>
+            <p14:sldId id="351"/>
+            <p14:sldId id="352"/>
+            <p14:sldId id="353"/>
+            <p14:sldId id="354"/>
+            <p14:sldId id="355"/>
+            <p14:sldId id="356"/>
+            <p14:sldId id="357"/>
+            <p14:sldId id="359"/>
+            <p14:sldId id="358"/>
+            <p14:sldId id="360"/>
+            <p14:sldId id="361"/>
+            <p14:sldId id="362"/>
+            <p14:sldId id="363"/>
+            <p14:sldId id="364"/>
+            <p14:sldId id="365"/>
+            <p14:sldId id="366"/>
+            <p14:sldId id="367"/>
+            <p14:sldId id="368"/>
+            <p14:sldId id="369"/>
+            <p14:sldId id="370"/>
           </p14:sldIdLst>
         </p14:section>
         <p14:section name="Untitled Section" id="{EFFD4D45-D021-46DD-9A91-BDA79113BCA2}">
@@ -377,7 +437,7 @@
           <a:p>
             <a:fld id="{5D361690-5CCC-45C6-9AFF-7522CDD249A8}" type="datetimeFigureOut">
               <a:rPr lang="en-US" smtClean="0"/>
-              <a:t>8/6/2019</a:t>
+              <a:t>8/15/2019</a:t>
             </a:fld>
             <a:endParaRPr lang="en-US"/>
           </a:p>
@@ -1557,7 +1617,7 @@
             <a:fld id="{B61BEF0D-F0BB-DE4B-95CE-6DB70DBA9567}" type="datetimeFigureOut">
               <a:rPr lang="en-US" dirty="0"/>
               <a:pPr/>
-              <a:t>8/6/2019</a:t>
+              <a:t>8/15/2019</a:t>
             </a:fld>
             <a:endParaRPr lang="en-US" dirty="0"/>
           </a:p>
@@ -1892,7 +1952,7 @@
             <a:fld id="{B61BEF0D-F0BB-DE4B-95CE-6DB70DBA9567}" type="datetimeFigureOut">
               <a:rPr lang="en-US" dirty="0"/>
               <a:pPr/>
-              <a:t>8/6/2019</a:t>
+              <a:t>8/15/2019</a:t>
             </a:fld>
             <a:endParaRPr lang="en-US" dirty="0"/>
           </a:p>
@@ -2290,7 +2350,7 @@
             <a:fld id="{B61BEF0D-F0BB-DE4B-95CE-6DB70DBA9567}" type="datetimeFigureOut">
               <a:rPr lang="en-US" dirty="0"/>
               <a:pPr/>
-              <a:t>8/6/2019</a:t>
+              <a:t>8/15/2019</a:t>
             </a:fld>
             <a:endParaRPr lang="en-US" dirty="0"/>
           </a:p>
@@ -2623,7 +2683,7 @@
             <a:fld id="{B61BEF0D-F0BB-DE4B-95CE-6DB70DBA9567}" type="datetimeFigureOut">
               <a:rPr lang="en-US" dirty="0"/>
               <a:pPr/>
-              <a:t>8/6/2019</a:t>
+              <a:t>8/15/2019</a:t>
             </a:fld>
             <a:endParaRPr lang="en-US" dirty="0"/>
           </a:p>
@@ -2940,7 +3000,7 @@
             <a:fld id="{B61BEF0D-F0BB-DE4B-95CE-6DB70DBA9567}" type="datetimeFigureOut">
               <a:rPr lang="en-US" dirty="0"/>
               <a:pPr/>
-              <a:t>8/6/2019</a:t>
+              <a:t>8/15/2019</a:t>
             </a:fld>
             <a:endParaRPr lang="en-US" dirty="0"/>
           </a:p>
@@ -3333,7 +3393,7 @@
             <a:fld id="{B61BEF0D-F0BB-DE4B-95CE-6DB70DBA9567}" type="datetimeFigureOut">
               <a:rPr lang="en-US" dirty="0"/>
               <a:pPr/>
-              <a:t>8/6/2019</a:t>
+              <a:t>8/15/2019</a:t>
             </a:fld>
             <a:endParaRPr lang="en-US" dirty="0"/>
           </a:p>
@@ -3587,7 +3647,7 @@
             <a:fld id="{B61BEF0D-F0BB-DE4B-95CE-6DB70DBA9567}" type="datetimeFigureOut">
               <a:rPr lang="en-US" dirty="0"/>
               <a:pPr/>
-              <a:t>8/6/2019</a:t>
+              <a:t>8/15/2019</a:t>
             </a:fld>
             <a:endParaRPr lang="en-US" dirty="0"/>
           </a:p>
@@ -3846,7 +3906,7 @@
             <a:fld id="{B61BEF0D-F0BB-DE4B-95CE-6DB70DBA9567}" type="datetimeFigureOut">
               <a:rPr lang="en-US" dirty="0"/>
               <a:pPr/>
-              <a:t>8/6/2019</a:t>
+              <a:t>8/15/2019</a:t>
             </a:fld>
             <a:endParaRPr lang="en-US" dirty="0"/>
           </a:p>
@@ -4105,7 +4165,7 @@
             <a:fld id="{B61BEF0D-F0BB-DE4B-95CE-6DB70DBA9567}" type="datetimeFigureOut">
               <a:rPr lang="en-US" dirty="0"/>
               <a:pPr/>
-              <a:t>8/6/2019</a:t>
+              <a:t>8/15/2019</a:t>
             </a:fld>
             <a:endParaRPr lang="en-US" dirty="0"/>
           </a:p>
@@ -4431,7 +4491,7 @@
             <a:fld id="{B61BEF0D-F0BB-DE4B-95CE-6DB70DBA9567}" type="datetimeFigureOut">
               <a:rPr lang="en-US" dirty="0"/>
               <a:pPr/>
-              <a:t>8/6/2019</a:t>
+              <a:t>8/15/2019</a:t>
             </a:fld>
             <a:endParaRPr lang="en-US" dirty="0"/>
           </a:p>
@@ -4751,7 +4811,7 @@
             <a:fld id="{B61BEF0D-F0BB-DE4B-95CE-6DB70DBA9567}" type="datetimeFigureOut">
               <a:rPr lang="en-US" dirty="0"/>
               <a:pPr/>
-              <a:t>8/6/2019</a:t>
+              <a:t>8/15/2019</a:t>
             </a:fld>
             <a:endParaRPr lang="en-US" dirty="0"/>
           </a:p>
@@ -5205,7 +5265,7 @@
             <a:fld id="{B61BEF0D-F0BB-DE4B-95CE-6DB70DBA9567}" type="datetimeFigureOut">
               <a:rPr lang="en-US" dirty="0"/>
               <a:pPr/>
-              <a:t>8/6/2019</a:t>
+              <a:t>8/15/2019</a:t>
             </a:fld>
             <a:endParaRPr lang="en-US" dirty="0"/>
           </a:p>
@@ -5407,7 +5467,7 @@
             <a:fld id="{B61BEF0D-F0BB-DE4B-95CE-6DB70DBA9567}" type="datetimeFigureOut">
               <a:rPr lang="en-US" dirty="0"/>
               <a:pPr/>
-              <a:t>8/6/2019</a:t>
+              <a:t>8/15/2019</a:t>
             </a:fld>
             <a:endParaRPr lang="en-US" dirty="0"/>
           </a:p>
@@ -5581,7 +5641,7 @@
             <a:fld id="{B61BEF0D-F0BB-DE4B-95CE-6DB70DBA9567}" type="datetimeFigureOut">
               <a:rPr lang="en-US" dirty="0"/>
               <a:pPr/>
-              <a:t>8/6/2019</a:t>
+              <a:t>8/15/2019</a:t>
             </a:fld>
             <a:endParaRPr lang="en-US" dirty="0"/>
           </a:p>
@@ -5911,7 +5971,7 @@
             <a:fld id="{B61BEF0D-F0BB-DE4B-95CE-6DB70DBA9567}" type="datetimeFigureOut">
               <a:rPr lang="en-US" dirty="0"/>
               <a:pPr/>
-              <a:t>8/6/2019</a:t>
+              <a:t>8/15/2019</a:t>
             </a:fld>
             <a:endParaRPr lang="en-US" dirty="0"/>
           </a:p>
@@ -6253,7 +6313,7 @@
             <a:fld id="{B61BEF0D-F0BB-DE4B-95CE-6DB70DBA9567}" type="datetimeFigureOut">
               <a:rPr lang="en-US" dirty="0"/>
               <a:pPr/>
-              <a:t>8/6/2019</a:t>
+              <a:t>8/15/2019</a:t>
             </a:fld>
             <a:endParaRPr lang="en-US" dirty="0"/>
           </a:p>
@@ -8367,7 +8427,7 @@
             <a:fld id="{B61BEF0D-F0BB-DE4B-95CE-6DB70DBA9567}" type="datetimeFigureOut">
               <a:rPr lang="en-US" dirty="0"/>
               <a:pPr/>
-              <a:t>8/6/2019</a:t>
+              <a:t>8/15/2019</a:t>
             </a:fld>
             <a:endParaRPr lang="en-US" dirty="0"/>
           </a:p>
@@ -9074,6 +9134,1591 @@
 </p:sld>
 </file>
 
+<file path=ppt/slides/slide100.xml><?xml version="1.0" encoding="utf-8"?>
+<p:sld xmlns:a="http://schemas.openxmlformats.org/drawingml/2006/main" xmlns:r="http://schemas.openxmlformats.org/officeDocument/2006/relationships" xmlns:p="http://schemas.openxmlformats.org/presentationml/2006/main">
+  <p:cSld>
+    <p:spTree>
+      <p:nvGrpSpPr>
+        <p:cNvPr id="1" name=""/>
+        <p:cNvGrpSpPr/>
+        <p:nvPr/>
+      </p:nvGrpSpPr>
+      <p:grpSpPr>
+        <a:xfrm>
+          <a:off x="0" y="0"/>
+          <a:ext cx="0" cy="0"/>
+          <a:chOff x="0" y="0"/>
+          <a:chExt cx="0" cy="0"/>
+        </a:xfrm>
+      </p:grpSpPr>
+      <p:sp>
+        <p:nvSpPr>
+          <p:cNvPr id="2" name="Title 1"/>
+          <p:cNvSpPr>
+            <a:spLocks noGrp="1"/>
+          </p:cNvSpPr>
+          <p:nvPr>
+            <p:ph type="title"/>
+          </p:nvPr>
+        </p:nvSpPr>
+        <p:spPr/>
+        <p:txBody>
+          <a:bodyPr/>
+          <a:lstStyle/>
+          <a:p>
+            <a:r>
+              <a:rPr lang="en-US" b="1" dirty="0"/>
+              <a:t>Types of </a:t>
+            </a:r>
+            <a:r>
+              <a:rPr lang="en-US" b="1" dirty="0" err="1"/>
+              <a:t>blockchain</a:t>
+            </a:r>
+            <a:endParaRPr lang="en-US" dirty="0"/>
+          </a:p>
+        </p:txBody>
+      </p:sp>
+      <p:sp>
+        <p:nvSpPr>
+          <p:cNvPr id="3" name="Content Placeholder 2"/>
+          <p:cNvSpPr>
+            <a:spLocks noGrp="1"/>
+          </p:cNvSpPr>
+          <p:nvPr>
+            <p:ph idx="1"/>
+          </p:nvPr>
+        </p:nvSpPr>
+        <p:spPr>
+          <a:xfrm>
+            <a:off x="2353684" y="1905000"/>
+            <a:ext cx="8915400" cy="3777622"/>
+          </a:xfrm>
+        </p:spPr>
+        <p:txBody>
+          <a:bodyPr>
+            <a:noAutofit/>
+          </a:bodyPr>
+          <a:lstStyle/>
+          <a:p>
+            <a:r>
+              <a:rPr lang="en-US" sz="2400" b="1" dirty="0"/>
+              <a:t>Tokenized </a:t>
+            </a:r>
+            <a:r>
+              <a:rPr lang="en-US" sz="2400" b="1" dirty="0" err="1"/>
+              <a:t>blockchains</a:t>
+            </a:r>
+            <a:endParaRPr lang="en-US" sz="2400" b="1" dirty="0"/>
+          </a:p>
+          <a:p>
+            <a:pPr lvl="1"/>
+            <a:r>
+              <a:rPr lang="en-US" sz="2400" dirty="0"/>
+              <a:t>These </a:t>
+            </a:r>
+            <a:r>
+              <a:rPr lang="en-US" sz="2400" dirty="0" err="1"/>
+              <a:t>blockchains</a:t>
+            </a:r>
+            <a:r>
+              <a:rPr lang="en-US" sz="2400" dirty="0"/>
+              <a:t> are standard </a:t>
+            </a:r>
+            <a:r>
+              <a:rPr lang="en-US" sz="2400" dirty="0" err="1"/>
+              <a:t>blockchains</a:t>
+            </a:r>
+            <a:r>
+              <a:rPr lang="en-US" sz="2400" dirty="0"/>
+              <a:t> that generate cryptocurrency as a result of </a:t>
+            </a:r>
+            <a:r>
+              <a:rPr lang="en-US" sz="2400" dirty="0" smtClean="0"/>
+              <a:t>a consensus </a:t>
+            </a:r>
+            <a:r>
+              <a:rPr lang="en-US" sz="2400" dirty="0"/>
+              <a:t>process via mining or via initial </a:t>
+            </a:r>
+            <a:r>
+              <a:rPr lang="en-US" sz="2400" dirty="0" smtClean="0"/>
+              <a:t>distribution</a:t>
+            </a:r>
+          </a:p>
+          <a:p>
+            <a:r>
+              <a:rPr lang="en-US" sz="2400" b="1" dirty="0" err="1"/>
+              <a:t>Tokenless</a:t>
+            </a:r>
+            <a:r>
+              <a:rPr lang="en-US" sz="2400" b="1" dirty="0"/>
+              <a:t> </a:t>
+            </a:r>
+            <a:r>
+              <a:rPr lang="en-US" sz="2400" b="1" dirty="0" err="1"/>
+              <a:t>blockchains</a:t>
+            </a:r>
+            <a:endParaRPr lang="en-US" sz="2400" b="1" dirty="0"/>
+          </a:p>
+          <a:p>
+            <a:pPr lvl="1"/>
+            <a:r>
+              <a:rPr lang="en-US" sz="2400" dirty="0"/>
+              <a:t>These are probably not real </a:t>
+            </a:r>
+            <a:r>
+              <a:rPr lang="en-US" sz="2400" dirty="0" err="1"/>
+              <a:t>blockchains</a:t>
+            </a:r>
+            <a:r>
+              <a:rPr lang="en-US" sz="2400" dirty="0"/>
+              <a:t> because they lack the basic unit of transfer of </a:t>
+            </a:r>
+            <a:r>
+              <a:rPr lang="en-US" sz="2400" dirty="0" smtClean="0"/>
+              <a:t>value </a:t>
+            </a:r>
+          </a:p>
+          <a:p>
+            <a:pPr lvl="1"/>
+            <a:r>
+              <a:rPr lang="en-US" sz="2400" dirty="0" smtClean="0"/>
+              <a:t>These are </a:t>
+            </a:r>
+            <a:r>
+              <a:rPr lang="en-US" sz="2400" dirty="0"/>
+              <a:t>still valuable in situations where there is no need to transfer value between </a:t>
+            </a:r>
+            <a:r>
+              <a:rPr lang="en-US" sz="2400" dirty="0" smtClean="0"/>
+              <a:t>nodes and </a:t>
+            </a:r>
+            <a:r>
+              <a:rPr lang="en-US" sz="2400" dirty="0"/>
+              <a:t>only sharing some data among various already trusted parties is required.</a:t>
+            </a:r>
+          </a:p>
+        </p:txBody>
+      </p:sp>
+    </p:spTree>
+    <p:extLst>
+      <p:ext uri="{BB962C8B-B14F-4D97-AF65-F5344CB8AC3E}">
+        <p14:creationId xmlns:p14="http://schemas.microsoft.com/office/powerpoint/2010/main" val="652653855"/>
+      </p:ext>
+    </p:extLst>
+  </p:cSld>
+  <p:clrMapOvr>
+    <a:masterClrMapping/>
+  </p:clrMapOvr>
+</p:sld>
+</file>
+
+<file path=ppt/slides/slide101.xml><?xml version="1.0" encoding="utf-8"?>
+<p:sld xmlns:a="http://schemas.openxmlformats.org/drawingml/2006/main" xmlns:r="http://schemas.openxmlformats.org/officeDocument/2006/relationships" xmlns:p="http://schemas.openxmlformats.org/presentationml/2006/main">
+  <p:cSld>
+    <p:spTree>
+      <p:nvGrpSpPr>
+        <p:cNvPr id="1" name=""/>
+        <p:cNvGrpSpPr/>
+        <p:nvPr/>
+      </p:nvGrpSpPr>
+      <p:grpSpPr>
+        <a:xfrm>
+          <a:off x="0" y="0"/>
+          <a:ext cx="0" cy="0"/>
+          <a:chOff x="0" y="0"/>
+          <a:chExt cx="0" cy="0"/>
+        </a:xfrm>
+      </p:grpSpPr>
+      <p:sp>
+        <p:nvSpPr>
+          <p:cNvPr id="2" name="Title 1"/>
+          <p:cNvSpPr>
+            <a:spLocks noGrp="1"/>
+          </p:cNvSpPr>
+          <p:nvPr>
+            <p:ph type="title"/>
+          </p:nvPr>
+        </p:nvSpPr>
+        <p:spPr/>
+        <p:txBody>
+          <a:bodyPr/>
+          <a:lstStyle/>
+          <a:p>
+            <a:r>
+              <a:rPr lang="en-US" b="1" dirty="0"/>
+              <a:t>Consensus in </a:t>
+            </a:r>
+            <a:r>
+              <a:rPr lang="en-US" b="1" dirty="0" err="1"/>
+              <a:t>blockchain</a:t>
+            </a:r>
+            <a:endParaRPr lang="en-US" dirty="0"/>
+          </a:p>
+        </p:txBody>
+      </p:sp>
+      <p:sp>
+        <p:nvSpPr>
+          <p:cNvPr id="3" name="Content Placeholder 2"/>
+          <p:cNvSpPr>
+            <a:spLocks noGrp="1"/>
+          </p:cNvSpPr>
+          <p:nvPr>
+            <p:ph idx="1"/>
+          </p:nvPr>
+        </p:nvSpPr>
+        <p:spPr/>
+        <p:txBody>
+          <a:bodyPr>
+            <a:noAutofit/>
+          </a:bodyPr>
+          <a:lstStyle/>
+          <a:p>
+            <a:r>
+              <a:rPr lang="en-US" sz="2400" dirty="0"/>
+              <a:t>Consensus is basically a distributed computing concept that has been used in </a:t>
+            </a:r>
+            <a:r>
+              <a:rPr lang="en-US" sz="2400" dirty="0" err="1"/>
+              <a:t>blockchain</a:t>
+            </a:r>
+            <a:r>
+              <a:rPr lang="en-US" sz="2400" dirty="0"/>
+              <a:t> </a:t>
+            </a:r>
+            <a:r>
+              <a:rPr lang="en-US" sz="2400" dirty="0" smtClean="0"/>
+              <a:t>in order </a:t>
+            </a:r>
+            <a:r>
+              <a:rPr lang="en-US" sz="2400" dirty="0"/>
+              <a:t>to provide a means of agreeing to a single version of truth by all peers on </a:t>
+            </a:r>
+            <a:r>
+              <a:rPr lang="en-US" sz="2400" dirty="0" smtClean="0"/>
+              <a:t>the </a:t>
+            </a:r>
+            <a:r>
+              <a:rPr lang="en-US" sz="2400" dirty="0" err="1" smtClean="0"/>
+              <a:t>blockchain</a:t>
+            </a:r>
+            <a:r>
+              <a:rPr lang="en-US" sz="2400" dirty="0" smtClean="0"/>
+              <a:t> </a:t>
+            </a:r>
+            <a:r>
+              <a:rPr lang="en-US" sz="2400" dirty="0"/>
+              <a:t>network. </a:t>
+            </a:r>
+            <a:endParaRPr lang="en-US" sz="2400" dirty="0" smtClean="0"/>
+          </a:p>
+          <a:p>
+            <a:r>
+              <a:rPr lang="en-US" sz="2400" dirty="0" smtClean="0"/>
+              <a:t>Two </a:t>
+            </a:r>
+            <a:r>
+              <a:rPr lang="en-US" sz="2400" dirty="0"/>
+              <a:t>categories of consensus mechanism exist:</a:t>
+            </a:r>
+          </a:p>
+          <a:p>
+            <a:pPr lvl="1"/>
+            <a:r>
+              <a:rPr lang="en-US" sz="2400" dirty="0" smtClean="0"/>
+              <a:t> </a:t>
+            </a:r>
+            <a:r>
+              <a:rPr lang="en-US" sz="2400" dirty="0"/>
+              <a:t>Proof-based, leader-based, or the </a:t>
+            </a:r>
+            <a:r>
+              <a:rPr lang="en-US" sz="2400" i="1" dirty="0" err="1"/>
+              <a:t>Nakamoto</a:t>
+            </a:r>
+            <a:r>
+              <a:rPr lang="en-US" sz="2400" i="1" dirty="0"/>
+              <a:t> consensus </a:t>
+            </a:r>
+            <a:r>
+              <a:rPr lang="en-US" sz="2400" dirty="0"/>
+              <a:t>whereby a leader is </a:t>
+            </a:r>
+            <a:r>
+              <a:rPr lang="en-US" sz="2400" dirty="0" smtClean="0"/>
+              <a:t>elected and </a:t>
+            </a:r>
+            <a:r>
+              <a:rPr lang="en-US" sz="2400" dirty="0"/>
+              <a:t>proposes a final value</a:t>
+            </a:r>
+          </a:p>
+          <a:p>
+            <a:pPr lvl="1"/>
+            <a:r>
+              <a:rPr lang="en-US" sz="2400" dirty="0" smtClean="0"/>
+              <a:t> </a:t>
+            </a:r>
+            <a:r>
+              <a:rPr lang="en-US" sz="2400" dirty="0"/>
+              <a:t>Byzantine fault tolerance-based, which is a more traditional approach based </a:t>
+            </a:r>
+            <a:r>
+              <a:rPr lang="en-US" sz="2400" dirty="0" smtClean="0"/>
+              <a:t>on rounds </a:t>
+            </a:r>
+            <a:r>
+              <a:rPr lang="en-US" sz="2400" dirty="0"/>
+              <a:t>of votes</a:t>
+            </a:r>
+          </a:p>
+        </p:txBody>
+      </p:sp>
+    </p:spTree>
+    <p:extLst>
+      <p:ext uri="{BB962C8B-B14F-4D97-AF65-F5344CB8AC3E}">
+        <p14:creationId xmlns:p14="http://schemas.microsoft.com/office/powerpoint/2010/main" val="1488233071"/>
+      </p:ext>
+    </p:extLst>
+  </p:cSld>
+  <p:clrMapOvr>
+    <a:masterClrMapping/>
+  </p:clrMapOvr>
+</p:sld>
+</file>
+
+<file path=ppt/slides/slide102.xml><?xml version="1.0" encoding="utf-8"?>
+<p:sld xmlns:a="http://schemas.openxmlformats.org/drawingml/2006/main" xmlns:r="http://schemas.openxmlformats.org/officeDocument/2006/relationships" xmlns:p="http://schemas.openxmlformats.org/presentationml/2006/main">
+  <p:cSld>
+    <p:spTree>
+      <p:nvGrpSpPr>
+        <p:cNvPr id="1" name=""/>
+        <p:cNvGrpSpPr/>
+        <p:nvPr/>
+      </p:nvGrpSpPr>
+      <p:grpSpPr>
+        <a:xfrm>
+          <a:off x="0" y="0"/>
+          <a:ext cx="0" cy="0"/>
+          <a:chOff x="0" y="0"/>
+          <a:chExt cx="0" cy="0"/>
+        </a:xfrm>
+      </p:grpSpPr>
+      <p:sp>
+        <p:nvSpPr>
+          <p:cNvPr id="2" name="Title 1"/>
+          <p:cNvSpPr>
+            <a:spLocks noGrp="1"/>
+          </p:cNvSpPr>
+          <p:nvPr>
+            <p:ph type="title"/>
+          </p:nvPr>
+        </p:nvSpPr>
+        <p:spPr/>
+        <p:txBody>
+          <a:bodyPr/>
+          <a:lstStyle/>
+          <a:p>
+            <a:r>
+              <a:rPr lang="en-US" b="1" dirty="0"/>
+              <a:t>Proof of Work</a:t>
+            </a:r>
+            <a:endParaRPr lang="en-US" dirty="0"/>
+          </a:p>
+        </p:txBody>
+      </p:sp>
+      <p:sp>
+        <p:nvSpPr>
+          <p:cNvPr id="3" name="Content Placeholder 2"/>
+          <p:cNvSpPr>
+            <a:spLocks noGrp="1"/>
+          </p:cNvSpPr>
+          <p:nvPr>
+            <p:ph idx="1"/>
+          </p:nvPr>
+        </p:nvSpPr>
+        <p:spPr/>
+        <p:txBody>
+          <a:bodyPr>
+            <a:noAutofit/>
+          </a:bodyPr>
+          <a:lstStyle/>
+          <a:p>
+            <a:r>
+              <a:rPr lang="en-US" sz="2400" dirty="0"/>
+              <a:t>This type of consensus mechanism relies on proof that enough computational </a:t>
+            </a:r>
+            <a:r>
+              <a:rPr lang="en-US" sz="2400" dirty="0" smtClean="0"/>
+              <a:t>resources have </a:t>
+            </a:r>
+            <a:r>
+              <a:rPr lang="en-US" sz="2400" dirty="0"/>
+              <a:t>been spent before proposing a value for acceptance by the network. </a:t>
+            </a:r>
+            <a:endParaRPr lang="en-US" sz="2400" dirty="0" smtClean="0"/>
+          </a:p>
+          <a:p>
+            <a:pPr lvl="1"/>
+            <a:r>
+              <a:rPr lang="en-US" sz="2400" dirty="0" smtClean="0"/>
+              <a:t>Used in bitcoin </a:t>
+            </a:r>
+            <a:r>
+              <a:rPr lang="en-US" sz="2400" dirty="0"/>
+              <a:t>and other cryptocurrencies</a:t>
+            </a:r>
+            <a:r>
+              <a:rPr lang="en-US" sz="2400" dirty="0" smtClean="0"/>
+              <a:t>.</a:t>
+            </a:r>
+          </a:p>
+          <a:p>
+            <a:r>
+              <a:rPr lang="en-US" sz="2400" dirty="0" smtClean="0"/>
+              <a:t> </a:t>
+            </a:r>
+            <a:r>
+              <a:rPr lang="en-US" sz="2400" dirty="0"/>
+              <a:t>Currently, this is the only algorithm that has </a:t>
+            </a:r>
+            <a:r>
+              <a:rPr lang="en-US" sz="2400" dirty="0" smtClean="0"/>
+              <a:t>proven astonishingly </a:t>
+            </a:r>
+            <a:r>
+              <a:rPr lang="en-US" sz="2400" dirty="0"/>
+              <a:t>successful against Sybil attacks</a:t>
+            </a:r>
+            <a:r>
+              <a:rPr lang="en-US" sz="2400" dirty="0" smtClean="0"/>
+              <a:t>.</a:t>
+            </a:r>
+          </a:p>
+          <a:p>
+            <a:pPr lvl="1"/>
+            <a:r>
+              <a:rPr lang="en-US" sz="2400" dirty="0"/>
+              <a:t>Sybil Attack </a:t>
+            </a:r>
+            <a:r>
+              <a:rPr lang="en-US" sz="2400" dirty="0" smtClean="0"/>
+              <a:t>: </a:t>
+            </a:r>
+            <a:r>
+              <a:rPr lang="en-US" sz="2400" dirty="0"/>
+              <a:t>node in the network operates multiple identities actively at the same time and undermines the authority/power in reputation systems.</a:t>
+            </a:r>
+          </a:p>
+        </p:txBody>
+      </p:sp>
+    </p:spTree>
+    <p:extLst>
+      <p:ext uri="{BB962C8B-B14F-4D97-AF65-F5344CB8AC3E}">
+        <p14:creationId xmlns:p14="http://schemas.microsoft.com/office/powerpoint/2010/main" val="2693874160"/>
+      </p:ext>
+    </p:extLst>
+  </p:cSld>
+  <p:clrMapOvr>
+    <a:masterClrMapping/>
+  </p:clrMapOvr>
+</p:sld>
+</file>
+
+<file path=ppt/slides/slide103.xml><?xml version="1.0" encoding="utf-8"?>
+<p:sld xmlns:a="http://schemas.openxmlformats.org/drawingml/2006/main" xmlns:r="http://schemas.openxmlformats.org/officeDocument/2006/relationships" xmlns:p="http://schemas.openxmlformats.org/presentationml/2006/main">
+  <p:cSld>
+    <p:spTree>
+      <p:nvGrpSpPr>
+        <p:cNvPr id="1" name=""/>
+        <p:cNvGrpSpPr/>
+        <p:nvPr/>
+      </p:nvGrpSpPr>
+      <p:grpSpPr>
+        <a:xfrm>
+          <a:off x="0" y="0"/>
+          <a:ext cx="0" cy="0"/>
+          <a:chOff x="0" y="0"/>
+          <a:chExt cx="0" cy="0"/>
+        </a:xfrm>
+      </p:grpSpPr>
+      <p:sp>
+        <p:nvSpPr>
+          <p:cNvPr id="2" name="Title 1"/>
+          <p:cNvSpPr>
+            <a:spLocks noGrp="1"/>
+          </p:cNvSpPr>
+          <p:nvPr>
+            <p:ph type="title"/>
+          </p:nvPr>
+        </p:nvSpPr>
+        <p:spPr/>
+        <p:txBody>
+          <a:bodyPr/>
+          <a:lstStyle/>
+          <a:p>
+            <a:r>
+              <a:rPr lang="en-US" b="1" dirty="0"/>
+              <a:t>Proof of Stake</a:t>
+            </a:r>
+            <a:endParaRPr lang="en-US" dirty="0"/>
+          </a:p>
+        </p:txBody>
+      </p:sp>
+      <p:sp>
+        <p:nvSpPr>
+          <p:cNvPr id="3" name="Content Placeholder 2"/>
+          <p:cNvSpPr>
+            <a:spLocks noGrp="1"/>
+          </p:cNvSpPr>
+          <p:nvPr>
+            <p:ph idx="1"/>
+          </p:nvPr>
+        </p:nvSpPr>
+        <p:spPr>
+          <a:xfrm>
+            <a:off x="2482089" y="1503219"/>
+            <a:ext cx="8915400" cy="4006222"/>
+          </a:xfrm>
+        </p:spPr>
+        <p:txBody>
+          <a:bodyPr>
+            <a:noAutofit/>
+          </a:bodyPr>
+          <a:lstStyle/>
+          <a:p>
+            <a:r>
+              <a:rPr lang="en-US" sz="2400" dirty="0"/>
+              <a:t>This algorithm works on the idea that a node or user has enough stake in the system; </a:t>
+            </a:r>
+          </a:p>
+          <a:p>
+            <a:pPr lvl="1"/>
+            <a:r>
+              <a:rPr lang="en-US" sz="2400" dirty="0" smtClean="0"/>
+              <a:t>Example </a:t>
+            </a:r>
+            <a:r>
+              <a:rPr lang="en-US" sz="2400" dirty="0"/>
+              <a:t>the user has invested enough in the system so that any malicious attempt </a:t>
+            </a:r>
+            <a:r>
+              <a:rPr lang="en-US" sz="2400" dirty="0" smtClean="0"/>
+              <a:t>would outweigh </a:t>
+            </a:r>
+            <a:r>
+              <a:rPr lang="en-US" sz="2400" dirty="0"/>
+              <a:t>the benefits of performing an attack on the system. </a:t>
+            </a:r>
+            <a:endParaRPr lang="en-US" sz="2400" dirty="0" smtClean="0"/>
+          </a:p>
+          <a:p>
+            <a:r>
+              <a:rPr lang="en-US" sz="2400" dirty="0" smtClean="0"/>
+              <a:t>This </a:t>
+            </a:r>
+            <a:r>
+              <a:rPr lang="en-US" sz="2400" dirty="0"/>
+              <a:t>idea was first </a:t>
+            </a:r>
+            <a:r>
+              <a:rPr lang="en-US" sz="2400" dirty="0" smtClean="0"/>
+              <a:t>introduced by </a:t>
+            </a:r>
+            <a:r>
+              <a:rPr lang="en-US" sz="2400" dirty="0" err="1"/>
+              <a:t>Peercoin</a:t>
+            </a:r>
+            <a:r>
+              <a:rPr lang="en-US" sz="2400" dirty="0"/>
+              <a:t> and is going to be used in the </a:t>
+            </a:r>
+            <a:r>
+              <a:rPr lang="en-US" sz="2400" dirty="0" err="1"/>
+              <a:t>Ethereum</a:t>
+            </a:r>
+            <a:r>
+              <a:rPr lang="en-US" sz="2400" dirty="0"/>
+              <a:t> </a:t>
+            </a:r>
+            <a:r>
+              <a:rPr lang="en-US" sz="2400" dirty="0" smtClean="0"/>
+              <a:t> </a:t>
+            </a:r>
+            <a:r>
+              <a:rPr lang="en-US" sz="2400" dirty="0" err="1" smtClean="0"/>
+              <a:t>blockchain</a:t>
+            </a:r>
+            <a:r>
+              <a:rPr lang="en-US" sz="2400" dirty="0"/>
+              <a:t>. </a:t>
+            </a:r>
+            <a:endParaRPr lang="en-US" sz="2400" dirty="0" smtClean="0"/>
+          </a:p>
+          <a:p>
+            <a:r>
+              <a:rPr lang="en-US" sz="2400" dirty="0" smtClean="0"/>
+              <a:t>Another </a:t>
+            </a:r>
+            <a:r>
+              <a:rPr lang="en-US" sz="2400" dirty="0"/>
+              <a:t>important </a:t>
+            </a:r>
+            <a:r>
+              <a:rPr lang="en-US" sz="2400" dirty="0" smtClean="0"/>
+              <a:t>concept in </a:t>
+            </a:r>
+            <a:r>
+              <a:rPr lang="en-US" sz="2400" b="1" dirty="0"/>
+              <a:t>Proof of Stake </a:t>
+            </a:r>
+            <a:r>
+              <a:rPr lang="en-US" sz="2400" dirty="0"/>
+              <a:t>(</a:t>
+            </a:r>
+            <a:r>
+              <a:rPr lang="en-US" sz="2400" b="1" dirty="0" err="1"/>
+              <a:t>PoS</a:t>
+            </a:r>
+            <a:r>
+              <a:rPr lang="en-US" sz="2400" dirty="0"/>
+              <a:t>) is coin age, which is a derived from the amount of time and </a:t>
+            </a:r>
+            <a:r>
+              <a:rPr lang="en-US" sz="2400" dirty="0" smtClean="0"/>
+              <a:t>the number </a:t>
+            </a:r>
+            <a:r>
+              <a:rPr lang="en-US" sz="2400" dirty="0"/>
+              <a:t>of coins that have not been spent</a:t>
+            </a:r>
+            <a:r>
+              <a:rPr lang="en-US" sz="2400" dirty="0" smtClean="0"/>
+              <a:t>.</a:t>
+            </a:r>
+          </a:p>
+          <a:p>
+            <a:r>
+              <a:rPr lang="en-US" sz="2400" dirty="0" smtClean="0"/>
+              <a:t> </a:t>
+            </a:r>
+            <a:r>
+              <a:rPr lang="en-US" sz="2400" dirty="0"/>
+              <a:t>In this model, the chances of proposing </a:t>
+            </a:r>
+            <a:r>
+              <a:rPr lang="en-US" sz="2400" dirty="0" smtClean="0"/>
+              <a:t>and signing </a:t>
+            </a:r>
+            <a:r>
+              <a:rPr lang="en-US" sz="2400" dirty="0"/>
+              <a:t>the next block increase with the coin age.</a:t>
+            </a:r>
+          </a:p>
+        </p:txBody>
+      </p:sp>
+    </p:spTree>
+    <p:extLst>
+      <p:ext uri="{BB962C8B-B14F-4D97-AF65-F5344CB8AC3E}">
+        <p14:creationId xmlns:p14="http://schemas.microsoft.com/office/powerpoint/2010/main" val="30864131"/>
+      </p:ext>
+    </p:extLst>
+  </p:cSld>
+  <p:clrMapOvr>
+    <a:masterClrMapping/>
+  </p:clrMapOvr>
+</p:sld>
+</file>
+
+<file path=ppt/slides/slide104.xml><?xml version="1.0" encoding="utf-8"?>
+<p:sld xmlns:a="http://schemas.openxmlformats.org/drawingml/2006/main" xmlns:r="http://schemas.openxmlformats.org/officeDocument/2006/relationships" xmlns:p="http://schemas.openxmlformats.org/presentationml/2006/main">
+  <p:cSld>
+    <p:spTree>
+      <p:nvGrpSpPr>
+        <p:cNvPr id="1" name=""/>
+        <p:cNvGrpSpPr/>
+        <p:nvPr/>
+      </p:nvGrpSpPr>
+      <p:grpSpPr>
+        <a:xfrm>
+          <a:off x="0" y="0"/>
+          <a:ext cx="0" cy="0"/>
+          <a:chOff x="0" y="0"/>
+          <a:chExt cx="0" cy="0"/>
+        </a:xfrm>
+      </p:grpSpPr>
+      <p:sp>
+        <p:nvSpPr>
+          <p:cNvPr id="2" name="Title 1"/>
+          <p:cNvSpPr>
+            <a:spLocks noGrp="1"/>
+          </p:cNvSpPr>
+          <p:nvPr>
+            <p:ph type="title"/>
+          </p:nvPr>
+        </p:nvSpPr>
+        <p:spPr/>
+        <p:txBody>
+          <a:bodyPr/>
+          <a:lstStyle/>
+          <a:p>
+            <a:endParaRPr lang="en-US"/>
+          </a:p>
+        </p:txBody>
+      </p:sp>
+      <p:sp>
+        <p:nvSpPr>
+          <p:cNvPr id="3" name="Content Placeholder 2"/>
+          <p:cNvSpPr>
+            <a:spLocks noGrp="1"/>
+          </p:cNvSpPr>
+          <p:nvPr>
+            <p:ph idx="1"/>
+          </p:nvPr>
+        </p:nvSpPr>
+        <p:spPr/>
+        <p:txBody>
+          <a:bodyPr/>
+          <a:lstStyle/>
+          <a:p>
+            <a:endParaRPr lang="en-US"/>
+          </a:p>
+        </p:txBody>
+      </p:sp>
+      <p:pic>
+        <p:nvPicPr>
+          <p:cNvPr id="4" name="Picture 3"/>
+          <p:cNvPicPr>
+            <a:picLocks noChangeAspect="1"/>
+          </p:cNvPicPr>
+          <p:nvPr/>
+        </p:nvPicPr>
+        <p:blipFill>
+          <a:blip r:embed="rId2"/>
+          <a:stretch>
+            <a:fillRect/>
+          </a:stretch>
+        </p:blipFill>
+        <p:spPr>
+          <a:xfrm>
+            <a:off x="0" y="0"/>
+            <a:ext cx="12192000" cy="6733310"/>
+          </a:xfrm>
+          <a:prstGeom prst="rect">
+            <a:avLst/>
+          </a:prstGeom>
+        </p:spPr>
+      </p:pic>
+    </p:spTree>
+    <p:extLst>
+      <p:ext uri="{BB962C8B-B14F-4D97-AF65-F5344CB8AC3E}">
+        <p14:creationId xmlns:p14="http://schemas.microsoft.com/office/powerpoint/2010/main" val="253714110"/>
+      </p:ext>
+    </p:extLst>
+  </p:cSld>
+  <p:clrMapOvr>
+    <a:masterClrMapping/>
+  </p:clrMapOvr>
+</p:sld>
+</file>
+
+<file path=ppt/slides/slide105.xml><?xml version="1.0" encoding="utf-8"?>
+<p:sld xmlns:a="http://schemas.openxmlformats.org/drawingml/2006/main" xmlns:r="http://schemas.openxmlformats.org/officeDocument/2006/relationships" xmlns:p="http://schemas.openxmlformats.org/presentationml/2006/main">
+  <p:cSld>
+    <p:spTree>
+      <p:nvGrpSpPr>
+        <p:cNvPr id="1" name=""/>
+        <p:cNvGrpSpPr/>
+        <p:nvPr/>
+      </p:nvGrpSpPr>
+      <p:grpSpPr>
+        <a:xfrm>
+          <a:off x="0" y="0"/>
+          <a:ext cx="0" cy="0"/>
+          <a:chOff x="0" y="0"/>
+          <a:chExt cx="0" cy="0"/>
+        </a:xfrm>
+      </p:grpSpPr>
+      <p:sp>
+        <p:nvSpPr>
+          <p:cNvPr id="2" name="Title 1"/>
+          <p:cNvSpPr>
+            <a:spLocks noGrp="1"/>
+          </p:cNvSpPr>
+          <p:nvPr>
+            <p:ph type="title"/>
+          </p:nvPr>
+        </p:nvSpPr>
+        <p:spPr/>
+        <p:txBody>
+          <a:bodyPr/>
+          <a:lstStyle/>
+          <a:p>
+            <a:r>
+              <a:rPr lang="en-US" dirty="0"/>
+              <a:t>Delegated Proof of Stake</a:t>
+            </a:r>
+          </a:p>
+        </p:txBody>
+      </p:sp>
+      <p:sp>
+        <p:nvSpPr>
+          <p:cNvPr id="3" name="Content Placeholder 2"/>
+          <p:cNvSpPr>
+            <a:spLocks noGrp="1"/>
+          </p:cNvSpPr>
+          <p:nvPr>
+            <p:ph idx="1"/>
+          </p:nvPr>
+        </p:nvSpPr>
+        <p:spPr/>
+        <p:txBody>
+          <a:bodyPr>
+            <a:normAutofit/>
+          </a:bodyPr>
+          <a:lstStyle/>
+          <a:p>
+            <a:r>
+              <a:rPr lang="en-US" sz="2400" dirty="0"/>
+              <a:t>Delegated Proof of Stake (DPOS) is an innovation over standard </a:t>
+            </a:r>
+            <a:r>
+              <a:rPr lang="en-US" sz="2400" dirty="0" err="1" smtClean="0"/>
+              <a:t>PoS</a:t>
+            </a:r>
+            <a:endParaRPr lang="en-US" sz="2400" dirty="0" smtClean="0"/>
+          </a:p>
+          <a:p>
+            <a:r>
+              <a:rPr lang="en-US" sz="2400" dirty="0" smtClean="0"/>
+              <a:t>Each node that </a:t>
+            </a:r>
+            <a:r>
+              <a:rPr lang="en-US" sz="2400" dirty="0"/>
+              <a:t>has stake in the system can delegate the validation of a transaction to other nodes </a:t>
+            </a:r>
+            <a:r>
+              <a:rPr lang="en-US" sz="2400" dirty="0" smtClean="0"/>
+              <a:t>by voting</a:t>
+            </a:r>
+            <a:r>
+              <a:rPr lang="en-US" sz="2400" dirty="0"/>
+              <a:t>. </a:t>
+            </a:r>
+            <a:endParaRPr lang="en-US" sz="2400" dirty="0" smtClean="0"/>
+          </a:p>
+          <a:p>
+            <a:r>
+              <a:rPr lang="en-US" sz="2400" dirty="0" smtClean="0"/>
+              <a:t>This </a:t>
+            </a:r>
+            <a:r>
+              <a:rPr lang="en-US" sz="2400" dirty="0"/>
+              <a:t>is used in the </a:t>
+            </a:r>
+            <a:r>
+              <a:rPr lang="en-US" sz="2400" dirty="0" err="1"/>
+              <a:t>bitshares</a:t>
+            </a:r>
+            <a:r>
+              <a:rPr lang="en-US" sz="2400" dirty="0"/>
+              <a:t> </a:t>
+            </a:r>
+            <a:r>
+              <a:rPr lang="en-US" sz="2400" dirty="0" err="1"/>
+              <a:t>blockchain</a:t>
+            </a:r>
+            <a:endParaRPr lang="en-US" sz="2400" dirty="0"/>
+          </a:p>
+        </p:txBody>
+      </p:sp>
+    </p:spTree>
+    <p:extLst>
+      <p:ext uri="{BB962C8B-B14F-4D97-AF65-F5344CB8AC3E}">
+        <p14:creationId xmlns:p14="http://schemas.microsoft.com/office/powerpoint/2010/main" val="1397367530"/>
+      </p:ext>
+    </p:extLst>
+  </p:cSld>
+  <p:clrMapOvr>
+    <a:masterClrMapping/>
+  </p:clrMapOvr>
+</p:sld>
+</file>
+
+<file path=ppt/slides/slide106.xml><?xml version="1.0" encoding="utf-8"?>
+<p:sld xmlns:a="http://schemas.openxmlformats.org/drawingml/2006/main" xmlns:r="http://schemas.openxmlformats.org/officeDocument/2006/relationships" xmlns:p="http://schemas.openxmlformats.org/presentationml/2006/main">
+  <p:cSld>
+    <p:spTree>
+      <p:nvGrpSpPr>
+        <p:cNvPr id="1" name=""/>
+        <p:cNvGrpSpPr/>
+        <p:nvPr/>
+      </p:nvGrpSpPr>
+      <p:grpSpPr>
+        <a:xfrm>
+          <a:off x="0" y="0"/>
+          <a:ext cx="0" cy="0"/>
+          <a:chOff x="0" y="0"/>
+          <a:chExt cx="0" cy="0"/>
+        </a:xfrm>
+      </p:grpSpPr>
+      <p:sp>
+        <p:nvSpPr>
+          <p:cNvPr id="2" name="Title 1"/>
+          <p:cNvSpPr>
+            <a:spLocks noGrp="1"/>
+          </p:cNvSpPr>
+          <p:nvPr>
+            <p:ph type="title"/>
+          </p:nvPr>
+        </p:nvSpPr>
+        <p:spPr>
+          <a:xfrm>
+            <a:off x="2371252" y="97637"/>
+            <a:ext cx="8911687" cy="567381"/>
+          </a:xfrm>
+        </p:spPr>
+        <p:txBody>
+          <a:bodyPr>
+            <a:normAutofit fontScale="90000"/>
+          </a:bodyPr>
+          <a:lstStyle/>
+          <a:p>
+            <a:r>
+              <a:rPr lang="en-US" b="1" dirty="0"/>
+              <a:t>Proof of Elapsed Time</a:t>
+            </a:r>
+            <a:endParaRPr lang="en-US" dirty="0"/>
+          </a:p>
+        </p:txBody>
+      </p:sp>
+      <p:sp>
+        <p:nvSpPr>
+          <p:cNvPr id="3" name="Content Placeholder 2"/>
+          <p:cNvSpPr>
+            <a:spLocks noGrp="1"/>
+          </p:cNvSpPr>
+          <p:nvPr>
+            <p:ph idx="1"/>
+          </p:nvPr>
+        </p:nvSpPr>
+        <p:spPr>
+          <a:xfrm>
+            <a:off x="1717964" y="540328"/>
+            <a:ext cx="10293927" cy="5278581"/>
+          </a:xfrm>
+        </p:spPr>
+        <p:txBody>
+          <a:bodyPr>
+            <a:noAutofit/>
+          </a:bodyPr>
+          <a:lstStyle/>
+          <a:p>
+            <a:r>
+              <a:rPr lang="en-US" sz="2000" dirty="0"/>
+              <a:t>Introduced by </a:t>
+            </a:r>
+            <a:r>
+              <a:rPr lang="en-US" sz="2000" dirty="0" smtClean="0"/>
+              <a:t>Intel</a:t>
+            </a:r>
+          </a:p>
+          <a:p>
+            <a:r>
+              <a:rPr lang="en-US" sz="2000" dirty="0"/>
+              <a:t>Proof of elapsed time (POET) is a </a:t>
+            </a:r>
+            <a:r>
+              <a:rPr lang="en-US" sz="2000" u="sng" dirty="0" err="1">
+                <a:hlinkClick r:id="rId2"/>
+              </a:rPr>
+              <a:t>blockchain</a:t>
+            </a:r>
+            <a:r>
+              <a:rPr lang="en-US" sz="2000" dirty="0"/>
+              <a:t> network consensus mechanism algorithm that prevents high resource utilization and high energy consumption </a:t>
+            </a:r>
+            <a:endParaRPr lang="en-US" sz="2000" dirty="0" smtClean="0"/>
+          </a:p>
+          <a:p>
+            <a:r>
+              <a:rPr lang="en-US" sz="2000" dirty="0"/>
+              <a:t>U</a:t>
+            </a:r>
+            <a:r>
+              <a:rPr lang="en-US" sz="2000" dirty="0" smtClean="0"/>
+              <a:t>ses </a:t>
+            </a:r>
+            <a:r>
+              <a:rPr lang="en-US" sz="2000" b="1" dirty="0"/>
+              <a:t>Trusted Execution Environment </a:t>
+            </a:r>
+            <a:r>
+              <a:rPr lang="en-US" sz="2000" dirty="0"/>
+              <a:t>(</a:t>
+            </a:r>
+            <a:r>
+              <a:rPr lang="en-US" sz="2000" b="1" dirty="0"/>
+              <a:t>TEE</a:t>
+            </a:r>
+            <a:r>
+              <a:rPr lang="en-US" sz="2000" dirty="0"/>
+              <a:t>) to provide </a:t>
+            </a:r>
+            <a:r>
+              <a:rPr lang="en-US" sz="2000" dirty="0" smtClean="0"/>
+              <a:t>randomness and </a:t>
+            </a:r>
+            <a:r>
+              <a:rPr lang="en-US" sz="2000" dirty="0"/>
+              <a:t>safety in the leader election process via a guaranteed wait time</a:t>
+            </a:r>
+            <a:r>
+              <a:rPr lang="en-US" sz="2000" dirty="0" smtClean="0"/>
+              <a:t>.</a:t>
+            </a:r>
+          </a:p>
+          <a:p>
+            <a:pPr lvl="1"/>
+            <a:r>
+              <a:rPr lang="en-US" sz="2000" dirty="0"/>
+              <a:t> Each participating node in the network is required to wait for a randomly chosen time period, </a:t>
+            </a:r>
+            <a:endParaRPr lang="en-US" sz="2000" dirty="0" smtClean="0"/>
+          </a:p>
+          <a:p>
+            <a:pPr lvl="1"/>
+            <a:r>
+              <a:rPr lang="en-US" sz="2000" dirty="0" smtClean="0"/>
+              <a:t>first </a:t>
+            </a:r>
+            <a:r>
+              <a:rPr lang="en-US" sz="2000" dirty="0"/>
+              <a:t>one to complete the designated waiting time wins the new block</a:t>
+            </a:r>
+            <a:r>
+              <a:rPr lang="en-US" sz="2000" dirty="0" smtClean="0"/>
+              <a:t>.</a:t>
+            </a:r>
+          </a:p>
+          <a:p>
+            <a:pPr lvl="1"/>
+            <a:r>
+              <a:rPr lang="en-US" sz="2000" dirty="0" smtClean="0"/>
+              <a:t> </a:t>
+            </a:r>
+            <a:r>
+              <a:rPr lang="en-US" sz="2000" dirty="0"/>
+              <a:t>Each node in the </a:t>
+            </a:r>
+            <a:r>
+              <a:rPr lang="en-US" sz="2000" dirty="0" err="1"/>
+              <a:t>blockchain</a:t>
+            </a:r>
+            <a:r>
+              <a:rPr lang="en-US" sz="2000" dirty="0"/>
+              <a:t> network generates a random wait time and goes to sleep for that specified duration. </a:t>
+            </a:r>
+            <a:endParaRPr lang="en-US" sz="2000" dirty="0" smtClean="0"/>
+          </a:p>
+          <a:p>
+            <a:pPr lvl="1"/>
+            <a:r>
+              <a:rPr lang="en-US" sz="2000" dirty="0" smtClean="0"/>
+              <a:t>The </a:t>
+            </a:r>
+            <a:r>
+              <a:rPr lang="en-US" sz="2000" dirty="0"/>
+              <a:t>one to wake up first – that is, the one with the shortest wait time – wakes up and commits a new block to the </a:t>
+            </a:r>
+            <a:r>
+              <a:rPr lang="en-US" sz="2000" dirty="0" err="1"/>
+              <a:t>blockchain</a:t>
+            </a:r>
+            <a:r>
+              <a:rPr lang="en-US" sz="2000" dirty="0"/>
+              <a:t>, broadcasting the necessary information to the whole peer network </a:t>
+            </a:r>
+            <a:r>
+              <a:rPr lang="en-US" sz="2000" dirty="0" smtClean="0"/>
+              <a:t>.</a:t>
+            </a:r>
+          </a:p>
+          <a:p>
+            <a:r>
+              <a:rPr lang="en-US" sz="2000" dirty="0" smtClean="0"/>
+              <a:t> </a:t>
+            </a:r>
+            <a:r>
+              <a:rPr lang="en-US" sz="2000" dirty="0"/>
+              <a:t>It requires the </a:t>
+            </a:r>
+            <a:r>
+              <a:rPr lang="en-US" sz="2000" dirty="0" smtClean="0"/>
+              <a:t>Intel </a:t>
+            </a:r>
+            <a:r>
+              <a:rPr lang="en-US" sz="2000" b="1" dirty="0" smtClean="0"/>
+              <a:t>SGX </a:t>
+            </a:r>
+            <a:r>
+              <a:rPr lang="en-US" sz="2000" dirty="0"/>
+              <a:t>(</a:t>
+            </a:r>
+            <a:r>
+              <a:rPr lang="en-US" sz="2000" b="1" dirty="0"/>
+              <a:t>Software Guard Extensions</a:t>
+            </a:r>
+            <a:r>
+              <a:rPr lang="en-US" sz="2000" dirty="0"/>
+              <a:t>) processor in order to provide the security guarantee </a:t>
+            </a:r>
+            <a:r>
+              <a:rPr lang="en-US" sz="2000" dirty="0" smtClean="0"/>
+              <a:t>and for </a:t>
+            </a:r>
+            <a:r>
+              <a:rPr lang="en-US" sz="2000" dirty="0"/>
+              <a:t>it to be secure. </a:t>
+            </a:r>
+            <a:endParaRPr lang="en-US" sz="2000" dirty="0" smtClean="0"/>
+          </a:p>
+          <a:p>
+            <a:r>
+              <a:rPr lang="en-US" sz="2000" i="1" dirty="0" err="1" smtClean="0"/>
+              <a:t>Hyperledger</a:t>
+            </a:r>
+            <a:r>
+              <a:rPr lang="en-US" sz="2000" i="1" dirty="0" smtClean="0"/>
+              <a:t> </a:t>
+            </a:r>
+            <a:r>
+              <a:rPr lang="en-US" sz="2000" dirty="0"/>
+              <a:t>in </a:t>
+            </a:r>
+            <a:r>
+              <a:rPr lang="en-US" sz="2000" dirty="0" smtClean="0"/>
+              <a:t>the context </a:t>
+            </a:r>
+            <a:r>
+              <a:rPr lang="en-US" sz="2000" dirty="0"/>
+              <a:t>of the Intel </a:t>
+            </a:r>
+            <a:r>
+              <a:rPr lang="en-US" sz="2000" dirty="0" err="1"/>
+              <a:t>Sawtooth</a:t>
+            </a:r>
+            <a:r>
+              <a:rPr lang="en-US" sz="2000" dirty="0"/>
+              <a:t> Lake </a:t>
+            </a:r>
+            <a:r>
+              <a:rPr lang="en-US" sz="2000" dirty="0" err="1"/>
+              <a:t>blockchain</a:t>
+            </a:r>
+            <a:r>
+              <a:rPr lang="en-US" sz="2000" dirty="0"/>
+              <a:t> project.</a:t>
+            </a:r>
+            <a:endParaRPr lang="en-US" sz="2000" dirty="0"/>
+          </a:p>
+        </p:txBody>
+      </p:sp>
+    </p:spTree>
+    <p:extLst>
+      <p:ext uri="{BB962C8B-B14F-4D97-AF65-F5344CB8AC3E}">
+        <p14:creationId xmlns:p14="http://schemas.microsoft.com/office/powerpoint/2010/main" val="2705875134"/>
+      </p:ext>
+    </p:extLst>
+  </p:cSld>
+  <p:clrMapOvr>
+    <a:masterClrMapping/>
+  </p:clrMapOvr>
+</p:sld>
+</file>
+
+<file path=ppt/slides/slide107.xml><?xml version="1.0" encoding="utf-8"?>
+<p:sld xmlns:a="http://schemas.openxmlformats.org/drawingml/2006/main" xmlns:r="http://schemas.openxmlformats.org/officeDocument/2006/relationships" xmlns:p="http://schemas.openxmlformats.org/presentationml/2006/main">
+  <p:cSld>
+    <p:spTree>
+      <p:nvGrpSpPr>
+        <p:cNvPr id="1" name=""/>
+        <p:cNvGrpSpPr/>
+        <p:nvPr/>
+      </p:nvGrpSpPr>
+      <p:grpSpPr>
+        <a:xfrm>
+          <a:off x="0" y="0"/>
+          <a:ext cx="0" cy="0"/>
+          <a:chOff x="0" y="0"/>
+          <a:chExt cx="0" cy="0"/>
+        </a:xfrm>
+      </p:grpSpPr>
+      <p:sp>
+        <p:nvSpPr>
+          <p:cNvPr id="2" name="Title 1"/>
+          <p:cNvSpPr>
+            <a:spLocks noGrp="1"/>
+          </p:cNvSpPr>
+          <p:nvPr>
+            <p:ph type="title"/>
+          </p:nvPr>
+        </p:nvSpPr>
+        <p:spPr/>
+        <p:txBody>
+          <a:bodyPr/>
+          <a:lstStyle/>
+          <a:p>
+            <a:r>
+              <a:rPr lang="en-US" b="1" dirty="0"/>
+              <a:t>Deposit-based consensus</a:t>
+            </a:r>
+            <a:endParaRPr lang="en-US" dirty="0"/>
+          </a:p>
+        </p:txBody>
+      </p:sp>
+      <p:sp>
+        <p:nvSpPr>
+          <p:cNvPr id="3" name="Content Placeholder 2"/>
+          <p:cNvSpPr>
+            <a:spLocks noGrp="1"/>
+          </p:cNvSpPr>
+          <p:nvPr>
+            <p:ph idx="1"/>
+          </p:nvPr>
+        </p:nvSpPr>
+        <p:spPr/>
+        <p:txBody>
+          <a:bodyPr>
+            <a:normAutofit/>
+          </a:bodyPr>
+          <a:lstStyle/>
+          <a:p>
+            <a:r>
+              <a:rPr lang="en-US" sz="2400" dirty="0"/>
+              <a:t>Nodes that wish to participate on the network have to put in a security deposit before </a:t>
+            </a:r>
+            <a:r>
+              <a:rPr lang="en-US" sz="2400" dirty="0" smtClean="0"/>
+              <a:t>they can </a:t>
+            </a:r>
+            <a:r>
+              <a:rPr lang="en-US" sz="2400" dirty="0"/>
+              <a:t>propose a block</a:t>
+            </a:r>
+            <a:r>
+              <a:rPr lang="en-US" sz="2400" dirty="0" smtClean="0"/>
+              <a:t>.</a:t>
+            </a:r>
+          </a:p>
+          <a:p>
+            <a:r>
+              <a:rPr lang="en-US" sz="2400" dirty="0"/>
+              <a:t>The protocol governs through the controlling of these security deposits, which implicitly governs the incentives of validators.</a:t>
+            </a:r>
+            <a:endParaRPr lang="en-US" sz="2400" dirty="0"/>
+          </a:p>
+        </p:txBody>
+      </p:sp>
+    </p:spTree>
+    <p:extLst>
+      <p:ext uri="{BB962C8B-B14F-4D97-AF65-F5344CB8AC3E}">
+        <p14:creationId xmlns:p14="http://schemas.microsoft.com/office/powerpoint/2010/main" val="4200901246"/>
+      </p:ext>
+    </p:extLst>
+  </p:cSld>
+  <p:clrMapOvr>
+    <a:masterClrMapping/>
+  </p:clrMapOvr>
+</p:sld>
+</file>
+
+<file path=ppt/slides/slide108.xml><?xml version="1.0" encoding="utf-8"?>
+<p:sld xmlns:a="http://schemas.openxmlformats.org/drawingml/2006/main" xmlns:r="http://schemas.openxmlformats.org/officeDocument/2006/relationships" xmlns:p="http://schemas.openxmlformats.org/presentationml/2006/main">
+  <p:cSld>
+    <p:spTree>
+      <p:nvGrpSpPr>
+        <p:cNvPr id="1" name=""/>
+        <p:cNvGrpSpPr/>
+        <p:nvPr/>
+      </p:nvGrpSpPr>
+      <p:grpSpPr>
+        <a:xfrm>
+          <a:off x="0" y="0"/>
+          <a:ext cx="0" cy="0"/>
+          <a:chOff x="0" y="0"/>
+          <a:chExt cx="0" cy="0"/>
+        </a:xfrm>
+      </p:grpSpPr>
+      <p:sp>
+        <p:nvSpPr>
+          <p:cNvPr id="2" name="Title 1"/>
+          <p:cNvSpPr>
+            <a:spLocks noGrp="1"/>
+          </p:cNvSpPr>
+          <p:nvPr>
+            <p:ph type="title"/>
+          </p:nvPr>
+        </p:nvSpPr>
+        <p:spPr/>
+        <p:txBody>
+          <a:bodyPr/>
+          <a:lstStyle/>
+          <a:p>
+            <a:r>
+              <a:rPr lang="en-US" dirty="0"/>
+              <a:t>Proof of importance</a:t>
+            </a:r>
+          </a:p>
+        </p:txBody>
+      </p:sp>
+      <p:sp>
+        <p:nvSpPr>
+          <p:cNvPr id="3" name="Content Placeholder 2"/>
+          <p:cNvSpPr>
+            <a:spLocks noGrp="1"/>
+          </p:cNvSpPr>
+          <p:nvPr>
+            <p:ph idx="1"/>
+          </p:nvPr>
+        </p:nvSpPr>
+        <p:spPr/>
+        <p:txBody>
+          <a:bodyPr>
+            <a:normAutofit/>
+          </a:bodyPr>
+          <a:lstStyle/>
+          <a:p>
+            <a:r>
+              <a:rPr lang="en-US" sz="2000" dirty="0" smtClean="0"/>
+              <a:t>Proof </a:t>
+            </a:r>
+            <a:r>
+              <a:rPr lang="en-US" sz="2000" dirty="0"/>
+              <a:t>of importance not only </a:t>
+            </a:r>
+            <a:r>
+              <a:rPr lang="en-US" sz="2000" dirty="0" smtClean="0"/>
+              <a:t>relies on </a:t>
+            </a:r>
+            <a:r>
+              <a:rPr lang="en-US" sz="2000" dirty="0"/>
+              <a:t>how much stake a user has in the system but it also monitors the usage and movement </a:t>
+            </a:r>
+            <a:r>
+              <a:rPr lang="en-US" sz="2000" dirty="0" smtClean="0"/>
+              <a:t>of tokens </a:t>
+            </a:r>
+            <a:r>
+              <a:rPr lang="en-US" sz="2000" dirty="0"/>
+              <a:t>by the user to establish a level of trust and importance. </a:t>
+            </a:r>
+            <a:endParaRPr lang="en-US" sz="2000" dirty="0" smtClean="0"/>
+          </a:p>
+          <a:p>
+            <a:r>
+              <a:rPr lang="en-US" sz="2000" dirty="0" smtClean="0"/>
+              <a:t>This </a:t>
+            </a:r>
+            <a:r>
+              <a:rPr lang="en-US" sz="2000" dirty="0"/>
+              <a:t>is used in </a:t>
+            </a:r>
+            <a:r>
+              <a:rPr lang="en-US" sz="2000" dirty="0" err="1"/>
+              <a:t>Nemcoin</a:t>
+            </a:r>
+            <a:r>
+              <a:rPr lang="en-US" sz="2000" dirty="0" smtClean="0"/>
+              <a:t>.</a:t>
+            </a:r>
+          </a:p>
+          <a:p>
+            <a:r>
+              <a:rPr lang="en-US" sz="2000" dirty="0"/>
+              <a:t>P</a:t>
+            </a:r>
+            <a:r>
+              <a:rPr lang="en-US" sz="2000" dirty="0" smtClean="0"/>
+              <a:t>roof </a:t>
+            </a:r>
+            <a:r>
+              <a:rPr lang="en-US" sz="2000" dirty="0"/>
+              <a:t>importance uses other various metrics in order to evaluate nodes. </a:t>
+            </a:r>
+            <a:endParaRPr lang="en-US" sz="2000" dirty="0" smtClean="0"/>
+          </a:p>
+          <a:p>
+            <a:pPr lvl="1"/>
+            <a:r>
+              <a:rPr lang="en-US" sz="2000" dirty="0" smtClean="0"/>
+              <a:t>net transfers</a:t>
+            </a:r>
+          </a:p>
+          <a:p>
+            <a:pPr lvl="1"/>
+            <a:r>
+              <a:rPr lang="en-US" sz="2000" dirty="0" smtClean="0"/>
+              <a:t>amount </a:t>
+            </a:r>
+            <a:r>
+              <a:rPr lang="en-US" sz="2000" dirty="0"/>
+              <a:t>of vested </a:t>
+            </a:r>
+            <a:r>
+              <a:rPr lang="en-US" sz="2000" dirty="0" smtClean="0"/>
+              <a:t>currency,</a:t>
+            </a:r>
+          </a:p>
+          <a:p>
+            <a:pPr lvl="1"/>
+            <a:r>
+              <a:rPr lang="en-US" sz="2000" dirty="0" smtClean="0"/>
+              <a:t>activity </a:t>
+            </a:r>
+            <a:r>
+              <a:rPr lang="en-US" sz="2000" dirty="0"/>
+              <a:t>clusters</a:t>
+            </a:r>
+            <a:endParaRPr lang="en-US" sz="2000" dirty="0"/>
+          </a:p>
+        </p:txBody>
+      </p:sp>
+    </p:spTree>
+    <p:extLst>
+      <p:ext uri="{BB962C8B-B14F-4D97-AF65-F5344CB8AC3E}">
+        <p14:creationId xmlns:p14="http://schemas.microsoft.com/office/powerpoint/2010/main" val="1097037490"/>
+      </p:ext>
+    </p:extLst>
+  </p:cSld>
+  <p:clrMapOvr>
+    <a:masterClrMapping/>
+  </p:clrMapOvr>
+</p:sld>
+</file>
+
+<file path=ppt/slides/slide109.xml><?xml version="1.0" encoding="utf-8"?>
+<p:sld xmlns:a="http://schemas.openxmlformats.org/drawingml/2006/main" xmlns:r="http://schemas.openxmlformats.org/officeDocument/2006/relationships" xmlns:p="http://schemas.openxmlformats.org/presentationml/2006/main">
+  <p:cSld>
+    <p:spTree>
+      <p:nvGrpSpPr>
+        <p:cNvPr id="1" name=""/>
+        <p:cNvGrpSpPr/>
+        <p:nvPr/>
+      </p:nvGrpSpPr>
+      <p:grpSpPr>
+        <a:xfrm>
+          <a:off x="0" y="0"/>
+          <a:ext cx="0" cy="0"/>
+          <a:chOff x="0" y="0"/>
+          <a:chExt cx="0" cy="0"/>
+        </a:xfrm>
+      </p:grpSpPr>
+      <p:sp>
+        <p:nvSpPr>
+          <p:cNvPr id="2" name="Title 1"/>
+          <p:cNvSpPr>
+            <a:spLocks noGrp="1"/>
+          </p:cNvSpPr>
+          <p:nvPr>
+            <p:ph type="title"/>
+          </p:nvPr>
+        </p:nvSpPr>
+        <p:spPr/>
+        <p:txBody>
+          <a:bodyPr>
+            <a:normAutofit/>
+          </a:bodyPr>
+          <a:lstStyle/>
+          <a:p>
+            <a:r>
+              <a:rPr lang="en-US" b="1" dirty="0"/>
+              <a:t>Federated consensus or federated </a:t>
+            </a:r>
+            <a:r>
+              <a:rPr lang="en-US" b="1" dirty="0" smtClean="0"/>
+              <a:t>Byzantine consensus</a:t>
+            </a:r>
+            <a:endParaRPr lang="en-US" dirty="0"/>
+          </a:p>
+        </p:txBody>
+      </p:sp>
+      <p:sp>
+        <p:nvSpPr>
+          <p:cNvPr id="3" name="Content Placeholder 2"/>
+          <p:cNvSpPr>
+            <a:spLocks noGrp="1"/>
+          </p:cNvSpPr>
+          <p:nvPr>
+            <p:ph idx="1"/>
+          </p:nvPr>
+        </p:nvSpPr>
+        <p:spPr/>
+        <p:txBody>
+          <a:bodyPr>
+            <a:normAutofit/>
+          </a:bodyPr>
+          <a:lstStyle/>
+          <a:p>
+            <a:r>
+              <a:rPr lang="en-US" sz="2400" b="1" dirty="0"/>
+              <a:t>Used in the stellar consensus </a:t>
+            </a:r>
+            <a:r>
+              <a:rPr lang="en-US" sz="2400" b="1" dirty="0" smtClean="0"/>
+              <a:t>protocol</a:t>
+            </a:r>
+          </a:p>
+          <a:p>
+            <a:r>
+              <a:rPr lang="en-US" sz="2400" b="1" dirty="0" smtClean="0"/>
+              <a:t>Nodes </a:t>
+            </a:r>
+            <a:r>
+              <a:rPr lang="en-US" sz="2400" b="1" dirty="0"/>
+              <a:t>in this protocol keep a group of </a:t>
+            </a:r>
+            <a:r>
+              <a:rPr lang="en-US" sz="2400" b="1" dirty="0" smtClean="0"/>
+              <a:t>publicly trusted </a:t>
+            </a:r>
+            <a:r>
+              <a:rPr lang="en-US" sz="2400" b="1" dirty="0"/>
+              <a:t>peers and propagates only those transactions that have </a:t>
+            </a:r>
+            <a:r>
+              <a:rPr lang="en-US" sz="2400" b="1" dirty="0" smtClean="0"/>
+              <a:t>been validated </a:t>
+            </a:r>
+            <a:r>
+              <a:rPr lang="en-US" sz="2400" b="1" dirty="0"/>
+              <a:t>by </a:t>
+            </a:r>
+            <a:r>
+              <a:rPr lang="en-US" sz="2400" b="1" dirty="0" smtClean="0"/>
+              <a:t>the majority </a:t>
+            </a:r>
+            <a:r>
+              <a:rPr lang="en-US" sz="2400" b="1" dirty="0"/>
+              <a:t>of trusted nodes.</a:t>
+            </a:r>
+            <a:endParaRPr lang="en-US" sz="2400" b="1" dirty="0"/>
+          </a:p>
+        </p:txBody>
+      </p:sp>
+    </p:spTree>
+    <p:extLst>
+      <p:ext uri="{BB962C8B-B14F-4D97-AF65-F5344CB8AC3E}">
+        <p14:creationId xmlns:p14="http://schemas.microsoft.com/office/powerpoint/2010/main" val="862496901"/>
+      </p:ext>
+    </p:extLst>
+  </p:cSld>
+  <p:clrMapOvr>
+    <a:masterClrMapping/>
+  </p:clrMapOvr>
+</p:sld>
+</file>
+
 <file path=ppt/slides/slide11.xml><?xml version="1.0" encoding="utf-8"?>
 <p:sld xmlns:a="http://schemas.openxmlformats.org/drawingml/2006/main" xmlns:r="http://schemas.openxmlformats.org/officeDocument/2006/relationships" xmlns:p="http://schemas.openxmlformats.org/presentationml/2006/main">
   <p:cSld>
@@ -9225,6 +10870,1089 @@
       </p:par>
     </p:tnLst>
   </p:timing>
+</p:sld>
+</file>
+
+<file path=ppt/slides/slide110.xml><?xml version="1.0" encoding="utf-8"?>
+<p:sld xmlns:a="http://schemas.openxmlformats.org/drawingml/2006/main" xmlns:r="http://schemas.openxmlformats.org/officeDocument/2006/relationships" xmlns:p="http://schemas.openxmlformats.org/presentationml/2006/main">
+  <p:cSld>
+    <p:spTree>
+      <p:nvGrpSpPr>
+        <p:cNvPr id="1" name=""/>
+        <p:cNvGrpSpPr/>
+        <p:nvPr/>
+      </p:nvGrpSpPr>
+      <p:grpSpPr>
+        <a:xfrm>
+          <a:off x="0" y="0"/>
+          <a:ext cx="0" cy="0"/>
+          <a:chOff x="0" y="0"/>
+          <a:chExt cx="0" cy="0"/>
+        </a:xfrm>
+      </p:grpSpPr>
+      <p:sp>
+        <p:nvSpPr>
+          <p:cNvPr id="2" name="Title 1"/>
+          <p:cNvSpPr>
+            <a:spLocks noGrp="1"/>
+          </p:cNvSpPr>
+          <p:nvPr>
+            <p:ph type="title"/>
+          </p:nvPr>
+        </p:nvSpPr>
+        <p:spPr/>
+        <p:txBody>
+          <a:bodyPr/>
+          <a:lstStyle/>
+          <a:p>
+            <a:r>
+              <a:rPr lang="en-US" b="1" dirty="0"/>
+              <a:t>Reputation-based mechanisms</a:t>
+            </a:r>
+            <a:endParaRPr lang="en-US" dirty="0"/>
+          </a:p>
+        </p:txBody>
+      </p:sp>
+      <p:sp>
+        <p:nvSpPr>
+          <p:cNvPr id="3" name="Content Placeholder 2"/>
+          <p:cNvSpPr>
+            <a:spLocks noGrp="1"/>
+          </p:cNvSpPr>
+          <p:nvPr>
+            <p:ph idx="1"/>
+          </p:nvPr>
+        </p:nvSpPr>
+        <p:spPr/>
+        <p:txBody>
+          <a:bodyPr>
+            <a:normAutofit/>
+          </a:bodyPr>
+          <a:lstStyle/>
+          <a:p>
+            <a:r>
+              <a:rPr lang="en-US" sz="2400" dirty="0" smtClean="0"/>
+              <a:t>Leader </a:t>
+            </a:r>
+            <a:r>
+              <a:rPr lang="en-US" sz="2400" dirty="0"/>
+              <a:t>is elected on the basis of the reputation it has built over </a:t>
+            </a:r>
+            <a:r>
+              <a:rPr lang="en-US" sz="2400" dirty="0" smtClean="0"/>
+              <a:t>time on </a:t>
+            </a:r>
+            <a:r>
+              <a:rPr lang="en-US" sz="2400" dirty="0"/>
+              <a:t>the network. </a:t>
+            </a:r>
+            <a:endParaRPr lang="en-US" sz="2400" dirty="0" smtClean="0"/>
+          </a:p>
+          <a:p>
+            <a:r>
+              <a:rPr lang="en-US" sz="2400" dirty="0" smtClean="0"/>
+              <a:t>This </a:t>
+            </a:r>
+            <a:r>
+              <a:rPr lang="en-US" sz="2400" dirty="0"/>
+              <a:t>can be based on the voting from other members.</a:t>
+            </a:r>
+            <a:endParaRPr lang="en-US" sz="2400" dirty="0"/>
+          </a:p>
+        </p:txBody>
+      </p:sp>
+    </p:spTree>
+    <p:extLst>
+      <p:ext uri="{BB962C8B-B14F-4D97-AF65-F5344CB8AC3E}">
+        <p14:creationId xmlns:p14="http://schemas.microsoft.com/office/powerpoint/2010/main" val="94215515"/>
+      </p:ext>
+    </p:extLst>
+  </p:cSld>
+  <p:clrMapOvr>
+    <a:masterClrMapping/>
+  </p:clrMapOvr>
+</p:sld>
+</file>
+
+<file path=ppt/slides/slide111.xml><?xml version="1.0" encoding="utf-8"?>
+<p:sld xmlns:a="http://schemas.openxmlformats.org/drawingml/2006/main" xmlns:r="http://schemas.openxmlformats.org/officeDocument/2006/relationships" xmlns:p="http://schemas.openxmlformats.org/presentationml/2006/main">
+  <p:cSld>
+    <p:spTree>
+      <p:nvGrpSpPr>
+        <p:cNvPr id="1" name=""/>
+        <p:cNvGrpSpPr/>
+        <p:nvPr/>
+      </p:nvGrpSpPr>
+      <p:grpSpPr>
+        <a:xfrm>
+          <a:off x="0" y="0"/>
+          <a:ext cx="0" cy="0"/>
+          <a:chOff x="0" y="0"/>
+          <a:chExt cx="0" cy="0"/>
+        </a:xfrm>
+      </p:grpSpPr>
+      <p:sp>
+        <p:nvSpPr>
+          <p:cNvPr id="2" name="Title 1"/>
+          <p:cNvSpPr>
+            <a:spLocks noGrp="1"/>
+          </p:cNvSpPr>
+          <p:nvPr>
+            <p:ph type="title"/>
+          </p:nvPr>
+        </p:nvSpPr>
+        <p:spPr/>
+        <p:txBody>
+          <a:bodyPr/>
+          <a:lstStyle/>
+          <a:p>
+            <a:r>
+              <a:rPr lang="en-US" b="1" dirty="0"/>
+              <a:t>Practical Byzantine Fault Tolerance</a:t>
+            </a:r>
+            <a:endParaRPr lang="en-US" dirty="0"/>
+          </a:p>
+        </p:txBody>
+      </p:sp>
+      <p:sp>
+        <p:nvSpPr>
+          <p:cNvPr id="3" name="Content Placeholder 2"/>
+          <p:cNvSpPr>
+            <a:spLocks noGrp="1"/>
+          </p:cNvSpPr>
+          <p:nvPr>
+            <p:ph idx="1"/>
+          </p:nvPr>
+        </p:nvSpPr>
+        <p:spPr/>
+        <p:txBody>
+          <a:bodyPr>
+            <a:normAutofit/>
+          </a:bodyPr>
+          <a:lstStyle/>
+          <a:p>
+            <a:r>
+              <a:rPr lang="en-US" sz="2400" b="1" dirty="0"/>
+              <a:t>Practical Byzantine Fault Tolerance </a:t>
+            </a:r>
+            <a:r>
+              <a:rPr lang="en-US" sz="2400" dirty="0"/>
+              <a:t>(</a:t>
+            </a:r>
+            <a:r>
+              <a:rPr lang="en-US" sz="2400" b="1" dirty="0"/>
+              <a:t>PBFT</a:t>
+            </a:r>
+            <a:r>
+              <a:rPr lang="en-US" sz="2400" dirty="0"/>
+              <a:t>) achieves state machine replication, </a:t>
+            </a:r>
+            <a:r>
+              <a:rPr lang="en-US" sz="2400" dirty="0" smtClean="0"/>
+              <a:t>which provides </a:t>
+            </a:r>
+            <a:r>
+              <a:rPr lang="en-US" sz="2400" dirty="0"/>
+              <a:t>tolerance against Byzantine nodes. </a:t>
+            </a:r>
+            <a:endParaRPr lang="en-US" sz="2400" dirty="0" smtClean="0"/>
+          </a:p>
+          <a:p>
+            <a:r>
+              <a:rPr lang="en-US" sz="2400" dirty="0" smtClean="0"/>
+              <a:t>PBFT</a:t>
+            </a:r>
+            <a:r>
+              <a:rPr lang="en-US" sz="2400" dirty="0"/>
+              <a:t>, PAXOS, RAFT, and </a:t>
+            </a:r>
+            <a:r>
+              <a:rPr lang="en-US" sz="2400" b="1" dirty="0"/>
+              <a:t>Federated Byzantine Agreement </a:t>
+            </a:r>
+            <a:r>
+              <a:rPr lang="en-US" sz="2400" dirty="0"/>
+              <a:t>(</a:t>
+            </a:r>
+            <a:r>
+              <a:rPr lang="en-US" sz="2400" b="1" dirty="0"/>
+              <a:t>FBA</a:t>
+            </a:r>
+            <a:r>
+              <a:rPr lang="en-US" sz="2400" dirty="0"/>
+              <a:t>), are also </a:t>
+            </a:r>
+            <a:r>
+              <a:rPr lang="en-US" sz="2400" dirty="0" smtClean="0"/>
+              <a:t>being used </a:t>
+            </a:r>
+            <a:r>
+              <a:rPr lang="en-US" sz="2400" dirty="0"/>
+              <a:t>or have been proposed for use in many different implementations of </a:t>
+            </a:r>
+            <a:r>
+              <a:rPr lang="en-US" sz="2400" dirty="0" smtClean="0"/>
+              <a:t>distributed systems </a:t>
+            </a:r>
+            <a:r>
+              <a:rPr lang="en-US" sz="2400" dirty="0"/>
+              <a:t>and </a:t>
+            </a:r>
+            <a:r>
+              <a:rPr lang="en-US" sz="2400" dirty="0" err="1"/>
+              <a:t>blockchains</a:t>
+            </a:r>
+            <a:r>
+              <a:rPr lang="en-US" sz="2400" dirty="0"/>
+              <a:t>.</a:t>
+            </a:r>
+            <a:endParaRPr lang="en-US" sz="2400" dirty="0"/>
+          </a:p>
+        </p:txBody>
+      </p:sp>
+    </p:spTree>
+    <p:extLst>
+      <p:ext uri="{BB962C8B-B14F-4D97-AF65-F5344CB8AC3E}">
+        <p14:creationId xmlns:p14="http://schemas.microsoft.com/office/powerpoint/2010/main" val="1660032891"/>
+      </p:ext>
+    </p:extLst>
+  </p:cSld>
+  <p:clrMapOvr>
+    <a:masterClrMapping/>
+  </p:clrMapOvr>
+</p:sld>
+</file>
+
+<file path=ppt/slides/slide112.xml><?xml version="1.0" encoding="utf-8"?>
+<p:sld xmlns:a="http://schemas.openxmlformats.org/drawingml/2006/main" xmlns:r="http://schemas.openxmlformats.org/officeDocument/2006/relationships" xmlns:p="http://schemas.openxmlformats.org/presentationml/2006/main">
+  <p:cSld>
+    <p:spTree>
+      <p:nvGrpSpPr>
+        <p:cNvPr id="1" name=""/>
+        <p:cNvGrpSpPr/>
+        <p:nvPr/>
+      </p:nvGrpSpPr>
+      <p:grpSpPr>
+        <a:xfrm>
+          <a:off x="0" y="0"/>
+          <a:ext cx="0" cy="0"/>
+          <a:chOff x="0" y="0"/>
+          <a:chExt cx="0" cy="0"/>
+        </a:xfrm>
+      </p:grpSpPr>
+      <p:sp>
+        <p:nvSpPr>
+          <p:cNvPr id="2" name="Title 1"/>
+          <p:cNvSpPr>
+            <a:spLocks noGrp="1"/>
+          </p:cNvSpPr>
+          <p:nvPr>
+            <p:ph type="title"/>
+          </p:nvPr>
+        </p:nvSpPr>
+        <p:spPr>
+          <a:xfrm>
+            <a:off x="2232707" y="153055"/>
+            <a:ext cx="8911687" cy="581235"/>
+          </a:xfrm>
+        </p:spPr>
+        <p:txBody>
+          <a:bodyPr>
+            <a:normAutofit fontScale="90000"/>
+          </a:bodyPr>
+          <a:lstStyle/>
+          <a:p>
+            <a:r>
+              <a:rPr lang="en-US" b="1" dirty="0"/>
+              <a:t>CAP theorem and </a:t>
+            </a:r>
+            <a:r>
+              <a:rPr lang="en-US" b="1" dirty="0" err="1"/>
+              <a:t>blockchain</a:t>
+            </a:r>
+            <a:endParaRPr lang="en-US" dirty="0"/>
+          </a:p>
+        </p:txBody>
+      </p:sp>
+      <p:sp>
+        <p:nvSpPr>
+          <p:cNvPr id="3" name="Content Placeholder 2"/>
+          <p:cNvSpPr>
+            <a:spLocks noGrp="1"/>
+          </p:cNvSpPr>
+          <p:nvPr>
+            <p:ph idx="1"/>
+          </p:nvPr>
+        </p:nvSpPr>
+        <p:spPr>
+          <a:xfrm>
+            <a:off x="1607127" y="734290"/>
+            <a:ext cx="10584873" cy="3777622"/>
+          </a:xfrm>
+        </p:spPr>
+        <p:txBody>
+          <a:bodyPr>
+            <a:noAutofit/>
+          </a:bodyPr>
+          <a:lstStyle/>
+          <a:p>
+            <a:r>
+              <a:rPr lang="en-US" sz="2400" dirty="0" smtClean="0"/>
+              <a:t>CAP </a:t>
+            </a:r>
+            <a:r>
+              <a:rPr lang="en-US" sz="2400" dirty="0"/>
+              <a:t>theorem is violated in </a:t>
+            </a:r>
+            <a:r>
+              <a:rPr lang="en-US" sz="2400" dirty="0" err="1"/>
+              <a:t>blockchain</a:t>
+            </a:r>
+            <a:r>
+              <a:rPr lang="en-US" sz="2400" dirty="0"/>
+              <a:t>, </a:t>
+            </a:r>
+            <a:endParaRPr lang="en-US" sz="2400" dirty="0" smtClean="0"/>
+          </a:p>
+          <a:p>
+            <a:pPr lvl="1"/>
+            <a:r>
+              <a:rPr lang="en-US" sz="2400" dirty="0" smtClean="0"/>
+              <a:t>bitcoin</a:t>
+            </a:r>
+            <a:r>
+              <a:rPr lang="en-US" sz="2400" dirty="0"/>
+              <a:t>, </a:t>
+            </a:r>
+            <a:endParaRPr lang="en-US" sz="2400" dirty="0" smtClean="0"/>
+          </a:p>
+          <a:p>
+            <a:r>
+              <a:rPr lang="en-US" sz="2400" dirty="0" smtClean="0"/>
+              <a:t>In </a:t>
+            </a:r>
+            <a:r>
+              <a:rPr lang="en-US" sz="2400" dirty="0" err="1"/>
+              <a:t>blockchains</a:t>
+            </a:r>
+            <a:r>
+              <a:rPr lang="en-US" sz="2400" dirty="0"/>
+              <a:t> </a:t>
+            </a:r>
+            <a:r>
+              <a:rPr lang="en-US" sz="2400" dirty="0" smtClean="0"/>
+              <a:t>consistency is </a:t>
+            </a:r>
+            <a:r>
+              <a:rPr lang="en-US" sz="2400" dirty="0"/>
+              <a:t>sacrificed in favor of availability and partition tolerance</a:t>
+            </a:r>
+            <a:r>
+              <a:rPr lang="en-US" sz="2400" dirty="0" smtClean="0"/>
+              <a:t>.</a:t>
+            </a:r>
+          </a:p>
+          <a:p>
+            <a:r>
+              <a:rPr lang="en-US" sz="2400" dirty="0" smtClean="0"/>
+              <a:t> </a:t>
+            </a:r>
+            <a:r>
+              <a:rPr lang="en-US" sz="2400" dirty="0"/>
+              <a:t>In this scenario, </a:t>
+            </a:r>
+            <a:r>
+              <a:rPr lang="en-US" sz="2400" b="1" dirty="0"/>
+              <a:t>Consistency </a:t>
+            </a:r>
+            <a:r>
+              <a:rPr lang="en-US" sz="2400" dirty="0"/>
+              <a:t>(</a:t>
+            </a:r>
+            <a:r>
+              <a:rPr lang="en-US" sz="2400" b="1" dirty="0"/>
+              <a:t>C</a:t>
+            </a:r>
+            <a:r>
+              <a:rPr lang="en-US" sz="2400" dirty="0" smtClean="0"/>
+              <a:t>) on </a:t>
+            </a:r>
+            <a:r>
+              <a:rPr lang="en-US" sz="2400" dirty="0"/>
+              <a:t>the </a:t>
+            </a:r>
+            <a:r>
+              <a:rPr lang="en-US" sz="2400" dirty="0" err="1"/>
+              <a:t>blockchain</a:t>
+            </a:r>
+            <a:r>
+              <a:rPr lang="en-US" sz="2400" dirty="0"/>
+              <a:t> is not achieved simultaneously with </a:t>
+            </a:r>
+            <a:r>
+              <a:rPr lang="en-US" sz="2400" b="1" dirty="0"/>
+              <a:t>Partition tolerance </a:t>
+            </a:r>
+            <a:r>
+              <a:rPr lang="en-US" sz="2400" dirty="0"/>
+              <a:t>(</a:t>
+            </a:r>
+            <a:r>
+              <a:rPr lang="en-US" sz="2400" b="1" dirty="0"/>
+              <a:t>P</a:t>
+            </a:r>
+            <a:r>
+              <a:rPr lang="en-US" sz="2400" dirty="0"/>
+              <a:t>) </a:t>
+            </a:r>
+            <a:r>
+              <a:rPr lang="en-US" sz="2400" dirty="0" smtClean="0"/>
+              <a:t>and </a:t>
+            </a:r>
+            <a:r>
+              <a:rPr lang="en-US" sz="2400" b="1" dirty="0" smtClean="0"/>
+              <a:t>Availability </a:t>
+            </a:r>
+            <a:r>
+              <a:rPr lang="en-US" sz="2400" dirty="0"/>
+              <a:t>(</a:t>
+            </a:r>
+            <a:r>
+              <a:rPr lang="en-US" sz="2400" b="1" dirty="0"/>
+              <a:t>A</a:t>
+            </a:r>
+            <a:r>
+              <a:rPr lang="en-US" sz="2400" dirty="0"/>
+              <a:t>), but it is achieved over time. </a:t>
+            </a:r>
+            <a:endParaRPr lang="en-US" sz="2400" dirty="0" smtClean="0"/>
+          </a:p>
+          <a:p>
+            <a:pPr lvl="1"/>
+            <a:r>
+              <a:rPr lang="en-US" sz="2400" dirty="0" smtClean="0"/>
+              <a:t>This </a:t>
+            </a:r>
+            <a:r>
+              <a:rPr lang="en-US" sz="2400" dirty="0"/>
+              <a:t>is called </a:t>
+            </a:r>
+            <a:r>
+              <a:rPr lang="en-US" sz="2400" i="1" dirty="0"/>
+              <a:t>eventual consistency</a:t>
+            </a:r>
+            <a:r>
+              <a:rPr lang="en-US" sz="2400" dirty="0"/>
+              <a:t>, </a:t>
+            </a:r>
+            <a:r>
+              <a:rPr lang="en-US" sz="2400" dirty="0" smtClean="0"/>
+              <a:t>where consistency </a:t>
+            </a:r>
+            <a:r>
+              <a:rPr lang="en-US" sz="2400" dirty="0"/>
+              <a:t>is achieved as a result of validation from multiple nodes over time. </a:t>
+            </a:r>
+            <a:endParaRPr lang="en-US" sz="2400" dirty="0" smtClean="0"/>
+          </a:p>
+          <a:p>
+            <a:r>
+              <a:rPr lang="en-US" sz="2400" dirty="0" smtClean="0"/>
+              <a:t>For this purpose</a:t>
+            </a:r>
+            <a:r>
+              <a:rPr lang="en-US" sz="2400" dirty="0"/>
+              <a:t>, the concept of mining was introduced in bitcoin; this is a process that </a:t>
+            </a:r>
+            <a:r>
+              <a:rPr lang="en-US" sz="2400" dirty="0" smtClean="0"/>
+              <a:t>facilitates the </a:t>
+            </a:r>
+            <a:r>
+              <a:rPr lang="en-US" sz="2400" dirty="0"/>
+              <a:t>achievement of consensus by using a consensus algorithm called </a:t>
+            </a:r>
+            <a:r>
+              <a:rPr lang="en-US" sz="2400" dirty="0" err="1"/>
+              <a:t>PoW</a:t>
+            </a:r>
+            <a:r>
+              <a:rPr lang="en-US" sz="2400" dirty="0"/>
+              <a:t>. </a:t>
+            </a:r>
+            <a:endParaRPr lang="en-US" sz="2400" dirty="0" smtClean="0"/>
+          </a:p>
+          <a:p>
+            <a:r>
+              <a:rPr lang="en-US" sz="2400" dirty="0" smtClean="0"/>
+              <a:t>Mining </a:t>
+            </a:r>
+            <a:r>
+              <a:rPr lang="en-US" sz="2400" dirty="0"/>
+              <a:t>can be defined as a process that is used to add more blocks to the </a:t>
+            </a:r>
+            <a:r>
+              <a:rPr lang="en-US" sz="2400" dirty="0" err="1"/>
+              <a:t>blockchain</a:t>
+            </a:r>
+            <a:r>
+              <a:rPr lang="en-US" sz="2400" dirty="0"/>
+              <a:t>.</a:t>
+            </a:r>
+            <a:endParaRPr lang="en-US" sz="2400" dirty="0"/>
+          </a:p>
+        </p:txBody>
+      </p:sp>
+    </p:spTree>
+    <p:extLst>
+      <p:ext uri="{BB962C8B-B14F-4D97-AF65-F5344CB8AC3E}">
+        <p14:creationId xmlns:p14="http://schemas.microsoft.com/office/powerpoint/2010/main" val="3378984165"/>
+      </p:ext>
+    </p:extLst>
+  </p:cSld>
+  <p:clrMapOvr>
+    <a:masterClrMapping/>
+  </p:clrMapOvr>
+</p:sld>
+</file>
+
+<file path=ppt/slides/slide113.xml><?xml version="1.0" encoding="utf-8"?>
+<p:sld xmlns:a="http://schemas.openxmlformats.org/drawingml/2006/main" xmlns:r="http://schemas.openxmlformats.org/officeDocument/2006/relationships" xmlns:p="http://schemas.openxmlformats.org/presentationml/2006/main">
+  <p:cSld>
+    <p:spTree>
+      <p:nvGrpSpPr>
+        <p:cNvPr id="1" name=""/>
+        <p:cNvGrpSpPr/>
+        <p:nvPr/>
+      </p:nvGrpSpPr>
+      <p:grpSpPr>
+        <a:xfrm>
+          <a:off x="0" y="0"/>
+          <a:ext cx="0" cy="0"/>
+          <a:chOff x="0" y="0"/>
+          <a:chExt cx="0" cy="0"/>
+        </a:xfrm>
+      </p:grpSpPr>
+      <p:sp>
+        <p:nvSpPr>
+          <p:cNvPr id="2" name="Title 1"/>
+          <p:cNvSpPr>
+            <a:spLocks noGrp="1"/>
+          </p:cNvSpPr>
+          <p:nvPr>
+            <p:ph type="title"/>
+          </p:nvPr>
+        </p:nvSpPr>
+        <p:spPr/>
+        <p:txBody>
+          <a:bodyPr/>
+          <a:lstStyle/>
+          <a:p>
+            <a:r>
+              <a:rPr lang="en-US" b="1" dirty="0"/>
+              <a:t>Benefits </a:t>
+            </a:r>
+            <a:r>
+              <a:rPr lang="en-US" b="1" dirty="0" smtClean="0"/>
+              <a:t>of </a:t>
+            </a:r>
+            <a:r>
+              <a:rPr lang="en-US" b="1" dirty="0" err="1" smtClean="0"/>
+              <a:t>blockchain</a:t>
+            </a:r>
+            <a:endParaRPr lang="en-US" dirty="0"/>
+          </a:p>
+        </p:txBody>
+      </p:sp>
+      <p:sp>
+        <p:nvSpPr>
+          <p:cNvPr id="3" name="Content Placeholder 2"/>
+          <p:cNvSpPr>
+            <a:spLocks noGrp="1"/>
+          </p:cNvSpPr>
+          <p:nvPr>
+            <p:ph idx="1"/>
+          </p:nvPr>
+        </p:nvSpPr>
+        <p:spPr>
+          <a:xfrm>
+            <a:off x="1551709" y="1773382"/>
+            <a:ext cx="9952903" cy="3777622"/>
+          </a:xfrm>
+        </p:spPr>
+        <p:txBody>
+          <a:bodyPr>
+            <a:noAutofit/>
+          </a:bodyPr>
+          <a:lstStyle/>
+          <a:p>
+            <a:r>
+              <a:rPr lang="en-US" sz="2000" b="1" dirty="0" smtClean="0"/>
+              <a:t>Decentralization</a:t>
+            </a:r>
+          </a:p>
+          <a:p>
+            <a:pPr lvl="1"/>
+            <a:r>
+              <a:rPr lang="en-US" sz="2000" dirty="0" smtClean="0"/>
+              <a:t>no </a:t>
+            </a:r>
+            <a:r>
+              <a:rPr lang="en-US" sz="2000" dirty="0"/>
+              <a:t>need for a trusted third party </a:t>
+            </a:r>
+            <a:r>
+              <a:rPr lang="en-US" sz="2000" dirty="0" smtClean="0"/>
+              <a:t>or intermediary </a:t>
+            </a:r>
+            <a:r>
+              <a:rPr lang="en-US" sz="2000" dirty="0"/>
+              <a:t>to validate transactions</a:t>
+            </a:r>
+            <a:endParaRPr lang="en-US" sz="2000" b="1" dirty="0" smtClean="0"/>
+          </a:p>
+          <a:p>
+            <a:r>
+              <a:rPr lang="en-US" sz="2000" b="1" dirty="0"/>
+              <a:t>Transparency and </a:t>
+            </a:r>
+            <a:r>
+              <a:rPr lang="en-US" sz="2000" b="1" dirty="0" smtClean="0"/>
+              <a:t>trust</a:t>
+            </a:r>
+          </a:p>
+          <a:p>
+            <a:pPr lvl="1"/>
+            <a:r>
+              <a:rPr lang="en-US" sz="2000" dirty="0" err="1" smtClean="0"/>
+              <a:t>blockchains</a:t>
+            </a:r>
+            <a:r>
+              <a:rPr lang="en-US" sz="2000" dirty="0" smtClean="0"/>
+              <a:t> </a:t>
+            </a:r>
+            <a:r>
+              <a:rPr lang="en-US" sz="2000" dirty="0"/>
+              <a:t>are shared and everyone can see what is on the </a:t>
+            </a:r>
+            <a:r>
+              <a:rPr lang="en-US" sz="2000" dirty="0" err="1"/>
+              <a:t>blockchain</a:t>
+            </a:r>
+            <a:endParaRPr lang="en-US" sz="2000" b="1" dirty="0" smtClean="0"/>
+          </a:p>
+          <a:p>
+            <a:r>
+              <a:rPr lang="en-US" sz="2000" b="1" dirty="0" smtClean="0"/>
+              <a:t>Immutability</a:t>
+            </a:r>
+          </a:p>
+          <a:p>
+            <a:pPr lvl="1"/>
+            <a:r>
+              <a:rPr lang="en-US" sz="2000" dirty="0"/>
+              <a:t>Once the data has been written to the </a:t>
+            </a:r>
+            <a:r>
+              <a:rPr lang="en-US" sz="2000" dirty="0" err="1"/>
+              <a:t>blockchain</a:t>
+            </a:r>
+            <a:r>
+              <a:rPr lang="en-US" sz="2000" dirty="0"/>
+              <a:t>, it is extremely difficult to change it back</a:t>
+            </a:r>
+            <a:endParaRPr lang="en-US" sz="2000" b="1" dirty="0" smtClean="0"/>
+          </a:p>
+          <a:p>
+            <a:r>
+              <a:rPr lang="en-US" sz="2000" b="1" dirty="0"/>
+              <a:t>High </a:t>
+            </a:r>
+            <a:r>
+              <a:rPr lang="en-US" sz="2000" b="1" dirty="0" smtClean="0"/>
+              <a:t>availability</a:t>
+            </a:r>
+          </a:p>
+          <a:p>
+            <a:pPr lvl="1"/>
+            <a:r>
+              <a:rPr lang="en-US" sz="2000" dirty="0"/>
+              <a:t>data </a:t>
+            </a:r>
+            <a:r>
+              <a:rPr lang="en-US" sz="2000" dirty="0" smtClean="0"/>
+              <a:t>is replicated </a:t>
+            </a:r>
+            <a:r>
+              <a:rPr lang="en-US" sz="2000" dirty="0"/>
+              <a:t>and updated on each and every node</a:t>
+            </a:r>
+            <a:endParaRPr lang="en-US" sz="2000" b="1" dirty="0" smtClean="0"/>
+          </a:p>
+          <a:p>
+            <a:r>
+              <a:rPr lang="en-US" sz="2000" b="1" dirty="0"/>
+              <a:t>Highly </a:t>
+            </a:r>
+            <a:r>
+              <a:rPr lang="en-US" sz="2000" b="1" dirty="0" smtClean="0"/>
+              <a:t>secure</a:t>
+            </a:r>
+          </a:p>
+          <a:p>
+            <a:pPr lvl="1"/>
+            <a:r>
+              <a:rPr lang="en-US" sz="2000" dirty="0"/>
+              <a:t>All transactions on a </a:t>
+            </a:r>
+            <a:r>
+              <a:rPr lang="en-US" sz="2000" dirty="0" err="1"/>
+              <a:t>blockchain</a:t>
+            </a:r>
+            <a:r>
+              <a:rPr lang="en-US" sz="2000" dirty="0"/>
+              <a:t> are cryptographically secured and provide integrity</a:t>
+            </a:r>
+            <a:endParaRPr lang="en-US" sz="2000" dirty="0"/>
+          </a:p>
+        </p:txBody>
+      </p:sp>
+    </p:spTree>
+    <p:extLst>
+      <p:ext uri="{BB962C8B-B14F-4D97-AF65-F5344CB8AC3E}">
+        <p14:creationId xmlns:p14="http://schemas.microsoft.com/office/powerpoint/2010/main" val="1582261733"/>
+      </p:ext>
+    </p:extLst>
+  </p:cSld>
+  <p:clrMapOvr>
+    <a:masterClrMapping/>
+  </p:clrMapOvr>
+</p:sld>
+</file>
+
+<file path=ppt/slides/slide114.xml><?xml version="1.0" encoding="utf-8"?>
+<p:sld xmlns:a="http://schemas.openxmlformats.org/drawingml/2006/main" xmlns:r="http://schemas.openxmlformats.org/officeDocument/2006/relationships" xmlns:p="http://schemas.openxmlformats.org/presentationml/2006/main">
+  <p:cSld>
+    <p:spTree>
+      <p:nvGrpSpPr>
+        <p:cNvPr id="1" name=""/>
+        <p:cNvGrpSpPr/>
+        <p:nvPr/>
+      </p:nvGrpSpPr>
+      <p:grpSpPr>
+        <a:xfrm>
+          <a:off x="0" y="0"/>
+          <a:ext cx="0" cy="0"/>
+          <a:chOff x="0" y="0"/>
+          <a:chExt cx="0" cy="0"/>
+        </a:xfrm>
+      </p:grpSpPr>
+      <p:sp>
+        <p:nvSpPr>
+          <p:cNvPr id="2" name="Title 1"/>
+          <p:cNvSpPr>
+            <a:spLocks noGrp="1"/>
+          </p:cNvSpPr>
+          <p:nvPr>
+            <p:ph type="title"/>
+          </p:nvPr>
+        </p:nvSpPr>
+        <p:spPr/>
+        <p:txBody>
+          <a:bodyPr/>
+          <a:lstStyle/>
+          <a:p>
+            <a:r>
+              <a:rPr lang="en-US" b="1" dirty="0"/>
+              <a:t>Benefits of </a:t>
+            </a:r>
+            <a:r>
+              <a:rPr lang="en-US" b="1" dirty="0" err="1"/>
+              <a:t>blockchain</a:t>
+            </a:r>
+            <a:endParaRPr lang="en-US" dirty="0"/>
+          </a:p>
+        </p:txBody>
+      </p:sp>
+      <p:sp>
+        <p:nvSpPr>
+          <p:cNvPr id="3" name="Content Placeholder 2"/>
+          <p:cNvSpPr>
+            <a:spLocks noGrp="1"/>
+          </p:cNvSpPr>
+          <p:nvPr>
+            <p:ph idx="1"/>
+          </p:nvPr>
+        </p:nvSpPr>
+        <p:spPr/>
+        <p:txBody>
+          <a:bodyPr>
+            <a:noAutofit/>
+          </a:bodyPr>
+          <a:lstStyle/>
+          <a:p>
+            <a:r>
+              <a:rPr lang="en-US" sz="2000" b="1" dirty="0" smtClean="0"/>
+              <a:t>Simplification </a:t>
+            </a:r>
+            <a:r>
+              <a:rPr lang="en-US" sz="2000" b="1" dirty="0"/>
+              <a:t>of current </a:t>
+            </a:r>
+            <a:r>
+              <a:rPr lang="en-US" sz="2000" b="1" dirty="0" smtClean="0"/>
+              <a:t>paradigms</a:t>
+            </a:r>
+          </a:p>
+          <a:p>
+            <a:pPr lvl="1"/>
+            <a:r>
+              <a:rPr lang="en-US" sz="2000" dirty="0" err="1"/>
+              <a:t>B</a:t>
+            </a:r>
+            <a:r>
+              <a:rPr lang="en-US" sz="2000" dirty="0" err="1" smtClean="0"/>
+              <a:t>lockchain</a:t>
+            </a:r>
+            <a:r>
+              <a:rPr lang="en-US" sz="2000" dirty="0" smtClean="0"/>
+              <a:t> </a:t>
+            </a:r>
+            <a:r>
+              <a:rPr lang="en-US" sz="2000" dirty="0"/>
+              <a:t>can serve as a </a:t>
+            </a:r>
+            <a:r>
+              <a:rPr lang="en-US" sz="2000" dirty="0" smtClean="0"/>
+              <a:t>single shared </a:t>
+            </a:r>
+            <a:r>
+              <a:rPr lang="en-US" sz="2000" dirty="0"/>
+              <a:t>ledger among interested </a:t>
+            </a:r>
+            <a:r>
+              <a:rPr lang="en-US" sz="2000" dirty="0" smtClean="0"/>
+              <a:t>parties</a:t>
+            </a:r>
+          </a:p>
+          <a:p>
+            <a:r>
+              <a:rPr lang="en-US" sz="2000" b="1" dirty="0"/>
+              <a:t>Faster </a:t>
+            </a:r>
+            <a:r>
+              <a:rPr lang="en-US" sz="2000" b="1" dirty="0" smtClean="0"/>
+              <a:t>dealings</a:t>
+            </a:r>
+          </a:p>
+          <a:p>
+            <a:pPr lvl="1"/>
+            <a:r>
+              <a:rPr lang="en-US" sz="2000" dirty="0" err="1" smtClean="0"/>
+              <a:t>Blockchain</a:t>
+            </a:r>
+            <a:r>
+              <a:rPr lang="en-US" sz="2000" dirty="0" smtClean="0"/>
+              <a:t> </a:t>
+            </a:r>
+            <a:r>
+              <a:rPr lang="en-US" sz="2000" dirty="0"/>
+              <a:t>does not require a </a:t>
+            </a:r>
+            <a:r>
+              <a:rPr lang="en-US" sz="2000" dirty="0" smtClean="0"/>
+              <a:t>lengthy process </a:t>
+            </a:r>
+            <a:r>
+              <a:rPr lang="en-US" sz="2000" dirty="0"/>
+              <a:t>of verification, reconciliation, and clearance because a single version of agreed </a:t>
+            </a:r>
+            <a:r>
+              <a:rPr lang="en-US" sz="2000" dirty="0" smtClean="0"/>
+              <a:t>upon data </a:t>
+            </a:r>
+            <a:r>
+              <a:rPr lang="en-US" sz="2000" dirty="0"/>
+              <a:t>is already available on a shared </a:t>
+            </a:r>
+            <a:r>
+              <a:rPr lang="en-US" sz="2000" dirty="0" smtClean="0"/>
+              <a:t>ledger</a:t>
+            </a:r>
+          </a:p>
+          <a:p>
+            <a:r>
+              <a:rPr lang="en-US" sz="2000" b="1" dirty="0"/>
+              <a:t>Cost </a:t>
+            </a:r>
+            <a:r>
+              <a:rPr lang="en-US" sz="2000" b="1" dirty="0" smtClean="0"/>
+              <a:t>saving</a:t>
+            </a:r>
+          </a:p>
+          <a:p>
+            <a:pPr lvl="1"/>
+            <a:r>
+              <a:rPr lang="en-US" sz="2000" dirty="0"/>
+              <a:t>N</a:t>
+            </a:r>
+            <a:r>
+              <a:rPr lang="en-US" sz="2000" dirty="0" smtClean="0"/>
+              <a:t>o </a:t>
+            </a:r>
+            <a:r>
+              <a:rPr lang="en-US" sz="2000" dirty="0"/>
+              <a:t>third party or clearing houses are required in the </a:t>
+            </a:r>
+            <a:r>
+              <a:rPr lang="en-US" sz="2000" dirty="0" err="1"/>
+              <a:t>blockchain</a:t>
+            </a:r>
+            <a:r>
+              <a:rPr lang="en-US" sz="2000" dirty="0"/>
+              <a:t> model</a:t>
+            </a:r>
+            <a:r>
+              <a:rPr lang="en-US" sz="2000" dirty="0" smtClean="0"/>
+              <a:t>	</a:t>
+            </a:r>
+            <a:endParaRPr lang="en-US" sz="2000" b="1" dirty="0" smtClean="0"/>
+          </a:p>
+          <a:p>
+            <a:pPr lvl="1"/>
+            <a:endParaRPr lang="en-US" sz="2000" dirty="0"/>
+          </a:p>
+        </p:txBody>
+      </p:sp>
+    </p:spTree>
+    <p:extLst>
+      <p:ext uri="{BB962C8B-B14F-4D97-AF65-F5344CB8AC3E}">
+        <p14:creationId xmlns:p14="http://schemas.microsoft.com/office/powerpoint/2010/main" val="1715061926"/>
+      </p:ext>
+    </p:extLst>
+  </p:cSld>
+  <p:clrMapOvr>
+    <a:masterClrMapping/>
+  </p:clrMapOvr>
+</p:sld>
+</file>
+
+<file path=ppt/slides/slide115.xml><?xml version="1.0" encoding="utf-8"?>
+<p:sld xmlns:a="http://schemas.openxmlformats.org/drawingml/2006/main" xmlns:r="http://schemas.openxmlformats.org/officeDocument/2006/relationships" xmlns:p="http://schemas.openxmlformats.org/presentationml/2006/main">
+  <p:cSld>
+    <p:spTree>
+      <p:nvGrpSpPr>
+        <p:cNvPr id="1" name=""/>
+        <p:cNvGrpSpPr/>
+        <p:nvPr/>
+      </p:nvGrpSpPr>
+      <p:grpSpPr>
+        <a:xfrm>
+          <a:off x="0" y="0"/>
+          <a:ext cx="0" cy="0"/>
+          <a:chOff x="0" y="0"/>
+          <a:chExt cx="0" cy="0"/>
+        </a:xfrm>
+      </p:grpSpPr>
+      <p:sp>
+        <p:nvSpPr>
+          <p:cNvPr id="2" name="Title 1"/>
+          <p:cNvSpPr>
+            <a:spLocks noGrp="1"/>
+          </p:cNvSpPr>
+          <p:nvPr>
+            <p:ph type="title"/>
+          </p:nvPr>
+        </p:nvSpPr>
+        <p:spPr/>
+        <p:txBody>
+          <a:bodyPr>
+            <a:normAutofit fontScale="90000"/>
+          </a:bodyPr>
+          <a:lstStyle/>
+          <a:p>
+            <a:r>
+              <a:rPr lang="en-US" b="1" dirty="0"/>
+              <a:t>Challenges and limitations of </a:t>
+            </a:r>
+            <a:r>
+              <a:rPr lang="en-US" b="1" dirty="0" err="1"/>
+              <a:t>blockchain</a:t>
+            </a:r>
+            <a:r>
+              <a:rPr lang="en-US" b="1" dirty="0"/>
+              <a:t/>
+            </a:r>
+            <a:br>
+              <a:rPr lang="en-US" b="1" dirty="0"/>
+            </a:br>
+            <a:r>
+              <a:rPr lang="en-US" b="1" dirty="0"/>
+              <a:t>technology</a:t>
+            </a:r>
+            <a:endParaRPr lang="en-US" dirty="0"/>
+          </a:p>
+        </p:txBody>
+      </p:sp>
+      <p:sp>
+        <p:nvSpPr>
+          <p:cNvPr id="3" name="Content Placeholder 2"/>
+          <p:cNvSpPr>
+            <a:spLocks noGrp="1"/>
+          </p:cNvSpPr>
+          <p:nvPr>
+            <p:ph idx="1"/>
+          </p:nvPr>
+        </p:nvSpPr>
+        <p:spPr/>
+        <p:txBody>
+          <a:bodyPr>
+            <a:normAutofit/>
+          </a:bodyPr>
+          <a:lstStyle/>
+          <a:p>
+            <a:r>
+              <a:rPr lang="en-US" sz="2800" dirty="0"/>
+              <a:t>Scalability</a:t>
+            </a:r>
+          </a:p>
+          <a:p>
+            <a:r>
+              <a:rPr lang="en-US" sz="2800" dirty="0"/>
+              <a:t>Adaptability</a:t>
+            </a:r>
+          </a:p>
+          <a:p>
+            <a:r>
+              <a:rPr lang="en-US" sz="2800" dirty="0"/>
+              <a:t>Regulation</a:t>
+            </a:r>
+          </a:p>
+          <a:p>
+            <a:r>
+              <a:rPr lang="en-US" sz="2800" dirty="0"/>
+              <a:t>Relatively immature technology</a:t>
+            </a:r>
+          </a:p>
+          <a:p>
+            <a:r>
+              <a:rPr lang="en-US" sz="2800" dirty="0"/>
+              <a:t>Privacy</a:t>
+            </a:r>
+            <a:endParaRPr lang="en-US" sz="2800" dirty="0"/>
+          </a:p>
+        </p:txBody>
+      </p:sp>
+    </p:spTree>
+    <p:extLst>
+      <p:ext uri="{BB962C8B-B14F-4D97-AF65-F5344CB8AC3E}">
+        <p14:creationId xmlns:p14="http://schemas.microsoft.com/office/powerpoint/2010/main" val="840989279"/>
+      </p:ext>
+    </p:extLst>
+  </p:cSld>
+  <p:clrMapOvr>
+    <a:masterClrMapping/>
+  </p:clrMapOvr>
 </p:sld>
 </file>
 
@@ -27734,7 +30462,6 @@
               <a:rPr lang="en-US" sz="2400" dirty="0"/>
               <a:t>effort expensive;</a:t>
             </a:r>
-            <a:endParaRPr lang="en-US" sz="2400" dirty="0"/>
           </a:p>
         </p:txBody>
       </p:sp>
@@ -27956,7 +30683,6 @@
               <a:rPr lang="en-US" sz="2400" b="1" dirty="0"/>
               <a:t>.</a:t>
             </a:r>
-            <a:endParaRPr lang="en-US" sz="2400" b="1" dirty="0"/>
           </a:p>
         </p:txBody>
       </p:sp>
@@ -28235,7 +30961,6 @@
               <a:rPr lang="en-US" sz="2400" dirty="0"/>
               <a:t>it still relied on a centralized trusted authority.</a:t>
             </a:r>
-            <a:endParaRPr lang="en-US" sz="2400" dirty="0"/>
           </a:p>
         </p:txBody>
       </p:sp>
@@ -28441,7 +31166,6 @@
               <a:rPr lang="en-US" sz="2400" dirty="0"/>
               <a:t> mechanism</a:t>
             </a:r>
-            <a:endParaRPr lang="en-US" sz="2400" dirty="0"/>
           </a:p>
         </p:txBody>
       </p:sp>
@@ -28898,7 +31622,6 @@
               <a:rPr lang="en-US" sz="2400" dirty="0"/>
               <a:t>of the Internet</a:t>
             </a:r>
-            <a:endParaRPr lang="en-US" sz="2400" dirty="0"/>
           </a:p>
         </p:txBody>
       </p:sp>
@@ -29835,7 +32558,6 @@
               <a:rPr lang="en-US" sz="3600" dirty="0"/>
               <a:t>come to an agreement regarding the state of a transaction.</a:t>
             </a:r>
-            <a:endParaRPr lang="en-US" sz="3600" dirty="0"/>
           </a:p>
         </p:txBody>
       </p:sp>
@@ -29942,7 +32664,15 @@
             </a:r>
             <a:r>
               <a:rPr lang="en-US" sz="2800" dirty="0"/>
-              <a:t>can be considered a </a:t>
+              <a:t>can be </a:t>
+            </a:r>
+            <a:r>
+              <a:rPr lang="en-US" sz="2800" dirty="0" smtClean="0"/>
+              <a:t>considered as </a:t>
+            </a:r>
+            <a:r>
+              <a:rPr lang="en-US" sz="2800" dirty="0"/>
+              <a:t>a </a:t>
             </a:r>
             <a:r>
               <a:rPr lang="en-US" sz="2800" dirty="0" smtClean="0"/>
@@ -30133,7 +32863,6 @@
               <a:rPr lang="en-US" sz="2400" dirty="0"/>
               <a:t>pointers are used to point to the previous block.</a:t>
             </a:r>
-            <a:endParaRPr lang="en-US" sz="2400" dirty="0"/>
           </a:p>
         </p:txBody>
       </p:sp>
@@ -30857,7 +33586,6 @@
               <a:rPr lang="en-US" sz="2400" dirty="0"/>
               <a:t> miners are solving for.</a:t>
             </a:r>
-            <a:endParaRPr lang="en-US" sz="2400" dirty="0"/>
           </a:p>
         </p:txBody>
       </p:sp>
@@ -30963,7 +33691,6 @@
               <a:rPr lang="en-US" sz="2400" dirty="0"/>
               <a:t>such a hash value during the mining process is known as a golden nonce.</a:t>
             </a:r>
-            <a:endParaRPr lang="en-US" sz="2400" dirty="0"/>
           </a:p>
         </p:txBody>
       </p:sp>
@@ -31119,87 +33846,70 @@
         </p:nvSpPr>
         <p:spPr/>
         <p:txBody>
-          <a:bodyPr/>
+          <a:bodyPr>
+            <a:noAutofit/>
+          </a:bodyPr>
           <a:lstStyle/>
           <a:p>
             <a:r>
-              <a:rPr lang="en-US" dirty="0"/>
+              <a:rPr lang="en-US" sz="2400" dirty="0"/>
               <a:t>This element performs various operations on a transaction. </a:t>
             </a:r>
-            <a:endParaRPr lang="en-US" dirty="0" smtClean="0"/>
-          </a:p>
-          <a:p>
-            <a:r>
-              <a:rPr lang="en-US" dirty="0" smtClean="0"/>
+            <a:endParaRPr lang="en-US" sz="2400" dirty="0" smtClean="0"/>
+          </a:p>
+          <a:p>
+            <a:r>
+              <a:rPr lang="en-US" sz="2400" dirty="0" smtClean="0"/>
               <a:t>Transaction </a:t>
             </a:r>
             <a:r>
-              <a:rPr lang="en-US" dirty="0"/>
+              <a:rPr lang="en-US" sz="2400" dirty="0"/>
               <a:t>scripts </a:t>
             </a:r>
             <a:r>
-              <a:rPr lang="en-US" dirty="0" smtClean="0"/>
+              <a:rPr lang="en-US" sz="2400" dirty="0" smtClean="0"/>
               <a:t>are predefined </a:t>
             </a:r>
             <a:r>
-              <a:rPr lang="en-US" dirty="0"/>
+              <a:rPr lang="en-US" sz="2400" dirty="0"/>
               <a:t>sets of commands for nodes to transfer tokens from one address to another </a:t>
             </a:r>
             <a:r>
-              <a:rPr lang="en-US" dirty="0" smtClean="0"/>
+              <a:rPr lang="en-US" sz="2400" dirty="0" smtClean="0"/>
               <a:t>and perform </a:t>
             </a:r>
             <a:r>
-              <a:rPr lang="en-US" dirty="0"/>
+              <a:rPr lang="en-US" sz="2400" dirty="0"/>
               <a:t>various other functions. </a:t>
             </a:r>
-            <a:endParaRPr lang="en-US" dirty="0" smtClean="0"/>
-          </a:p>
-          <a:p>
-            <a:r>
-              <a:rPr lang="en-US" dirty="0" smtClean="0"/>
+            <a:endParaRPr lang="en-US" sz="2400" dirty="0" smtClean="0"/>
+          </a:p>
+          <a:p>
+            <a:r>
+              <a:rPr lang="en-US" sz="2400" dirty="0" smtClean="0"/>
               <a:t>Turing </a:t>
             </a:r>
             <a:r>
-              <a:rPr lang="en-US" dirty="0"/>
+              <a:rPr lang="en-US" sz="2400" dirty="0"/>
               <a:t>complete programming language is a </a:t>
             </a:r>
             <a:r>
-              <a:rPr lang="en-US" dirty="0" smtClean="0"/>
+              <a:rPr lang="en-US" sz="2400" dirty="0" smtClean="0"/>
               <a:t>desirable feature </a:t>
             </a:r>
             <a:r>
-              <a:rPr lang="en-US" dirty="0"/>
+              <a:rPr lang="en-US" sz="2400" dirty="0"/>
               <a:t>of </a:t>
             </a:r>
             <a:r>
-              <a:rPr lang="en-US" dirty="0" err="1"/>
+              <a:rPr lang="en-US" sz="2400" dirty="0" err="1"/>
               <a:t>blockchains</a:t>
             </a:r>
             <a:r>
-              <a:rPr lang="en-US" dirty="0"/>
+              <a:rPr lang="en-US" sz="2400" dirty="0"/>
               <a:t>; </a:t>
             </a:r>
-            <a:endParaRPr lang="en-US" dirty="0" smtClean="0"/>
-          </a:p>
-          <a:p>
-            <a:pPr lvl="1"/>
-            <a:r>
-              <a:rPr lang="en-US" dirty="0" smtClean="0"/>
-              <a:t>however</a:t>
-            </a:r>
-            <a:r>
-              <a:rPr lang="en-US" dirty="0"/>
-              <a:t>, the security of such languages is a key question and </a:t>
-            </a:r>
-            <a:r>
-              <a:rPr lang="en-US" dirty="0" smtClean="0"/>
-              <a:t>an area </a:t>
-            </a:r>
-            <a:r>
-              <a:rPr lang="en-US" dirty="0"/>
-              <a:t>of important and ongoing research.</a:t>
-            </a:r>
+            <a:endParaRPr lang="en-US" sz="2400" dirty="0" smtClean="0"/>
           </a:p>
         </p:txBody>
       </p:sp>
@@ -32466,25 +35176,6 @@
       </p:grpSpPr>
       <p:sp>
         <p:nvSpPr>
-          <p:cNvPr id="2" name="Title 1"/>
-          <p:cNvSpPr>
-            <a:spLocks noGrp="1"/>
-          </p:cNvSpPr>
-          <p:nvPr>
-            <p:ph type="title"/>
-          </p:nvPr>
-        </p:nvSpPr>
-        <p:spPr/>
-        <p:txBody>
-          <a:bodyPr/>
-          <a:lstStyle/>
-          <a:p>
-            <a:endParaRPr lang="en-US"/>
-          </a:p>
-        </p:txBody>
-      </p:sp>
-      <p:sp>
-        <p:nvSpPr>
           <p:cNvPr id="3" name="Content Placeholder 2"/>
           <p:cNvSpPr>
             <a:spLocks noGrp="1"/>
@@ -32825,6 +35516,770 @@
 </p:sld>
 </file>
 
+<file path=ppt/slides/slide86.xml><?xml version="1.0" encoding="utf-8"?>
+<p:sld xmlns:a="http://schemas.openxmlformats.org/drawingml/2006/main" xmlns:r="http://schemas.openxmlformats.org/officeDocument/2006/relationships" xmlns:p="http://schemas.openxmlformats.org/presentationml/2006/main">
+  <p:cSld>
+    <p:spTree>
+      <p:nvGrpSpPr>
+        <p:cNvPr id="1" name=""/>
+        <p:cNvGrpSpPr/>
+        <p:nvPr/>
+      </p:nvGrpSpPr>
+      <p:grpSpPr>
+        <a:xfrm>
+          <a:off x="0" y="0"/>
+          <a:ext cx="0" cy="0"/>
+          <a:chOff x="0" y="0"/>
+          <a:chExt cx="0" cy="0"/>
+        </a:xfrm>
+      </p:grpSpPr>
+      <p:sp>
+        <p:nvSpPr>
+          <p:cNvPr id="2" name="Title 1"/>
+          <p:cNvSpPr>
+            <a:spLocks noGrp="1"/>
+          </p:cNvSpPr>
+          <p:nvPr>
+            <p:ph type="title"/>
+          </p:nvPr>
+        </p:nvSpPr>
+        <p:spPr/>
+        <p:txBody>
+          <a:bodyPr/>
+          <a:lstStyle/>
+          <a:p>
+            <a:r>
+              <a:rPr lang="en-US" b="1" dirty="0"/>
+              <a:t>Applications of </a:t>
+            </a:r>
+            <a:r>
+              <a:rPr lang="en-US" b="1" dirty="0" err="1"/>
+              <a:t>blockchain</a:t>
+            </a:r>
+            <a:r>
+              <a:rPr lang="en-US" b="1" dirty="0"/>
+              <a:t> technology</a:t>
+            </a:r>
+            <a:endParaRPr lang="en-US" dirty="0"/>
+          </a:p>
+        </p:txBody>
+      </p:sp>
+      <p:sp>
+        <p:nvSpPr>
+          <p:cNvPr id="3" name="Content Placeholder 2"/>
+          <p:cNvSpPr>
+            <a:spLocks noGrp="1"/>
+          </p:cNvSpPr>
+          <p:nvPr>
+            <p:ph idx="1"/>
+          </p:nvPr>
+        </p:nvSpPr>
+        <p:spPr/>
+        <p:txBody>
+          <a:bodyPr/>
+          <a:lstStyle/>
+          <a:p>
+            <a:r>
+              <a:rPr lang="en-US" dirty="0" err="1"/>
+              <a:t>Blockchain</a:t>
+            </a:r>
+            <a:r>
+              <a:rPr lang="en-US" dirty="0"/>
+              <a:t> technology has a multitude of applications in various sectors including but </a:t>
+            </a:r>
+            <a:r>
+              <a:rPr lang="en-US" dirty="0" smtClean="0"/>
+              <a:t>not  limited </a:t>
+            </a:r>
+            <a:r>
+              <a:rPr lang="en-US" dirty="0"/>
+              <a:t>to </a:t>
+            </a:r>
+            <a:r>
+              <a:rPr lang="en-US" b="1" dirty="0"/>
+              <a:t>finance, government, media, law, and arts</a:t>
+            </a:r>
+            <a:r>
+              <a:rPr lang="en-US" dirty="0" smtClean="0"/>
+              <a:t>.</a:t>
+            </a:r>
+          </a:p>
+          <a:p>
+            <a:r>
+              <a:rPr lang="en-US" dirty="0" smtClean="0"/>
+              <a:t>Almost </a:t>
+            </a:r>
+            <a:r>
+              <a:rPr lang="en-US" dirty="0"/>
+              <a:t>all industries have </a:t>
+            </a:r>
+            <a:r>
+              <a:rPr lang="en-US" dirty="0" smtClean="0"/>
+              <a:t>already realized </a:t>
+            </a:r>
+            <a:r>
+              <a:rPr lang="en-US" dirty="0"/>
+              <a:t>the potential and promise of </a:t>
+            </a:r>
+            <a:r>
+              <a:rPr lang="en-US" dirty="0" err="1"/>
+              <a:t>blockchain</a:t>
+            </a:r>
+            <a:r>
+              <a:rPr lang="en-US" dirty="0"/>
+              <a:t> and have already embarked, or soon </a:t>
+            </a:r>
+            <a:r>
+              <a:rPr lang="en-US" dirty="0" smtClean="0"/>
+              <a:t>will embark</a:t>
+            </a:r>
+            <a:endParaRPr lang="en-US" dirty="0"/>
+          </a:p>
+        </p:txBody>
+      </p:sp>
+    </p:spTree>
+    <p:extLst>
+      <p:ext uri="{BB962C8B-B14F-4D97-AF65-F5344CB8AC3E}">
+        <p14:creationId xmlns:p14="http://schemas.microsoft.com/office/powerpoint/2010/main" val="2309753647"/>
+      </p:ext>
+    </p:extLst>
+  </p:cSld>
+  <p:clrMapOvr>
+    <a:masterClrMapping/>
+  </p:clrMapOvr>
+</p:sld>
+</file>
+
+<file path=ppt/slides/slide87.xml><?xml version="1.0" encoding="utf-8"?>
+<p:sld xmlns:a="http://schemas.openxmlformats.org/drawingml/2006/main" xmlns:r="http://schemas.openxmlformats.org/officeDocument/2006/relationships" xmlns:p="http://schemas.openxmlformats.org/presentationml/2006/main">
+  <p:cSld>
+    <p:spTree>
+      <p:nvGrpSpPr>
+        <p:cNvPr id="1" name=""/>
+        <p:cNvGrpSpPr/>
+        <p:nvPr/>
+      </p:nvGrpSpPr>
+      <p:grpSpPr>
+        <a:xfrm>
+          <a:off x="0" y="0"/>
+          <a:ext cx="0" cy="0"/>
+          <a:chOff x="0" y="0"/>
+          <a:chExt cx="0" cy="0"/>
+        </a:xfrm>
+      </p:grpSpPr>
+      <p:sp>
+        <p:nvSpPr>
+          <p:cNvPr id="2" name="Title 1"/>
+          <p:cNvSpPr>
+            <a:spLocks noGrp="1"/>
+          </p:cNvSpPr>
+          <p:nvPr>
+            <p:ph type="title"/>
+          </p:nvPr>
+        </p:nvSpPr>
+        <p:spPr/>
+        <p:txBody>
+          <a:bodyPr/>
+          <a:lstStyle/>
+          <a:p>
+            <a:r>
+              <a:rPr lang="en-US" b="1" dirty="0"/>
+              <a:t>How </a:t>
+            </a:r>
+            <a:r>
+              <a:rPr lang="en-US" b="1" dirty="0" err="1"/>
+              <a:t>blockchains</a:t>
+            </a:r>
+            <a:r>
+              <a:rPr lang="en-US" b="1" dirty="0"/>
+              <a:t> accumulate blocks</a:t>
+            </a:r>
+            <a:endParaRPr lang="en-US" dirty="0"/>
+          </a:p>
+        </p:txBody>
+      </p:sp>
+      <p:sp>
+        <p:nvSpPr>
+          <p:cNvPr id="3" name="Content Placeholder 2"/>
+          <p:cNvSpPr>
+            <a:spLocks noGrp="1"/>
+          </p:cNvSpPr>
+          <p:nvPr>
+            <p:ph idx="1"/>
+          </p:nvPr>
+        </p:nvSpPr>
+        <p:spPr>
+          <a:xfrm>
+            <a:off x="1632857" y="1502229"/>
+            <a:ext cx="9871755" cy="4950822"/>
+          </a:xfrm>
+        </p:spPr>
+        <p:txBody>
+          <a:bodyPr>
+            <a:normAutofit/>
+          </a:bodyPr>
+          <a:lstStyle/>
+          <a:p>
+            <a:r>
+              <a:rPr lang="en-US" sz="2000" dirty="0"/>
+              <a:t>A node starts a transaction by signing it with its private key.</a:t>
+            </a:r>
+          </a:p>
+          <a:p>
+            <a:r>
+              <a:rPr lang="en-US" sz="2000" dirty="0" smtClean="0"/>
+              <a:t>The </a:t>
+            </a:r>
+            <a:r>
+              <a:rPr lang="en-US" sz="2000" dirty="0"/>
+              <a:t>transaction is propagated (flooded) by using much desirable Gossip </a:t>
+            </a:r>
+            <a:r>
+              <a:rPr lang="en-US" sz="2000" dirty="0" smtClean="0"/>
+              <a:t>protocol to </a:t>
+            </a:r>
+            <a:r>
+              <a:rPr lang="en-US" sz="2000" dirty="0"/>
+              <a:t>peers, which validates the transaction based on pre-set criteria. Usually, </a:t>
+            </a:r>
+            <a:r>
+              <a:rPr lang="en-US" sz="2000" dirty="0" smtClean="0"/>
+              <a:t>more than </a:t>
+            </a:r>
+            <a:r>
+              <a:rPr lang="en-US" sz="2000" dirty="0"/>
+              <a:t>one node is required to validate the transactions.</a:t>
+            </a:r>
+          </a:p>
+          <a:p>
+            <a:r>
+              <a:rPr lang="en-US" sz="2000" dirty="0" smtClean="0"/>
+              <a:t>Once </a:t>
+            </a:r>
+            <a:r>
+              <a:rPr lang="en-US" sz="2000" dirty="0"/>
+              <a:t>the transaction is validated, it is included in a block, which is </a:t>
+            </a:r>
+            <a:r>
+              <a:rPr lang="en-US" sz="2000" dirty="0" smtClean="0"/>
+              <a:t>then propagated </a:t>
+            </a:r>
+            <a:r>
+              <a:rPr lang="en-US" sz="2000" dirty="0"/>
+              <a:t>on to the network. At this point, the transaction is </a:t>
+            </a:r>
+            <a:r>
+              <a:rPr lang="en-US" sz="2000" dirty="0" smtClean="0"/>
+              <a:t>considered confirmed</a:t>
+            </a:r>
+            <a:r>
+              <a:rPr lang="en-US" sz="2000" dirty="0"/>
+              <a:t>.</a:t>
+            </a:r>
+          </a:p>
+          <a:p>
+            <a:r>
+              <a:rPr lang="en-US" sz="2000" dirty="0" smtClean="0"/>
+              <a:t>The </a:t>
+            </a:r>
+            <a:r>
+              <a:rPr lang="en-US" sz="2000" dirty="0"/>
+              <a:t>newly created block now becomes part of the ledger and the next block </a:t>
+            </a:r>
+            <a:r>
+              <a:rPr lang="en-US" sz="2000" dirty="0" smtClean="0"/>
+              <a:t>links itself </a:t>
+            </a:r>
+            <a:r>
+              <a:rPr lang="en-US" sz="2000" dirty="0"/>
+              <a:t>cryptographically back to this block. This link is a hash pointer. At </a:t>
+            </a:r>
+            <a:r>
+              <a:rPr lang="en-US" sz="2000" dirty="0" smtClean="0"/>
+              <a:t>this stage</a:t>
+            </a:r>
+            <a:r>
+              <a:rPr lang="en-US" sz="2000" dirty="0"/>
+              <a:t>, the transaction gets its second confirmation and the block gets its first.</a:t>
+            </a:r>
+          </a:p>
+          <a:p>
+            <a:r>
+              <a:rPr lang="en-US" sz="2000" dirty="0" smtClean="0"/>
+              <a:t>Transactions </a:t>
+            </a:r>
+            <a:r>
+              <a:rPr lang="en-US" sz="2000" dirty="0"/>
+              <a:t>are then reconfirmed every time a new block is created. Usually, </a:t>
+            </a:r>
+            <a:r>
+              <a:rPr lang="en-US" sz="2000" dirty="0" smtClean="0"/>
+              <a:t>six confirmations </a:t>
+            </a:r>
+            <a:r>
+              <a:rPr lang="en-US" sz="2000" dirty="0"/>
+              <a:t>in the bitcoin network are required to consider the </a:t>
+            </a:r>
+            <a:r>
+              <a:rPr lang="en-US" sz="2000" dirty="0" smtClean="0"/>
+              <a:t>transaction final</a:t>
+            </a:r>
+            <a:r>
+              <a:rPr lang="en-US" sz="2000" dirty="0"/>
+              <a:t>.</a:t>
+            </a:r>
+          </a:p>
+        </p:txBody>
+      </p:sp>
+    </p:spTree>
+    <p:extLst>
+      <p:ext uri="{BB962C8B-B14F-4D97-AF65-F5344CB8AC3E}">
+        <p14:creationId xmlns:p14="http://schemas.microsoft.com/office/powerpoint/2010/main" val="2539335374"/>
+      </p:ext>
+    </p:extLst>
+  </p:cSld>
+  <p:clrMapOvr>
+    <a:masterClrMapping/>
+  </p:clrMapOvr>
+</p:sld>
+</file>
+
+<file path=ppt/slides/slide88.xml><?xml version="1.0" encoding="utf-8"?>
+<p:sld xmlns:a="http://schemas.openxmlformats.org/drawingml/2006/main" xmlns:r="http://schemas.openxmlformats.org/officeDocument/2006/relationships" xmlns:p="http://schemas.openxmlformats.org/presentationml/2006/main">
+  <p:cSld>
+    <p:spTree>
+      <p:nvGrpSpPr>
+        <p:cNvPr id="1" name=""/>
+        <p:cNvGrpSpPr/>
+        <p:nvPr/>
+      </p:nvGrpSpPr>
+      <p:grpSpPr>
+        <a:xfrm>
+          <a:off x="0" y="0"/>
+          <a:ext cx="0" cy="0"/>
+          <a:chOff x="0" y="0"/>
+          <a:chExt cx="0" cy="0"/>
+        </a:xfrm>
+      </p:grpSpPr>
+      <p:sp>
+        <p:nvSpPr>
+          <p:cNvPr id="2" name="Title 1"/>
+          <p:cNvSpPr>
+            <a:spLocks noGrp="1"/>
+          </p:cNvSpPr>
+          <p:nvPr>
+            <p:ph type="title"/>
+          </p:nvPr>
+        </p:nvSpPr>
+        <p:spPr>
+          <a:xfrm>
+            <a:off x="2592925" y="0"/>
+            <a:ext cx="8911687" cy="695239"/>
+          </a:xfrm>
+        </p:spPr>
+        <p:txBody>
+          <a:bodyPr/>
+          <a:lstStyle/>
+          <a:p>
+            <a:r>
+              <a:rPr lang="en-US" b="1" dirty="0"/>
+              <a:t>Tiers of </a:t>
+            </a:r>
+            <a:r>
+              <a:rPr lang="en-US" b="1" dirty="0" err="1"/>
+              <a:t>blockchain</a:t>
+            </a:r>
+            <a:r>
+              <a:rPr lang="en-US" b="1" dirty="0"/>
+              <a:t> technology</a:t>
+            </a:r>
+            <a:endParaRPr lang="en-US" dirty="0"/>
+          </a:p>
+        </p:txBody>
+      </p:sp>
+      <p:sp>
+        <p:nvSpPr>
+          <p:cNvPr id="3" name="Content Placeholder 2"/>
+          <p:cNvSpPr>
+            <a:spLocks noGrp="1"/>
+          </p:cNvSpPr>
+          <p:nvPr>
+            <p:ph idx="1"/>
+          </p:nvPr>
+        </p:nvSpPr>
+        <p:spPr>
+          <a:xfrm>
+            <a:off x="4177885" y="649277"/>
+            <a:ext cx="8014115" cy="5992944"/>
+          </a:xfrm>
+        </p:spPr>
+        <p:txBody>
+          <a:bodyPr>
+            <a:normAutofit/>
+          </a:bodyPr>
+          <a:lstStyle/>
+          <a:p>
+            <a:r>
+              <a:rPr lang="en-US" sz="2400" b="1" dirty="0" err="1"/>
+              <a:t>Blockchain</a:t>
+            </a:r>
+            <a:r>
+              <a:rPr lang="en-US" sz="2400" b="1" dirty="0"/>
+              <a:t> 1.0</a:t>
+            </a:r>
+          </a:p>
+          <a:p>
+            <a:pPr lvl="1"/>
+            <a:r>
+              <a:rPr lang="en-US" sz="2400" dirty="0"/>
+              <a:t>This was introduced with the invention of bitcoin and is basically used for cryptocurrencies.</a:t>
+            </a:r>
+          </a:p>
+          <a:p>
+            <a:pPr lvl="1"/>
+            <a:r>
+              <a:rPr lang="en-US" sz="2400" dirty="0" smtClean="0"/>
+              <a:t>Categorize </a:t>
+            </a:r>
+            <a:r>
+              <a:rPr lang="en-US" sz="2400" dirty="0"/>
+              <a:t>Generation 1 of </a:t>
+            </a:r>
+            <a:r>
+              <a:rPr lang="en-US" sz="2400" dirty="0" err="1"/>
+              <a:t>blockchain</a:t>
+            </a:r>
+            <a:r>
+              <a:rPr lang="en-US" sz="2400" dirty="0"/>
+              <a:t> technology to only include cryptographic currencies.</a:t>
+            </a:r>
+          </a:p>
+          <a:p>
+            <a:pPr lvl="1"/>
+            <a:r>
+              <a:rPr lang="en-US" sz="2400" dirty="0"/>
+              <a:t>All alternative coins and bitcoin fall into this category. </a:t>
+            </a:r>
+            <a:endParaRPr lang="en-US" sz="2400" dirty="0" smtClean="0"/>
+          </a:p>
+          <a:p>
+            <a:pPr lvl="1"/>
+            <a:r>
+              <a:rPr lang="en-US" sz="2400" dirty="0" smtClean="0"/>
+              <a:t>This </a:t>
+            </a:r>
+            <a:r>
+              <a:rPr lang="en-US" sz="2400" dirty="0"/>
+              <a:t>includes core applications </a:t>
+            </a:r>
+            <a:r>
+              <a:rPr lang="en-US" sz="2400" dirty="0" smtClean="0"/>
+              <a:t>such as </a:t>
+            </a:r>
+            <a:r>
+              <a:rPr lang="en-US" sz="2400" dirty="0"/>
+              <a:t>payments and applications</a:t>
+            </a:r>
+            <a:r>
+              <a:rPr lang="en-US" sz="2400" dirty="0" smtClean="0"/>
+              <a:t>.</a:t>
+            </a:r>
+          </a:p>
+          <a:p>
+            <a:pPr lvl="1"/>
+            <a:r>
+              <a:rPr lang="en-US" sz="2600" dirty="0"/>
+              <a:t> This generation started in 2009 when Bitcoin was released and ended in early 2010.</a:t>
+            </a:r>
+          </a:p>
+        </p:txBody>
+      </p:sp>
+      <p:pic>
+        <p:nvPicPr>
+          <p:cNvPr id="4" name="Picture 3"/>
+          <p:cNvPicPr>
+            <a:picLocks noChangeAspect="1"/>
+          </p:cNvPicPr>
+          <p:nvPr/>
+        </p:nvPicPr>
+        <p:blipFill>
+          <a:blip r:embed="rId2"/>
+          <a:stretch>
+            <a:fillRect/>
+          </a:stretch>
+        </p:blipFill>
+        <p:spPr>
+          <a:xfrm>
+            <a:off x="0" y="1347898"/>
+            <a:ext cx="4271554" cy="5418662"/>
+          </a:xfrm>
+          <a:prstGeom prst="rect">
+            <a:avLst/>
+          </a:prstGeom>
+        </p:spPr>
+      </p:pic>
+    </p:spTree>
+    <p:extLst>
+      <p:ext uri="{BB962C8B-B14F-4D97-AF65-F5344CB8AC3E}">
+        <p14:creationId xmlns:p14="http://schemas.microsoft.com/office/powerpoint/2010/main" val="887751630"/>
+      </p:ext>
+    </p:extLst>
+  </p:cSld>
+  <p:clrMapOvr>
+    <a:masterClrMapping/>
+  </p:clrMapOvr>
+</p:sld>
+</file>
+
+<file path=ppt/slides/slide89.xml><?xml version="1.0" encoding="utf-8"?>
+<p:sld xmlns:a="http://schemas.openxmlformats.org/drawingml/2006/main" xmlns:r="http://schemas.openxmlformats.org/officeDocument/2006/relationships" xmlns:p="http://schemas.openxmlformats.org/presentationml/2006/main">
+  <p:cSld>
+    <p:spTree>
+      <p:nvGrpSpPr>
+        <p:cNvPr id="1" name=""/>
+        <p:cNvGrpSpPr/>
+        <p:nvPr/>
+      </p:nvGrpSpPr>
+      <p:grpSpPr>
+        <a:xfrm>
+          <a:off x="0" y="0"/>
+          <a:ext cx="0" cy="0"/>
+          <a:chOff x="0" y="0"/>
+          <a:chExt cx="0" cy="0"/>
+        </a:xfrm>
+      </p:grpSpPr>
+      <p:sp>
+        <p:nvSpPr>
+          <p:cNvPr id="2" name="Title 1"/>
+          <p:cNvSpPr>
+            <a:spLocks noGrp="1"/>
+          </p:cNvSpPr>
+          <p:nvPr>
+            <p:ph type="title"/>
+          </p:nvPr>
+        </p:nvSpPr>
+        <p:spPr>
+          <a:xfrm>
+            <a:off x="2710491" y="0"/>
+            <a:ext cx="8911687" cy="642987"/>
+          </a:xfrm>
+        </p:spPr>
+        <p:txBody>
+          <a:bodyPr/>
+          <a:lstStyle/>
+          <a:p>
+            <a:r>
+              <a:rPr lang="en-US" b="1" dirty="0"/>
+              <a:t>Tiers of </a:t>
+            </a:r>
+            <a:r>
+              <a:rPr lang="en-US" b="1" dirty="0" err="1"/>
+              <a:t>blockchain</a:t>
+            </a:r>
+            <a:r>
+              <a:rPr lang="en-US" b="1" dirty="0"/>
+              <a:t> technology</a:t>
+            </a:r>
+            <a:endParaRPr lang="en-US" dirty="0"/>
+          </a:p>
+        </p:txBody>
+      </p:sp>
+      <p:sp>
+        <p:nvSpPr>
+          <p:cNvPr id="3" name="Content Placeholder 2"/>
+          <p:cNvSpPr>
+            <a:spLocks noGrp="1"/>
+          </p:cNvSpPr>
+          <p:nvPr>
+            <p:ph idx="1"/>
+          </p:nvPr>
+        </p:nvSpPr>
+        <p:spPr>
+          <a:xfrm>
+            <a:off x="4198211" y="788532"/>
+            <a:ext cx="7768636" cy="5747657"/>
+          </a:xfrm>
+        </p:spPr>
+        <p:txBody>
+          <a:bodyPr>
+            <a:normAutofit fontScale="92500"/>
+          </a:bodyPr>
+          <a:lstStyle/>
+          <a:p>
+            <a:r>
+              <a:rPr lang="en-US" sz="2400" b="1" dirty="0" err="1"/>
+              <a:t>Blockchain</a:t>
+            </a:r>
+            <a:r>
+              <a:rPr lang="en-US" sz="2400" b="1" dirty="0"/>
+              <a:t> 2.0</a:t>
+            </a:r>
+          </a:p>
+          <a:p>
+            <a:pPr lvl="1"/>
+            <a:r>
+              <a:rPr lang="en-US" sz="2400" dirty="0"/>
+              <a:t>Generation 2.0 </a:t>
+            </a:r>
+            <a:r>
+              <a:rPr lang="en-US" sz="2400" dirty="0" err="1"/>
+              <a:t>blockchains</a:t>
+            </a:r>
+            <a:r>
+              <a:rPr lang="en-US" sz="2400" dirty="0"/>
+              <a:t> are used by financial services and contracts are introduced </a:t>
+            </a:r>
+            <a:r>
+              <a:rPr lang="en-US" sz="2400" dirty="0" smtClean="0"/>
+              <a:t>in this </a:t>
+            </a:r>
+            <a:r>
+              <a:rPr lang="en-US" sz="2400" dirty="0"/>
+              <a:t>generation. </a:t>
+            </a:r>
+            <a:endParaRPr lang="en-US" sz="2400" dirty="0" smtClean="0"/>
+          </a:p>
+          <a:p>
+            <a:pPr lvl="1"/>
+            <a:r>
+              <a:rPr lang="en-US" sz="2400" dirty="0" smtClean="0"/>
+              <a:t>This </a:t>
+            </a:r>
+            <a:r>
+              <a:rPr lang="en-US" sz="2400" dirty="0"/>
+              <a:t>includes various financial assets, for example derivatives, options</a:t>
+            </a:r>
+            <a:r>
+              <a:rPr lang="en-US" sz="2400" dirty="0" smtClean="0"/>
+              <a:t>, swaps</a:t>
+            </a:r>
+            <a:r>
+              <a:rPr lang="en-US" sz="2400" dirty="0"/>
+              <a:t>, and bonds. </a:t>
+            </a:r>
+            <a:endParaRPr lang="en-US" sz="2400" dirty="0" smtClean="0"/>
+          </a:p>
+          <a:p>
+            <a:pPr lvl="1"/>
+            <a:r>
+              <a:rPr lang="en-US" sz="2400" dirty="0" smtClean="0"/>
+              <a:t>Applications </a:t>
+            </a:r>
+            <a:r>
+              <a:rPr lang="en-US" sz="2400" dirty="0"/>
+              <a:t>that are beyond currency, finance, and markets </a:t>
+            </a:r>
+            <a:r>
+              <a:rPr lang="en-US" sz="2400" dirty="0" smtClean="0"/>
+              <a:t>are included </a:t>
+            </a:r>
+            <a:r>
+              <a:rPr lang="en-US" sz="2400" dirty="0"/>
+              <a:t>at this tier</a:t>
+            </a:r>
+            <a:r>
+              <a:rPr lang="en-US" sz="2400" dirty="0" smtClean="0"/>
+              <a:t>.</a:t>
+            </a:r>
+          </a:p>
+          <a:p>
+            <a:pPr lvl="1"/>
+            <a:r>
+              <a:rPr lang="en-US" sz="2600" dirty="0"/>
+              <a:t> </a:t>
+            </a:r>
+            <a:r>
+              <a:rPr lang="en-US" sz="2600" dirty="0" err="1" smtClean="0"/>
+              <a:t>Ethereum</a:t>
+            </a:r>
+            <a:r>
+              <a:rPr lang="en-US" sz="2600" dirty="0"/>
+              <a:t>, </a:t>
+            </a:r>
+            <a:r>
+              <a:rPr lang="en-US" sz="2600" dirty="0" err="1"/>
+              <a:t>Hyperledger</a:t>
+            </a:r>
+            <a:r>
+              <a:rPr lang="en-US" sz="2600" dirty="0"/>
+              <a:t>, and other newer </a:t>
+            </a:r>
+            <a:r>
+              <a:rPr lang="en-US" sz="2600" dirty="0" err="1"/>
+              <a:t>blockchain</a:t>
+            </a:r>
+            <a:r>
+              <a:rPr lang="en-US" sz="2600" dirty="0"/>
+              <a:t> platforms are considered part of </a:t>
+            </a:r>
+            <a:r>
+              <a:rPr lang="en-US" sz="2600" dirty="0" err="1"/>
+              <a:t>Blockchain</a:t>
+            </a:r>
+            <a:r>
+              <a:rPr lang="en-US" sz="2600" dirty="0"/>
+              <a:t> 2.0. </a:t>
+            </a:r>
+            <a:endParaRPr lang="en-US" sz="2600" dirty="0" smtClean="0"/>
+          </a:p>
+          <a:p>
+            <a:pPr lvl="1"/>
+            <a:r>
+              <a:rPr lang="en-US" sz="2600" dirty="0" smtClean="0"/>
+              <a:t>This </a:t>
+            </a:r>
+            <a:r>
+              <a:rPr lang="en-US" sz="2600" dirty="0"/>
+              <a:t>generation started when ideas related to using </a:t>
+            </a:r>
+            <a:r>
+              <a:rPr lang="en-US" sz="2600" dirty="0" err="1"/>
+              <a:t>blockchain</a:t>
+            </a:r>
+            <a:r>
+              <a:rPr lang="en-US" sz="2600" dirty="0"/>
+              <a:t> for other purposes started to emerge in 2010.</a:t>
+            </a:r>
+          </a:p>
+        </p:txBody>
+      </p:sp>
+      <p:pic>
+        <p:nvPicPr>
+          <p:cNvPr id="4" name="Picture 3"/>
+          <p:cNvPicPr>
+            <a:picLocks noChangeAspect="1"/>
+          </p:cNvPicPr>
+          <p:nvPr/>
+        </p:nvPicPr>
+        <p:blipFill>
+          <a:blip r:embed="rId2"/>
+          <a:stretch>
+            <a:fillRect/>
+          </a:stretch>
+        </p:blipFill>
+        <p:spPr>
+          <a:xfrm>
+            <a:off x="155666" y="1354998"/>
+            <a:ext cx="4042545" cy="4614727"/>
+          </a:xfrm>
+          <a:prstGeom prst="rect">
+            <a:avLst/>
+          </a:prstGeom>
+        </p:spPr>
+      </p:pic>
+    </p:spTree>
+    <p:extLst>
+      <p:ext uri="{BB962C8B-B14F-4D97-AF65-F5344CB8AC3E}">
+        <p14:creationId xmlns:p14="http://schemas.microsoft.com/office/powerpoint/2010/main" val="3485013883"/>
+      </p:ext>
+    </p:extLst>
+  </p:cSld>
+  <p:clrMapOvr>
+    <a:masterClrMapping/>
+  </p:clrMapOvr>
+</p:sld>
+</file>
+
 <file path=ppt/slides/slide9.xml><?xml version="1.0" encoding="utf-8"?>
 <p:sld xmlns:a="http://schemas.openxmlformats.org/drawingml/2006/main" xmlns:r="http://schemas.openxmlformats.org/officeDocument/2006/relationships" xmlns:p="http://schemas.openxmlformats.org/presentationml/2006/main">
   <p:cSld>
@@ -32988,6 +36443,1927 @@
       </p:par>
     </p:tnLst>
   </p:timing>
+</p:sld>
+</file>
+
+<file path=ppt/slides/slide90.xml><?xml version="1.0" encoding="utf-8"?>
+<p:sld xmlns:a="http://schemas.openxmlformats.org/drawingml/2006/main" xmlns:r="http://schemas.openxmlformats.org/officeDocument/2006/relationships" xmlns:p="http://schemas.openxmlformats.org/presentationml/2006/main">
+  <p:cSld>
+    <p:spTree>
+      <p:nvGrpSpPr>
+        <p:cNvPr id="1" name=""/>
+        <p:cNvGrpSpPr/>
+        <p:nvPr/>
+      </p:nvGrpSpPr>
+      <p:grpSpPr>
+        <a:xfrm>
+          <a:off x="0" y="0"/>
+          <a:ext cx="0" cy="0"/>
+          <a:chOff x="0" y="0"/>
+          <a:chExt cx="0" cy="0"/>
+        </a:xfrm>
+      </p:grpSpPr>
+      <p:sp>
+        <p:nvSpPr>
+          <p:cNvPr id="2" name="Title 1"/>
+          <p:cNvSpPr>
+            <a:spLocks noGrp="1"/>
+          </p:cNvSpPr>
+          <p:nvPr>
+            <p:ph type="title"/>
+          </p:nvPr>
+        </p:nvSpPr>
+        <p:spPr>
+          <a:xfrm>
+            <a:off x="2318605" y="166912"/>
+            <a:ext cx="8911687" cy="640445"/>
+          </a:xfrm>
+        </p:spPr>
+        <p:txBody>
+          <a:bodyPr/>
+          <a:lstStyle/>
+          <a:p>
+            <a:r>
+              <a:rPr lang="en-US" b="1" dirty="0"/>
+              <a:t>Tiers of </a:t>
+            </a:r>
+            <a:r>
+              <a:rPr lang="en-US" b="1" dirty="0" err="1"/>
+              <a:t>blockchain</a:t>
+            </a:r>
+            <a:r>
+              <a:rPr lang="en-US" b="1" dirty="0"/>
+              <a:t> technology</a:t>
+            </a:r>
+            <a:endParaRPr lang="en-US" dirty="0"/>
+          </a:p>
+        </p:txBody>
+      </p:sp>
+      <p:sp>
+        <p:nvSpPr>
+          <p:cNvPr id="3" name="Content Placeholder 2"/>
+          <p:cNvSpPr>
+            <a:spLocks noGrp="1"/>
+          </p:cNvSpPr>
+          <p:nvPr>
+            <p:ph idx="1"/>
+          </p:nvPr>
+        </p:nvSpPr>
+        <p:spPr>
+          <a:xfrm>
+            <a:off x="1554480" y="807357"/>
+            <a:ext cx="10371909" cy="4319451"/>
+          </a:xfrm>
+        </p:spPr>
+        <p:txBody>
+          <a:bodyPr>
+            <a:normAutofit lnSpcReduction="10000"/>
+          </a:bodyPr>
+          <a:lstStyle/>
+          <a:p>
+            <a:r>
+              <a:rPr lang="en-US" sz="2000" b="1" dirty="0" err="1"/>
+              <a:t>Blockchain</a:t>
+            </a:r>
+            <a:r>
+              <a:rPr lang="en-US" sz="2000" b="1" dirty="0"/>
+              <a:t> 3.0</a:t>
+            </a:r>
+          </a:p>
+          <a:p>
+            <a:pPr lvl="1"/>
+            <a:r>
+              <a:rPr lang="en-US" sz="2400" dirty="0"/>
+              <a:t>Generation 3 </a:t>
+            </a:r>
+            <a:r>
+              <a:rPr lang="en-US" sz="2400" dirty="0" err="1"/>
+              <a:t>blockchains</a:t>
+            </a:r>
+            <a:r>
+              <a:rPr lang="en-US" sz="2400" dirty="0"/>
+              <a:t> are used to implement applications beyond the financial </a:t>
+            </a:r>
+            <a:r>
+              <a:rPr lang="en-US" sz="2400" dirty="0" smtClean="0"/>
+              <a:t>services industry</a:t>
+            </a:r>
+          </a:p>
+          <a:p>
+            <a:pPr lvl="1"/>
+            <a:r>
+              <a:rPr lang="en-US" sz="2400" dirty="0" smtClean="0"/>
+              <a:t>Used </a:t>
+            </a:r>
+            <a:r>
+              <a:rPr lang="en-US" sz="2400" dirty="0"/>
+              <a:t>in more general-purpose industries such as government, health</a:t>
+            </a:r>
+            <a:r>
+              <a:rPr lang="en-US" sz="2400" dirty="0" smtClean="0"/>
+              <a:t>, media</a:t>
+            </a:r>
+            <a:r>
+              <a:rPr lang="en-US" sz="2400" dirty="0"/>
+              <a:t>, the arts, and justice</a:t>
+            </a:r>
+            <a:r>
+              <a:rPr lang="en-US" sz="2400" dirty="0" smtClean="0"/>
+              <a:t>.</a:t>
+            </a:r>
+          </a:p>
+          <a:p>
+            <a:pPr lvl="1"/>
+            <a:r>
+              <a:rPr lang="en-US" sz="2400" dirty="0"/>
+              <a:t>Again, as in </a:t>
+            </a:r>
+            <a:r>
+              <a:rPr lang="en-US" sz="2400" dirty="0" err="1"/>
+              <a:t>Blockchain</a:t>
+            </a:r>
+            <a:r>
+              <a:rPr lang="en-US" sz="2400" dirty="0"/>
+              <a:t> 2.0, </a:t>
+            </a:r>
+            <a:r>
+              <a:rPr lang="en-US" sz="2400" dirty="0" err="1"/>
+              <a:t>Ethereum</a:t>
+            </a:r>
+            <a:r>
+              <a:rPr lang="en-US" sz="2400" dirty="0"/>
+              <a:t>, </a:t>
+            </a:r>
+            <a:r>
+              <a:rPr lang="en-US" sz="2400" dirty="0" err="1"/>
+              <a:t>Hyperledger</a:t>
+            </a:r>
+            <a:r>
+              <a:rPr lang="en-US" sz="2400" dirty="0"/>
+              <a:t>, and newer </a:t>
+            </a:r>
+            <a:r>
+              <a:rPr lang="en-US" sz="2400" dirty="0" err="1"/>
+              <a:t>blockchains</a:t>
+            </a:r>
+            <a:r>
+              <a:rPr lang="en-US" sz="2400" dirty="0"/>
+              <a:t> with the ability to code smart contracts are considered part of this </a:t>
+            </a:r>
+            <a:r>
+              <a:rPr lang="en-US" sz="2400" dirty="0" err="1"/>
+              <a:t>blockchain</a:t>
+            </a:r>
+            <a:r>
+              <a:rPr lang="en-US" sz="2400" dirty="0"/>
+              <a:t> technology tier. </a:t>
+            </a:r>
+            <a:endParaRPr lang="en-US" sz="2400" dirty="0" smtClean="0"/>
+          </a:p>
+          <a:p>
+            <a:pPr lvl="1"/>
+            <a:r>
+              <a:rPr lang="en-US" sz="2400" dirty="0" smtClean="0"/>
+              <a:t>This </a:t>
+            </a:r>
+            <a:r>
+              <a:rPr lang="en-US" sz="2400" dirty="0"/>
+              <a:t>generation of </a:t>
+            </a:r>
+            <a:r>
+              <a:rPr lang="en-US" sz="2400" dirty="0" err="1"/>
+              <a:t>blockchain</a:t>
+            </a:r>
+            <a:r>
+              <a:rPr lang="en-US" sz="2400" dirty="0"/>
+              <a:t> emerged around 2012 when multiple applications of </a:t>
+            </a:r>
+            <a:r>
+              <a:rPr lang="en-US" sz="2400" dirty="0" err="1"/>
+              <a:t>blockchain</a:t>
+            </a:r>
+            <a:r>
+              <a:rPr lang="en-US" sz="2400" dirty="0"/>
+              <a:t> technology in different industries were researched</a:t>
+            </a:r>
+            <a:r>
+              <a:rPr lang="en-US" dirty="0"/>
+              <a:t>.</a:t>
+            </a:r>
+            <a:endParaRPr lang="en-US" sz="2400" dirty="0"/>
+          </a:p>
+        </p:txBody>
+      </p:sp>
+      <p:pic>
+        <p:nvPicPr>
+          <p:cNvPr id="4" name="Picture 3"/>
+          <p:cNvPicPr>
+            <a:picLocks noChangeAspect="1"/>
+          </p:cNvPicPr>
+          <p:nvPr/>
+        </p:nvPicPr>
+        <p:blipFill>
+          <a:blip r:embed="rId2"/>
+          <a:stretch>
+            <a:fillRect/>
+          </a:stretch>
+        </p:blipFill>
+        <p:spPr>
+          <a:xfrm>
+            <a:off x="1684020" y="5126809"/>
+            <a:ext cx="9546271" cy="1731192"/>
+          </a:xfrm>
+          <a:prstGeom prst="rect">
+            <a:avLst/>
+          </a:prstGeom>
+        </p:spPr>
+      </p:pic>
+    </p:spTree>
+    <p:extLst>
+      <p:ext uri="{BB962C8B-B14F-4D97-AF65-F5344CB8AC3E}">
+        <p14:creationId xmlns:p14="http://schemas.microsoft.com/office/powerpoint/2010/main" val="2768675523"/>
+      </p:ext>
+    </p:extLst>
+  </p:cSld>
+  <p:clrMapOvr>
+    <a:masterClrMapping/>
+  </p:clrMapOvr>
+</p:sld>
+</file>
+
+<file path=ppt/slides/slide91.xml><?xml version="1.0" encoding="utf-8"?>
+<p:sld xmlns:a="http://schemas.openxmlformats.org/drawingml/2006/main" xmlns:r="http://schemas.openxmlformats.org/officeDocument/2006/relationships" xmlns:p="http://schemas.openxmlformats.org/presentationml/2006/main">
+  <p:cSld>
+    <p:spTree>
+      <p:nvGrpSpPr>
+        <p:cNvPr id="1" name=""/>
+        <p:cNvGrpSpPr/>
+        <p:nvPr/>
+      </p:nvGrpSpPr>
+      <p:grpSpPr>
+        <a:xfrm>
+          <a:off x="0" y="0"/>
+          <a:ext cx="0" cy="0"/>
+          <a:chOff x="0" y="0"/>
+          <a:chExt cx="0" cy="0"/>
+        </a:xfrm>
+      </p:grpSpPr>
+      <p:sp>
+        <p:nvSpPr>
+          <p:cNvPr id="2" name="Title 1"/>
+          <p:cNvSpPr>
+            <a:spLocks noGrp="1"/>
+          </p:cNvSpPr>
+          <p:nvPr>
+            <p:ph type="title"/>
+          </p:nvPr>
+        </p:nvSpPr>
+        <p:spPr>
+          <a:xfrm>
+            <a:off x="2318605" y="166912"/>
+            <a:ext cx="8911687" cy="640445"/>
+          </a:xfrm>
+        </p:spPr>
+        <p:txBody>
+          <a:bodyPr/>
+          <a:lstStyle/>
+          <a:p>
+            <a:r>
+              <a:rPr lang="en-US" b="1" dirty="0"/>
+              <a:t>Tiers of </a:t>
+            </a:r>
+            <a:r>
+              <a:rPr lang="en-US" b="1" dirty="0" err="1"/>
+              <a:t>blockchain</a:t>
+            </a:r>
+            <a:r>
+              <a:rPr lang="en-US" b="1" dirty="0"/>
+              <a:t> technology</a:t>
+            </a:r>
+            <a:endParaRPr lang="en-US" dirty="0"/>
+          </a:p>
+        </p:txBody>
+      </p:sp>
+      <p:sp>
+        <p:nvSpPr>
+          <p:cNvPr id="3" name="Content Placeholder 2"/>
+          <p:cNvSpPr>
+            <a:spLocks noGrp="1"/>
+          </p:cNvSpPr>
+          <p:nvPr>
+            <p:ph idx="1"/>
+          </p:nvPr>
+        </p:nvSpPr>
+        <p:spPr>
+          <a:xfrm>
+            <a:off x="1554480" y="807357"/>
+            <a:ext cx="10371909" cy="5718134"/>
+          </a:xfrm>
+        </p:spPr>
+        <p:txBody>
+          <a:bodyPr>
+            <a:normAutofit lnSpcReduction="10000"/>
+          </a:bodyPr>
+          <a:lstStyle/>
+          <a:p>
+            <a:r>
+              <a:rPr lang="en-US" sz="2400" b="1" dirty="0"/>
+              <a:t>Generation X (</a:t>
+            </a:r>
+            <a:r>
+              <a:rPr lang="en-US" sz="2400" b="1" dirty="0" err="1"/>
+              <a:t>Blockchain</a:t>
+            </a:r>
+            <a:r>
+              <a:rPr lang="en-US" sz="2400" b="1" dirty="0"/>
+              <a:t> X</a:t>
+            </a:r>
+            <a:r>
+              <a:rPr lang="en-US" sz="2400" b="1" dirty="0" smtClean="0"/>
+              <a:t>)</a:t>
+            </a:r>
+          </a:p>
+          <a:p>
+            <a:pPr lvl="1"/>
+            <a:r>
+              <a:rPr lang="en-US" sz="2400" dirty="0"/>
+              <a:t>This is a vision of </a:t>
+            </a:r>
+            <a:r>
+              <a:rPr lang="en-US" sz="2400" dirty="0" err="1"/>
+              <a:t>blockchain</a:t>
+            </a:r>
+            <a:r>
+              <a:rPr lang="en-US" sz="2400" dirty="0"/>
+              <a:t> singularity where one day we will have a public </a:t>
+            </a:r>
+            <a:r>
+              <a:rPr lang="en-US" sz="2400" dirty="0" err="1" smtClean="0"/>
+              <a:t>blockchain</a:t>
+            </a:r>
+            <a:r>
+              <a:rPr lang="en-US" sz="2400" dirty="0" smtClean="0"/>
+              <a:t> service </a:t>
+            </a:r>
+            <a:r>
+              <a:rPr lang="en-US" sz="2400" dirty="0"/>
+              <a:t>available that anyone can use just like the Google search </a:t>
+            </a:r>
+            <a:r>
+              <a:rPr lang="en-US" sz="2400" dirty="0" smtClean="0"/>
+              <a:t>engine</a:t>
+            </a:r>
+          </a:p>
+          <a:p>
+            <a:pPr lvl="1"/>
+            <a:r>
+              <a:rPr lang="en-US" sz="2400" dirty="0" smtClean="0"/>
+              <a:t> </a:t>
+            </a:r>
+            <a:r>
+              <a:rPr lang="en-US" sz="2400" dirty="0"/>
+              <a:t>It will </a:t>
+            </a:r>
+            <a:r>
+              <a:rPr lang="en-US" sz="2400" dirty="0" smtClean="0"/>
+              <a:t>provide services </a:t>
+            </a:r>
+            <a:r>
+              <a:rPr lang="en-US" sz="2400" dirty="0"/>
+              <a:t>in all realms of society</a:t>
+            </a:r>
+            <a:r>
+              <a:rPr lang="en-US" sz="2400" dirty="0" smtClean="0"/>
+              <a:t>.</a:t>
+            </a:r>
+          </a:p>
+          <a:p>
+            <a:pPr lvl="1"/>
+            <a:r>
+              <a:rPr lang="en-US" sz="2400" dirty="0" smtClean="0"/>
+              <a:t> </a:t>
+            </a:r>
+            <a:r>
+              <a:rPr lang="en-US" sz="2400" dirty="0"/>
+              <a:t>This is a public open distributed ledger with </a:t>
+            </a:r>
+            <a:r>
+              <a:rPr lang="en-US" sz="2400" dirty="0" smtClean="0"/>
+              <a:t>general purpose rational </a:t>
+            </a:r>
+            <a:r>
+              <a:rPr lang="en-US" sz="2400" dirty="0"/>
+              <a:t>agents </a:t>
+            </a:r>
+            <a:r>
+              <a:rPr lang="en-US" sz="2400" dirty="0" smtClean="0"/>
+              <a:t>(</a:t>
+            </a:r>
+            <a:r>
+              <a:rPr lang="en-US" sz="2400" dirty="0" err="1" smtClean="0"/>
+              <a:t>Machina</a:t>
+            </a:r>
+            <a:r>
+              <a:rPr lang="en-US" sz="2400" dirty="0" smtClean="0"/>
+              <a:t> </a:t>
+            </a:r>
+            <a:r>
+              <a:rPr lang="en-US" sz="2400" dirty="0" err="1" smtClean="0"/>
+              <a:t>Economicus</a:t>
+            </a:r>
+            <a:r>
+              <a:rPr lang="en-US" sz="2400" dirty="0" smtClean="0"/>
+              <a:t>) running </a:t>
+            </a:r>
+            <a:r>
+              <a:rPr lang="en-US" sz="2400" dirty="0"/>
+              <a:t>on </a:t>
+            </a:r>
+            <a:r>
+              <a:rPr lang="en-US" sz="2400" dirty="0" err="1"/>
+              <a:t>blockchain</a:t>
+            </a:r>
+            <a:r>
+              <a:rPr lang="en-US" sz="2400" dirty="0"/>
+              <a:t>, making </a:t>
+            </a:r>
+            <a:r>
+              <a:rPr lang="en-US" sz="2400" dirty="0" smtClean="0"/>
+              <a:t>decisions and </a:t>
+            </a:r>
+            <a:r>
+              <a:rPr lang="en-US" sz="2400" dirty="0"/>
+              <a:t>interacting with other intelligent autonomous agents on behalf of humans </a:t>
+            </a:r>
+            <a:r>
+              <a:rPr lang="en-US" sz="2400" dirty="0" smtClean="0"/>
+              <a:t>and regulated </a:t>
+            </a:r>
+            <a:r>
+              <a:rPr lang="en-US" sz="2400" dirty="0"/>
+              <a:t>by code instead of law or paper contracts</a:t>
+            </a:r>
+            <a:r>
+              <a:rPr lang="en-US" sz="2400" dirty="0" smtClean="0"/>
+              <a:t>.</a:t>
+            </a:r>
+          </a:p>
+          <a:p>
+            <a:pPr lvl="1"/>
+            <a:r>
+              <a:rPr lang="en-US" sz="2400" dirty="0" err="1" smtClean="0"/>
+              <a:t>Machina</a:t>
+            </a:r>
+            <a:r>
+              <a:rPr lang="en-US" sz="2400" dirty="0" smtClean="0"/>
+              <a:t> </a:t>
+            </a:r>
+            <a:r>
+              <a:rPr lang="en-US" sz="2400" dirty="0" err="1"/>
+              <a:t>Economicus</a:t>
+            </a:r>
+            <a:r>
+              <a:rPr lang="en-US" sz="2400" dirty="0"/>
+              <a:t> is a concept which comes from the field of Artificial Intelligence (AI) and computational economics. It can be defined as a machine that makes logical and perfect decisions.</a:t>
+            </a:r>
+          </a:p>
+        </p:txBody>
+      </p:sp>
+    </p:spTree>
+    <p:extLst>
+      <p:ext uri="{BB962C8B-B14F-4D97-AF65-F5344CB8AC3E}">
+        <p14:creationId xmlns:p14="http://schemas.microsoft.com/office/powerpoint/2010/main" val="331743112"/>
+      </p:ext>
+    </p:extLst>
+  </p:cSld>
+  <p:clrMapOvr>
+    <a:masterClrMapping/>
+  </p:clrMapOvr>
+</p:sld>
+</file>
+
+<file path=ppt/slides/slide92.xml><?xml version="1.0" encoding="utf-8"?>
+<p:sld xmlns:a="http://schemas.openxmlformats.org/drawingml/2006/main" xmlns:r="http://schemas.openxmlformats.org/officeDocument/2006/relationships" xmlns:p="http://schemas.openxmlformats.org/presentationml/2006/main">
+  <p:cSld>
+    <p:spTree>
+      <p:nvGrpSpPr>
+        <p:cNvPr id="1" name=""/>
+        <p:cNvGrpSpPr/>
+        <p:nvPr/>
+      </p:nvGrpSpPr>
+      <p:grpSpPr>
+        <a:xfrm>
+          <a:off x="0" y="0"/>
+          <a:ext cx="0" cy="0"/>
+          <a:chOff x="0" y="0"/>
+          <a:chExt cx="0" cy="0"/>
+        </a:xfrm>
+      </p:grpSpPr>
+      <p:sp>
+        <p:nvSpPr>
+          <p:cNvPr id="2" name="Title 1"/>
+          <p:cNvSpPr>
+            <a:spLocks noGrp="1"/>
+          </p:cNvSpPr>
+          <p:nvPr>
+            <p:ph type="title"/>
+          </p:nvPr>
+        </p:nvSpPr>
+        <p:spPr/>
+        <p:txBody>
+          <a:bodyPr>
+            <a:normAutofit fontScale="90000"/>
+          </a:bodyPr>
+          <a:lstStyle/>
+          <a:p>
+            <a:r>
+              <a:rPr lang="en-US" b="1" dirty="0"/>
+              <a:t>Types of </a:t>
+            </a:r>
+            <a:r>
+              <a:rPr lang="en-US" b="1" dirty="0" err="1" smtClean="0"/>
+              <a:t>blockchain</a:t>
+            </a:r>
+            <a:r>
+              <a:rPr lang="en-US" b="1" dirty="0" smtClean="0"/>
+              <a:t>-</a:t>
+            </a:r>
+            <a:r>
+              <a:rPr lang="en-US" dirty="0"/>
+              <a:t>Public </a:t>
+            </a:r>
+            <a:r>
+              <a:rPr lang="en-US" dirty="0" err="1"/>
+              <a:t>blockchains</a:t>
+            </a:r>
+            <a:r>
+              <a:rPr lang="en-US" dirty="0"/>
+              <a:t/>
+            </a:r>
+            <a:br>
+              <a:rPr lang="en-US" dirty="0"/>
+            </a:br>
+            <a:endParaRPr lang="en-US" dirty="0"/>
+          </a:p>
+        </p:txBody>
+      </p:sp>
+      <p:sp>
+        <p:nvSpPr>
+          <p:cNvPr id="3" name="Content Placeholder 2"/>
+          <p:cNvSpPr>
+            <a:spLocks noGrp="1"/>
+          </p:cNvSpPr>
+          <p:nvPr>
+            <p:ph idx="1"/>
+          </p:nvPr>
+        </p:nvSpPr>
+        <p:spPr/>
+        <p:txBody>
+          <a:bodyPr>
+            <a:normAutofit/>
+          </a:bodyPr>
+          <a:lstStyle/>
+          <a:p>
+            <a:r>
+              <a:rPr lang="en-US" dirty="0" err="1"/>
+              <a:t>B</a:t>
+            </a:r>
+            <a:r>
+              <a:rPr lang="en-US" dirty="0" err="1" smtClean="0"/>
+              <a:t>lockchains</a:t>
+            </a:r>
+            <a:r>
+              <a:rPr lang="en-US" dirty="0" smtClean="0"/>
+              <a:t> </a:t>
+            </a:r>
+            <a:r>
+              <a:rPr lang="en-US" dirty="0"/>
+              <a:t>are open to the public and anyone can </a:t>
+            </a:r>
+            <a:r>
+              <a:rPr lang="en-US" dirty="0" smtClean="0"/>
+              <a:t>participate as </a:t>
+            </a:r>
+            <a:r>
+              <a:rPr lang="en-US" dirty="0"/>
+              <a:t>a node in the decision-making process</a:t>
+            </a:r>
+            <a:r>
+              <a:rPr lang="en-US" dirty="0" smtClean="0"/>
+              <a:t>.</a:t>
+            </a:r>
+          </a:p>
+          <a:p>
+            <a:r>
+              <a:rPr lang="en-US" dirty="0" smtClean="0"/>
+              <a:t> </a:t>
+            </a:r>
+            <a:r>
+              <a:rPr lang="en-US" dirty="0"/>
+              <a:t>Users may or may not be rewarded for </a:t>
+            </a:r>
+            <a:r>
+              <a:rPr lang="en-US" dirty="0" smtClean="0"/>
+              <a:t>their participation</a:t>
+            </a:r>
+            <a:r>
+              <a:rPr lang="en-US" dirty="0"/>
+              <a:t>. </a:t>
+            </a:r>
+            <a:endParaRPr lang="en-US" dirty="0" smtClean="0"/>
+          </a:p>
+          <a:p>
+            <a:r>
+              <a:rPr lang="en-US" dirty="0" smtClean="0"/>
+              <a:t>Ledgers </a:t>
+            </a:r>
+            <a:r>
+              <a:rPr lang="en-US" dirty="0"/>
+              <a:t>are not owned by anyone and are publicly open for anyone </a:t>
+            </a:r>
+            <a:r>
+              <a:rPr lang="en-US" dirty="0" smtClean="0"/>
+              <a:t>to participate </a:t>
+            </a:r>
+            <a:r>
+              <a:rPr lang="en-US" dirty="0"/>
+              <a:t>in. </a:t>
+            </a:r>
+            <a:endParaRPr lang="en-US" dirty="0" smtClean="0"/>
+          </a:p>
+          <a:p>
+            <a:r>
+              <a:rPr lang="en-US" dirty="0" smtClean="0"/>
+              <a:t>All </a:t>
+            </a:r>
+            <a:r>
+              <a:rPr lang="en-US" dirty="0"/>
+              <a:t>users of the permission-less ledger maintain a copy of the ledger on </a:t>
+            </a:r>
+            <a:r>
+              <a:rPr lang="en-US" dirty="0" smtClean="0"/>
+              <a:t>their local nodes </a:t>
+            </a:r>
+            <a:r>
+              <a:rPr lang="en-US" dirty="0"/>
+              <a:t>and use a distributed consensus mechanism in order to reach a </a:t>
+            </a:r>
+            <a:r>
+              <a:rPr lang="en-US" dirty="0" smtClean="0"/>
+              <a:t>decision about </a:t>
+            </a:r>
+            <a:r>
+              <a:rPr lang="en-US" dirty="0"/>
+              <a:t>the eventual state of the ledger. </a:t>
+            </a:r>
+            <a:endParaRPr lang="en-US" dirty="0" smtClean="0"/>
+          </a:p>
+          <a:p>
+            <a:r>
+              <a:rPr lang="en-US" dirty="0" smtClean="0"/>
+              <a:t>These </a:t>
+            </a:r>
+            <a:r>
+              <a:rPr lang="en-US" dirty="0" err="1"/>
+              <a:t>blockchains</a:t>
+            </a:r>
+            <a:r>
+              <a:rPr lang="en-US" dirty="0"/>
+              <a:t> are also known as </a:t>
+            </a:r>
+            <a:r>
+              <a:rPr lang="en-US" dirty="0" smtClean="0"/>
+              <a:t>permission-less ledgers</a:t>
+            </a:r>
+            <a:r>
+              <a:rPr lang="en-US" dirty="0"/>
+              <a:t>.</a:t>
+            </a:r>
+          </a:p>
+        </p:txBody>
+      </p:sp>
+    </p:spTree>
+    <p:extLst>
+      <p:ext uri="{BB962C8B-B14F-4D97-AF65-F5344CB8AC3E}">
+        <p14:creationId xmlns:p14="http://schemas.microsoft.com/office/powerpoint/2010/main" val="737431900"/>
+      </p:ext>
+    </p:extLst>
+  </p:cSld>
+  <p:clrMapOvr>
+    <a:masterClrMapping/>
+  </p:clrMapOvr>
+</p:sld>
+</file>
+
+<file path=ppt/slides/slide93.xml><?xml version="1.0" encoding="utf-8"?>
+<p:sld xmlns:a="http://schemas.openxmlformats.org/drawingml/2006/main" xmlns:r="http://schemas.openxmlformats.org/officeDocument/2006/relationships" xmlns:p="http://schemas.openxmlformats.org/presentationml/2006/main">
+  <p:cSld>
+    <p:spTree>
+      <p:nvGrpSpPr>
+        <p:cNvPr id="1" name=""/>
+        <p:cNvGrpSpPr/>
+        <p:nvPr/>
+      </p:nvGrpSpPr>
+      <p:grpSpPr>
+        <a:xfrm>
+          <a:off x="0" y="0"/>
+          <a:ext cx="0" cy="0"/>
+          <a:chOff x="0" y="0"/>
+          <a:chExt cx="0" cy="0"/>
+        </a:xfrm>
+      </p:grpSpPr>
+      <p:sp>
+        <p:nvSpPr>
+          <p:cNvPr id="2" name="Title 1"/>
+          <p:cNvSpPr>
+            <a:spLocks noGrp="1"/>
+          </p:cNvSpPr>
+          <p:nvPr>
+            <p:ph type="title"/>
+          </p:nvPr>
+        </p:nvSpPr>
+        <p:spPr/>
+        <p:txBody>
+          <a:bodyPr>
+            <a:normAutofit fontScale="90000"/>
+          </a:bodyPr>
+          <a:lstStyle/>
+          <a:p>
+            <a:r>
+              <a:rPr lang="en-US" b="1" dirty="0"/>
+              <a:t>Types of </a:t>
+            </a:r>
+            <a:r>
+              <a:rPr lang="en-US" b="1" dirty="0" err="1" smtClean="0"/>
+              <a:t>blockchain</a:t>
+            </a:r>
+            <a:r>
+              <a:rPr lang="en-US" b="1" dirty="0" smtClean="0"/>
+              <a:t>-</a:t>
+            </a:r>
+            <a:r>
+              <a:rPr lang="en-US" dirty="0" smtClean="0"/>
+              <a:t>Private </a:t>
+            </a:r>
+            <a:r>
+              <a:rPr lang="en-US" dirty="0" err="1"/>
+              <a:t>blockchains</a:t>
+            </a:r>
+            <a:r>
+              <a:rPr lang="en-US" dirty="0"/>
+              <a:t/>
+            </a:r>
+            <a:br>
+              <a:rPr lang="en-US" dirty="0"/>
+            </a:br>
+            <a:endParaRPr lang="en-US" dirty="0"/>
+          </a:p>
+        </p:txBody>
+      </p:sp>
+      <p:sp>
+        <p:nvSpPr>
+          <p:cNvPr id="3" name="Content Placeholder 2"/>
+          <p:cNvSpPr>
+            <a:spLocks noGrp="1"/>
+          </p:cNvSpPr>
+          <p:nvPr>
+            <p:ph idx="1"/>
+          </p:nvPr>
+        </p:nvSpPr>
+        <p:spPr/>
+        <p:txBody>
+          <a:bodyPr>
+            <a:normAutofit/>
+          </a:bodyPr>
+          <a:lstStyle/>
+          <a:p>
+            <a:r>
+              <a:rPr lang="en-US" dirty="0" err="1"/>
+              <a:t>B</a:t>
+            </a:r>
+            <a:r>
+              <a:rPr lang="en-US" dirty="0" err="1" smtClean="0"/>
+              <a:t>lockchains</a:t>
+            </a:r>
+            <a:r>
+              <a:rPr lang="en-US" dirty="0" smtClean="0"/>
+              <a:t> </a:t>
+            </a:r>
+            <a:r>
+              <a:rPr lang="en-US" dirty="0"/>
+              <a:t>are open to the public and anyone can </a:t>
+            </a:r>
+            <a:r>
+              <a:rPr lang="en-US" dirty="0" smtClean="0"/>
+              <a:t>participate as </a:t>
+            </a:r>
+            <a:r>
+              <a:rPr lang="en-US" dirty="0"/>
+              <a:t>a node in the decision-making process</a:t>
+            </a:r>
+            <a:r>
+              <a:rPr lang="en-US" dirty="0" smtClean="0"/>
+              <a:t>.</a:t>
+            </a:r>
+          </a:p>
+          <a:p>
+            <a:r>
+              <a:rPr lang="en-US" dirty="0" smtClean="0"/>
+              <a:t> </a:t>
+            </a:r>
+            <a:r>
+              <a:rPr lang="en-US" dirty="0"/>
+              <a:t>Users may or may not be rewarded for </a:t>
+            </a:r>
+            <a:r>
+              <a:rPr lang="en-US" dirty="0" smtClean="0"/>
+              <a:t>their participation</a:t>
+            </a:r>
+            <a:r>
+              <a:rPr lang="en-US" dirty="0"/>
+              <a:t>. </a:t>
+            </a:r>
+            <a:endParaRPr lang="en-US" dirty="0" smtClean="0"/>
+          </a:p>
+          <a:p>
+            <a:r>
+              <a:rPr lang="en-US" dirty="0" smtClean="0"/>
+              <a:t>Ledgers </a:t>
+            </a:r>
+            <a:r>
+              <a:rPr lang="en-US" dirty="0"/>
+              <a:t>are not owned by anyone and are publicly open for anyone </a:t>
+            </a:r>
+            <a:r>
+              <a:rPr lang="en-US" dirty="0" smtClean="0"/>
+              <a:t>to participate </a:t>
+            </a:r>
+            <a:r>
+              <a:rPr lang="en-US" dirty="0"/>
+              <a:t>in. </a:t>
+            </a:r>
+            <a:endParaRPr lang="en-US" dirty="0" smtClean="0"/>
+          </a:p>
+          <a:p>
+            <a:r>
+              <a:rPr lang="en-US" dirty="0" smtClean="0"/>
+              <a:t>All </a:t>
+            </a:r>
+            <a:r>
+              <a:rPr lang="en-US" dirty="0"/>
+              <a:t>users of the permission-less ledger maintain a copy of the ledger on </a:t>
+            </a:r>
+            <a:r>
+              <a:rPr lang="en-US" dirty="0" smtClean="0"/>
+              <a:t>their local nodes </a:t>
+            </a:r>
+            <a:r>
+              <a:rPr lang="en-US" dirty="0"/>
+              <a:t>and use a distributed consensus mechanism in order to reach a </a:t>
+            </a:r>
+            <a:r>
+              <a:rPr lang="en-US" dirty="0" smtClean="0"/>
+              <a:t>decision about </a:t>
+            </a:r>
+            <a:r>
+              <a:rPr lang="en-US" dirty="0"/>
+              <a:t>the eventual state of the ledger. </a:t>
+            </a:r>
+            <a:endParaRPr lang="en-US" dirty="0" smtClean="0"/>
+          </a:p>
+          <a:p>
+            <a:r>
+              <a:rPr lang="en-US" dirty="0" smtClean="0"/>
+              <a:t>These </a:t>
+            </a:r>
+            <a:r>
+              <a:rPr lang="en-US" dirty="0" err="1"/>
+              <a:t>blockchains</a:t>
+            </a:r>
+            <a:r>
+              <a:rPr lang="en-US" dirty="0"/>
+              <a:t> are also known as </a:t>
+            </a:r>
+            <a:r>
+              <a:rPr lang="en-US" dirty="0" smtClean="0"/>
+              <a:t>permission-less ledgers</a:t>
+            </a:r>
+            <a:r>
+              <a:rPr lang="en-US" dirty="0"/>
+              <a:t>.</a:t>
+            </a:r>
+          </a:p>
+        </p:txBody>
+      </p:sp>
+    </p:spTree>
+    <p:extLst>
+      <p:ext uri="{BB962C8B-B14F-4D97-AF65-F5344CB8AC3E}">
+        <p14:creationId xmlns:p14="http://schemas.microsoft.com/office/powerpoint/2010/main" val="2966286433"/>
+      </p:ext>
+    </p:extLst>
+  </p:cSld>
+  <p:clrMapOvr>
+    <a:masterClrMapping/>
+  </p:clrMapOvr>
+</p:sld>
+</file>
+
+<file path=ppt/slides/slide94.xml><?xml version="1.0" encoding="utf-8"?>
+<p:sld xmlns:a="http://schemas.openxmlformats.org/drawingml/2006/main" xmlns:r="http://schemas.openxmlformats.org/officeDocument/2006/relationships" xmlns:p="http://schemas.openxmlformats.org/presentationml/2006/main">
+  <p:cSld>
+    <p:spTree>
+      <p:nvGrpSpPr>
+        <p:cNvPr id="1" name=""/>
+        <p:cNvGrpSpPr/>
+        <p:nvPr/>
+      </p:nvGrpSpPr>
+      <p:grpSpPr>
+        <a:xfrm>
+          <a:off x="0" y="0"/>
+          <a:ext cx="0" cy="0"/>
+          <a:chOff x="0" y="0"/>
+          <a:chExt cx="0" cy="0"/>
+        </a:xfrm>
+      </p:grpSpPr>
+      <p:sp>
+        <p:nvSpPr>
+          <p:cNvPr id="2" name="Title 1"/>
+          <p:cNvSpPr>
+            <a:spLocks noGrp="1"/>
+          </p:cNvSpPr>
+          <p:nvPr>
+            <p:ph type="title"/>
+          </p:nvPr>
+        </p:nvSpPr>
+        <p:spPr/>
+        <p:txBody>
+          <a:bodyPr>
+            <a:normAutofit fontScale="90000"/>
+          </a:bodyPr>
+          <a:lstStyle/>
+          <a:p>
+            <a:r>
+              <a:rPr lang="en-US" b="1" dirty="0"/>
+              <a:t>Types of </a:t>
+            </a:r>
+            <a:r>
+              <a:rPr lang="en-US" b="1" dirty="0" err="1" smtClean="0"/>
+              <a:t>blockchain</a:t>
+            </a:r>
+            <a:r>
+              <a:rPr lang="en-US" b="1" dirty="0" smtClean="0"/>
+              <a:t>-</a:t>
+            </a:r>
+            <a:r>
+              <a:rPr lang="en-US" dirty="0" smtClean="0"/>
+              <a:t>Private </a:t>
+            </a:r>
+            <a:r>
+              <a:rPr lang="en-US" dirty="0" err="1"/>
+              <a:t>blockchains</a:t>
+            </a:r>
+            <a:r>
+              <a:rPr lang="en-US" dirty="0"/>
+              <a:t/>
+            </a:r>
+            <a:br>
+              <a:rPr lang="en-US" dirty="0"/>
+            </a:br>
+            <a:endParaRPr lang="en-US" dirty="0"/>
+          </a:p>
+        </p:txBody>
+      </p:sp>
+      <p:sp>
+        <p:nvSpPr>
+          <p:cNvPr id="3" name="Content Placeholder 2"/>
+          <p:cNvSpPr>
+            <a:spLocks noGrp="1"/>
+          </p:cNvSpPr>
+          <p:nvPr>
+            <p:ph idx="1"/>
+          </p:nvPr>
+        </p:nvSpPr>
+        <p:spPr/>
+        <p:txBody>
+          <a:bodyPr>
+            <a:normAutofit/>
+          </a:bodyPr>
+          <a:lstStyle/>
+          <a:p>
+            <a:r>
+              <a:rPr lang="en-US" dirty="0"/>
+              <a:t>Private </a:t>
+            </a:r>
+            <a:r>
+              <a:rPr lang="en-US" dirty="0" err="1"/>
+              <a:t>blockchains</a:t>
+            </a:r>
+            <a:r>
+              <a:rPr lang="en-US" dirty="0"/>
+              <a:t> as the name implies are private </a:t>
+            </a:r>
+          </a:p>
+          <a:p>
+            <a:r>
+              <a:rPr lang="en-US" dirty="0" smtClean="0"/>
+              <a:t>Open </a:t>
+            </a:r>
+            <a:r>
+              <a:rPr lang="en-US" dirty="0"/>
+              <a:t>only to a consortium </a:t>
+            </a:r>
+            <a:r>
+              <a:rPr lang="en-US" dirty="0" smtClean="0"/>
+              <a:t>or group </a:t>
+            </a:r>
+            <a:r>
+              <a:rPr lang="en-US" dirty="0"/>
+              <a:t>of individuals or organizations that has decided to share the ledger </a:t>
+            </a:r>
+            <a:r>
+              <a:rPr lang="en-US" dirty="0" smtClean="0"/>
+              <a:t>among themselves</a:t>
+            </a:r>
+            <a:endParaRPr lang="en-US" dirty="0"/>
+          </a:p>
+        </p:txBody>
+      </p:sp>
+    </p:spTree>
+    <p:extLst>
+      <p:ext uri="{BB962C8B-B14F-4D97-AF65-F5344CB8AC3E}">
+        <p14:creationId xmlns:p14="http://schemas.microsoft.com/office/powerpoint/2010/main" val="3904739950"/>
+      </p:ext>
+    </p:extLst>
+  </p:cSld>
+  <p:clrMapOvr>
+    <a:masterClrMapping/>
+  </p:clrMapOvr>
+</p:sld>
+</file>
+
+<file path=ppt/slides/slide95.xml><?xml version="1.0" encoding="utf-8"?>
+<p:sld xmlns:a="http://schemas.openxmlformats.org/drawingml/2006/main" xmlns:r="http://schemas.openxmlformats.org/officeDocument/2006/relationships" xmlns:p="http://schemas.openxmlformats.org/presentationml/2006/main">
+  <p:cSld>
+    <p:spTree>
+      <p:nvGrpSpPr>
+        <p:cNvPr id="1" name=""/>
+        <p:cNvGrpSpPr/>
+        <p:nvPr/>
+      </p:nvGrpSpPr>
+      <p:grpSpPr>
+        <a:xfrm>
+          <a:off x="0" y="0"/>
+          <a:ext cx="0" cy="0"/>
+          <a:chOff x="0" y="0"/>
+          <a:chExt cx="0" cy="0"/>
+        </a:xfrm>
+      </p:grpSpPr>
+      <p:sp>
+        <p:nvSpPr>
+          <p:cNvPr id="2" name="Title 1"/>
+          <p:cNvSpPr>
+            <a:spLocks noGrp="1"/>
+          </p:cNvSpPr>
+          <p:nvPr>
+            <p:ph type="title"/>
+          </p:nvPr>
+        </p:nvSpPr>
+        <p:spPr/>
+        <p:txBody>
+          <a:bodyPr>
+            <a:normAutofit fontScale="90000"/>
+          </a:bodyPr>
+          <a:lstStyle/>
+          <a:p>
+            <a:r>
+              <a:rPr lang="en-US" b="1" dirty="0"/>
+              <a:t>Types of </a:t>
+            </a:r>
+            <a:r>
+              <a:rPr lang="en-US" b="1" dirty="0" err="1" smtClean="0"/>
+              <a:t>blockchain</a:t>
+            </a:r>
+            <a:r>
+              <a:rPr lang="en-US" b="1" dirty="0" smtClean="0"/>
+              <a:t>-</a:t>
+            </a:r>
+            <a:r>
+              <a:rPr lang="en-US" dirty="0"/>
+              <a:t>Semi-private </a:t>
+            </a:r>
+            <a:r>
+              <a:rPr lang="en-US" dirty="0" err="1"/>
+              <a:t>blockchains</a:t>
+            </a:r>
+            <a:r>
+              <a:rPr lang="en-US" dirty="0"/>
+              <a:t/>
+            </a:r>
+            <a:br>
+              <a:rPr lang="en-US" dirty="0"/>
+            </a:br>
+            <a:endParaRPr lang="en-US" dirty="0"/>
+          </a:p>
+        </p:txBody>
+      </p:sp>
+      <p:sp>
+        <p:nvSpPr>
+          <p:cNvPr id="3" name="Content Placeholder 2"/>
+          <p:cNvSpPr>
+            <a:spLocks noGrp="1"/>
+          </p:cNvSpPr>
+          <p:nvPr>
+            <p:ph idx="1"/>
+          </p:nvPr>
+        </p:nvSpPr>
+        <p:spPr/>
+        <p:txBody>
+          <a:bodyPr>
+            <a:normAutofit/>
+          </a:bodyPr>
+          <a:lstStyle/>
+          <a:p>
+            <a:r>
+              <a:rPr lang="en-US" sz="2400" dirty="0"/>
+              <a:t>Here part of the </a:t>
+            </a:r>
+            <a:r>
+              <a:rPr lang="en-US" sz="2400" dirty="0" err="1"/>
+              <a:t>blockchain</a:t>
+            </a:r>
+            <a:r>
+              <a:rPr lang="en-US" sz="2400" dirty="0"/>
+              <a:t> is private and part of it is public. </a:t>
+            </a:r>
+            <a:endParaRPr lang="en-US" sz="2400" dirty="0" smtClean="0"/>
+          </a:p>
+          <a:p>
+            <a:r>
+              <a:rPr lang="en-US" sz="2400" dirty="0" smtClean="0"/>
+              <a:t>The </a:t>
+            </a:r>
+            <a:r>
+              <a:rPr lang="en-US" sz="2400" dirty="0"/>
+              <a:t>private part is </a:t>
+            </a:r>
+            <a:r>
+              <a:rPr lang="en-US" sz="2400" dirty="0" smtClean="0"/>
+              <a:t>controlled by </a:t>
+            </a:r>
+            <a:r>
+              <a:rPr lang="en-US" sz="2400" dirty="0"/>
+              <a:t>a group of individuals whereas the public part is open for participation by anyone</a:t>
+            </a:r>
+          </a:p>
+        </p:txBody>
+      </p:sp>
+    </p:spTree>
+    <p:extLst>
+      <p:ext uri="{BB962C8B-B14F-4D97-AF65-F5344CB8AC3E}">
+        <p14:creationId xmlns:p14="http://schemas.microsoft.com/office/powerpoint/2010/main" val="1748496949"/>
+      </p:ext>
+    </p:extLst>
+  </p:cSld>
+  <p:clrMapOvr>
+    <a:masterClrMapping/>
+  </p:clrMapOvr>
+</p:sld>
+</file>
+
+<file path=ppt/slides/slide96.xml><?xml version="1.0" encoding="utf-8"?>
+<p:sld xmlns:a="http://schemas.openxmlformats.org/drawingml/2006/main" xmlns:r="http://schemas.openxmlformats.org/officeDocument/2006/relationships" xmlns:p="http://schemas.openxmlformats.org/presentationml/2006/main">
+  <p:cSld>
+    <p:spTree>
+      <p:nvGrpSpPr>
+        <p:cNvPr id="1" name=""/>
+        <p:cNvGrpSpPr/>
+        <p:nvPr/>
+      </p:nvGrpSpPr>
+      <p:grpSpPr>
+        <a:xfrm>
+          <a:off x="0" y="0"/>
+          <a:ext cx="0" cy="0"/>
+          <a:chOff x="0" y="0"/>
+          <a:chExt cx="0" cy="0"/>
+        </a:xfrm>
+      </p:grpSpPr>
+      <p:sp>
+        <p:nvSpPr>
+          <p:cNvPr id="2" name="Title 1"/>
+          <p:cNvSpPr>
+            <a:spLocks noGrp="1"/>
+          </p:cNvSpPr>
+          <p:nvPr>
+            <p:ph type="title"/>
+          </p:nvPr>
+        </p:nvSpPr>
+        <p:spPr/>
+        <p:txBody>
+          <a:bodyPr/>
+          <a:lstStyle/>
+          <a:p>
+            <a:r>
+              <a:rPr lang="en-US" b="1" dirty="0"/>
+              <a:t>Types of </a:t>
+            </a:r>
+            <a:r>
+              <a:rPr lang="en-US" b="1" dirty="0" err="1"/>
+              <a:t>blockchain</a:t>
+            </a:r>
+            <a:r>
+              <a:rPr lang="en-US" b="1" dirty="0"/>
+              <a:t>-</a:t>
+            </a:r>
+            <a:r>
+              <a:rPr lang="en-US" dirty="0" smtClean="0"/>
+              <a:t>Sidechains</a:t>
+            </a:r>
+            <a:endParaRPr lang="en-US" dirty="0"/>
+          </a:p>
+        </p:txBody>
+      </p:sp>
+      <p:sp>
+        <p:nvSpPr>
+          <p:cNvPr id="3" name="Content Placeholder 2"/>
+          <p:cNvSpPr>
+            <a:spLocks noGrp="1"/>
+          </p:cNvSpPr>
+          <p:nvPr>
+            <p:ph idx="1"/>
+          </p:nvPr>
+        </p:nvSpPr>
+        <p:spPr>
+          <a:xfrm>
+            <a:off x="2242848" y="1385454"/>
+            <a:ext cx="8915400" cy="3777622"/>
+          </a:xfrm>
+        </p:spPr>
+        <p:txBody>
+          <a:bodyPr>
+            <a:noAutofit/>
+          </a:bodyPr>
+          <a:lstStyle/>
+          <a:p>
+            <a:r>
+              <a:rPr lang="en-US" sz="2400" dirty="0"/>
+              <a:t>More precisely known as pegged sidechains, this is a concept whereby coins can be </a:t>
+            </a:r>
+            <a:r>
+              <a:rPr lang="en-US" sz="2400" dirty="0" smtClean="0"/>
+              <a:t>moved from </a:t>
+            </a:r>
+            <a:r>
+              <a:rPr lang="en-US" sz="2400" dirty="0"/>
+              <a:t>one </a:t>
+            </a:r>
+            <a:r>
+              <a:rPr lang="en-US" sz="2400" dirty="0" err="1"/>
+              <a:t>blockchain</a:t>
+            </a:r>
+            <a:r>
+              <a:rPr lang="en-US" sz="2400" dirty="0"/>
+              <a:t> to another and moved back. </a:t>
+            </a:r>
+            <a:endParaRPr lang="en-US" sz="2400" dirty="0" smtClean="0"/>
+          </a:p>
+          <a:p>
+            <a:r>
+              <a:rPr lang="en-US" sz="2400" dirty="0" smtClean="0"/>
+              <a:t>Common </a:t>
+            </a:r>
+            <a:r>
+              <a:rPr lang="en-US" sz="2400" dirty="0"/>
+              <a:t>uses include the creation of </a:t>
+            </a:r>
+            <a:r>
+              <a:rPr lang="en-US" sz="2400" dirty="0" smtClean="0"/>
+              <a:t>new altcoins </a:t>
+            </a:r>
+            <a:r>
+              <a:rPr lang="en-US" sz="2400" dirty="0"/>
+              <a:t>(alternative cryptocurrencies) whereby coins are </a:t>
+            </a:r>
+            <a:r>
+              <a:rPr lang="en-US" sz="2400" i="1" dirty="0"/>
+              <a:t>burnt </a:t>
+            </a:r>
+            <a:r>
+              <a:rPr lang="en-US" sz="2400" dirty="0"/>
+              <a:t>as a proof of adequate stake.</a:t>
+            </a:r>
+          </a:p>
+          <a:p>
+            <a:r>
+              <a:rPr lang="en-US" sz="2400" dirty="0"/>
+              <a:t>There are two types of sidechain. </a:t>
+            </a:r>
+            <a:endParaRPr lang="en-US" sz="2400" dirty="0" smtClean="0"/>
+          </a:p>
+          <a:p>
+            <a:pPr lvl="1"/>
+            <a:r>
+              <a:rPr lang="en-US" sz="2400" dirty="0" smtClean="0"/>
+              <a:t>The </a:t>
+            </a:r>
+            <a:r>
+              <a:rPr lang="en-US" sz="2400" dirty="0"/>
+              <a:t>example provided above for </a:t>
+            </a:r>
+            <a:r>
+              <a:rPr lang="en-US" sz="2400" i="1" dirty="0"/>
+              <a:t>burning </a:t>
+            </a:r>
+            <a:r>
+              <a:rPr lang="en-US" sz="2400" dirty="0"/>
+              <a:t>coins </a:t>
+            </a:r>
+            <a:r>
+              <a:rPr lang="en-US" sz="2400" dirty="0" smtClean="0"/>
+              <a:t>is applicable </a:t>
+            </a:r>
+            <a:r>
+              <a:rPr lang="en-US" sz="2400" dirty="0"/>
+              <a:t>to a one-way pegged sidechain. </a:t>
+            </a:r>
+            <a:endParaRPr lang="en-US" sz="2400" dirty="0" smtClean="0"/>
+          </a:p>
+          <a:p>
+            <a:pPr lvl="1"/>
+            <a:r>
+              <a:rPr lang="en-US" sz="2400" dirty="0" smtClean="0"/>
+              <a:t>The </a:t>
+            </a:r>
+            <a:r>
+              <a:rPr lang="en-US" sz="2400" dirty="0"/>
+              <a:t>second type is called a two-way </a:t>
+            </a:r>
+            <a:r>
+              <a:rPr lang="en-US" sz="2400" dirty="0" smtClean="0"/>
+              <a:t>pegged sidechain</a:t>
+            </a:r>
+            <a:r>
+              <a:rPr lang="en-US" sz="2400" dirty="0"/>
+              <a:t>, which allows the movement of coins from the main chain to the sidechain </a:t>
+            </a:r>
+            <a:r>
+              <a:rPr lang="en-US" sz="2400" dirty="0" smtClean="0"/>
+              <a:t>and back </a:t>
+            </a:r>
+            <a:r>
+              <a:rPr lang="en-US" sz="2400" dirty="0"/>
+              <a:t>to the main chain when required.</a:t>
+            </a:r>
+          </a:p>
+        </p:txBody>
+      </p:sp>
+    </p:spTree>
+    <p:extLst>
+      <p:ext uri="{BB962C8B-B14F-4D97-AF65-F5344CB8AC3E}">
+        <p14:creationId xmlns:p14="http://schemas.microsoft.com/office/powerpoint/2010/main" val="1707489974"/>
+      </p:ext>
+    </p:extLst>
+  </p:cSld>
+  <p:clrMapOvr>
+    <a:masterClrMapping/>
+  </p:clrMapOvr>
+</p:sld>
+</file>
+
+<file path=ppt/slides/slide97.xml><?xml version="1.0" encoding="utf-8"?>
+<p:sld xmlns:a="http://schemas.openxmlformats.org/drawingml/2006/main" xmlns:r="http://schemas.openxmlformats.org/officeDocument/2006/relationships" xmlns:p="http://schemas.openxmlformats.org/presentationml/2006/main">
+  <p:cSld>
+    <p:spTree>
+      <p:nvGrpSpPr>
+        <p:cNvPr id="1" name=""/>
+        <p:cNvGrpSpPr/>
+        <p:nvPr/>
+      </p:nvGrpSpPr>
+      <p:grpSpPr>
+        <a:xfrm>
+          <a:off x="0" y="0"/>
+          <a:ext cx="0" cy="0"/>
+          <a:chOff x="0" y="0"/>
+          <a:chExt cx="0" cy="0"/>
+        </a:xfrm>
+      </p:grpSpPr>
+      <p:sp>
+        <p:nvSpPr>
+          <p:cNvPr id="2" name="Title 1"/>
+          <p:cNvSpPr>
+            <a:spLocks noGrp="1"/>
+          </p:cNvSpPr>
+          <p:nvPr>
+            <p:ph type="title"/>
+          </p:nvPr>
+        </p:nvSpPr>
+        <p:spPr/>
+        <p:txBody>
+          <a:bodyPr/>
+          <a:lstStyle/>
+          <a:p>
+            <a:r>
+              <a:rPr lang="en-US" b="1" dirty="0"/>
+              <a:t>Types of </a:t>
+            </a:r>
+            <a:r>
+              <a:rPr lang="en-US" b="1" dirty="0" err="1" smtClean="0"/>
+              <a:t>blockchain</a:t>
+            </a:r>
+            <a:r>
+              <a:rPr lang="en-US" b="1" dirty="0" smtClean="0"/>
+              <a:t>-</a:t>
+            </a:r>
+            <a:r>
+              <a:rPr lang="en-US" dirty="0"/>
+              <a:t>Permissioned ledger</a:t>
+            </a:r>
+          </a:p>
+        </p:txBody>
+      </p:sp>
+      <p:sp>
+        <p:nvSpPr>
+          <p:cNvPr id="3" name="Content Placeholder 2"/>
+          <p:cNvSpPr>
+            <a:spLocks noGrp="1"/>
+          </p:cNvSpPr>
+          <p:nvPr>
+            <p:ph idx="1"/>
+          </p:nvPr>
+        </p:nvSpPr>
+        <p:spPr>
+          <a:xfrm>
+            <a:off x="2078182" y="2133599"/>
+            <a:ext cx="9426430" cy="4197927"/>
+          </a:xfrm>
+        </p:spPr>
+        <p:txBody>
+          <a:bodyPr>
+            <a:noAutofit/>
+          </a:bodyPr>
+          <a:lstStyle/>
+          <a:p>
+            <a:r>
+              <a:rPr lang="en-US" sz="2400" dirty="0"/>
+              <a:t>A permissioned ledger is a </a:t>
+            </a:r>
+            <a:r>
+              <a:rPr lang="en-US" sz="2400" dirty="0" err="1"/>
+              <a:t>blockchain</a:t>
+            </a:r>
+            <a:r>
+              <a:rPr lang="en-US" sz="2400" dirty="0"/>
+              <a:t> whereby the participants of the network are </a:t>
+            </a:r>
+            <a:r>
+              <a:rPr lang="en-US" sz="2400" dirty="0" smtClean="0"/>
+              <a:t>known and </a:t>
+            </a:r>
+            <a:r>
+              <a:rPr lang="en-US" sz="2400" dirty="0"/>
+              <a:t>already trusted. </a:t>
+            </a:r>
+            <a:endParaRPr lang="en-US" sz="2400" dirty="0" smtClean="0"/>
+          </a:p>
+          <a:p>
+            <a:r>
+              <a:rPr lang="en-US" sz="2400" dirty="0" smtClean="0"/>
+              <a:t>Permissioned </a:t>
+            </a:r>
+            <a:r>
+              <a:rPr lang="en-US" sz="2400" dirty="0"/>
+              <a:t>ledgers do not need to use a distributed </a:t>
+            </a:r>
+            <a:r>
+              <a:rPr lang="en-US" sz="2400" dirty="0" smtClean="0"/>
+              <a:t>consensus mechanism</a:t>
+            </a:r>
+            <a:r>
+              <a:rPr lang="en-US" sz="2400" dirty="0"/>
+              <a:t>, instead an </a:t>
+            </a:r>
+            <a:r>
+              <a:rPr lang="en-US" sz="2400" i="1" dirty="0"/>
+              <a:t>agreement protocol </a:t>
+            </a:r>
+            <a:r>
+              <a:rPr lang="en-US" sz="2400" dirty="0"/>
+              <a:t>can be used to maintain a shared version of </a:t>
+            </a:r>
+            <a:r>
+              <a:rPr lang="en-US" sz="2400" dirty="0" smtClean="0"/>
+              <a:t>truth about </a:t>
+            </a:r>
+            <a:r>
+              <a:rPr lang="en-US" sz="2400" dirty="0"/>
+              <a:t>the state of the records on the </a:t>
+            </a:r>
+            <a:r>
+              <a:rPr lang="en-US" sz="2400" dirty="0" err="1"/>
+              <a:t>blockchain</a:t>
+            </a:r>
+            <a:r>
+              <a:rPr lang="en-US" sz="2400" dirty="0"/>
+              <a:t>. </a:t>
+            </a:r>
+            <a:endParaRPr lang="en-US" sz="2400" dirty="0" smtClean="0"/>
+          </a:p>
+          <a:p>
+            <a:r>
+              <a:rPr lang="en-US" sz="2400" dirty="0" smtClean="0"/>
+              <a:t>There </a:t>
+            </a:r>
+            <a:r>
+              <a:rPr lang="en-US" sz="2400" dirty="0"/>
+              <a:t>is also no requirement for </a:t>
+            </a:r>
+            <a:r>
+              <a:rPr lang="en-US" sz="2400" dirty="0" smtClean="0"/>
+              <a:t>a permissioned </a:t>
+            </a:r>
+            <a:r>
+              <a:rPr lang="en-US" sz="2400" dirty="0" err="1"/>
+              <a:t>blockchain</a:t>
+            </a:r>
+            <a:r>
+              <a:rPr lang="en-US" sz="2400" dirty="0"/>
+              <a:t> to be private as it can be a public </a:t>
+            </a:r>
+            <a:r>
+              <a:rPr lang="en-US" sz="2400" dirty="0" err="1"/>
+              <a:t>blockchain</a:t>
+            </a:r>
+            <a:r>
+              <a:rPr lang="en-US" sz="2400" dirty="0"/>
+              <a:t> but with </a:t>
+            </a:r>
+            <a:r>
+              <a:rPr lang="en-US" sz="2400" dirty="0" smtClean="0"/>
+              <a:t>regulated access </a:t>
+            </a:r>
+            <a:r>
+              <a:rPr lang="en-US" sz="2400" dirty="0"/>
+              <a:t>control.</a:t>
+            </a:r>
+          </a:p>
+        </p:txBody>
+      </p:sp>
+    </p:spTree>
+    <p:extLst>
+      <p:ext uri="{BB962C8B-B14F-4D97-AF65-F5344CB8AC3E}">
+        <p14:creationId xmlns:p14="http://schemas.microsoft.com/office/powerpoint/2010/main" val="4065903623"/>
+      </p:ext>
+    </p:extLst>
+  </p:cSld>
+  <p:clrMapOvr>
+    <a:masterClrMapping/>
+  </p:clrMapOvr>
+</p:sld>
+</file>
+
+<file path=ppt/slides/slide98.xml><?xml version="1.0" encoding="utf-8"?>
+<p:sld xmlns:a="http://schemas.openxmlformats.org/drawingml/2006/main" xmlns:r="http://schemas.openxmlformats.org/officeDocument/2006/relationships" xmlns:p="http://schemas.openxmlformats.org/presentationml/2006/main">
+  <p:cSld>
+    <p:spTree>
+      <p:nvGrpSpPr>
+        <p:cNvPr id="1" name=""/>
+        <p:cNvGrpSpPr/>
+        <p:nvPr/>
+      </p:nvGrpSpPr>
+      <p:grpSpPr>
+        <a:xfrm>
+          <a:off x="0" y="0"/>
+          <a:ext cx="0" cy="0"/>
+          <a:chOff x="0" y="0"/>
+          <a:chExt cx="0" cy="0"/>
+        </a:xfrm>
+      </p:grpSpPr>
+      <p:sp>
+        <p:nvSpPr>
+          <p:cNvPr id="2" name="Title 1"/>
+          <p:cNvSpPr>
+            <a:spLocks noGrp="1"/>
+          </p:cNvSpPr>
+          <p:nvPr>
+            <p:ph type="title"/>
+          </p:nvPr>
+        </p:nvSpPr>
+        <p:spPr/>
+        <p:txBody>
+          <a:bodyPr/>
+          <a:lstStyle/>
+          <a:p>
+            <a:r>
+              <a:rPr lang="en-US" b="1" dirty="0"/>
+              <a:t>Types of </a:t>
+            </a:r>
+            <a:r>
+              <a:rPr lang="en-US" b="1" dirty="0" err="1"/>
+              <a:t>blockchain</a:t>
+            </a:r>
+            <a:r>
+              <a:rPr lang="en-US" b="1" dirty="0"/>
+              <a:t>-</a:t>
+            </a:r>
+            <a:r>
+              <a:rPr lang="en-US" dirty="0" smtClean="0"/>
+              <a:t>Distributed </a:t>
+            </a:r>
+            <a:r>
+              <a:rPr lang="en-US" dirty="0"/>
+              <a:t>ledger</a:t>
+            </a:r>
+          </a:p>
+        </p:txBody>
+      </p:sp>
+      <p:sp>
+        <p:nvSpPr>
+          <p:cNvPr id="3" name="Content Placeholder 2"/>
+          <p:cNvSpPr>
+            <a:spLocks noGrp="1"/>
+          </p:cNvSpPr>
+          <p:nvPr>
+            <p:ph idx="1"/>
+          </p:nvPr>
+        </p:nvSpPr>
+        <p:spPr/>
+        <p:txBody>
+          <a:bodyPr>
+            <a:normAutofit/>
+          </a:bodyPr>
+          <a:lstStyle/>
+          <a:p>
+            <a:r>
+              <a:rPr lang="en-US" sz="2400" dirty="0" smtClean="0"/>
+              <a:t>This </a:t>
+            </a:r>
+            <a:r>
+              <a:rPr lang="en-US" sz="2400" dirty="0"/>
+              <a:t>ledger is distributed among its participants and spread </a:t>
+            </a:r>
+            <a:r>
+              <a:rPr lang="en-US" sz="2400" dirty="0" smtClean="0"/>
+              <a:t>across multiple </a:t>
+            </a:r>
+            <a:r>
+              <a:rPr lang="en-US" sz="2400" dirty="0"/>
+              <a:t>sites or organizations</a:t>
+            </a:r>
+            <a:r>
+              <a:rPr lang="en-US" sz="2400" dirty="0" smtClean="0"/>
+              <a:t>.</a:t>
+            </a:r>
+          </a:p>
+          <a:p>
+            <a:r>
+              <a:rPr lang="en-US" sz="2400" dirty="0" smtClean="0"/>
+              <a:t> </a:t>
+            </a:r>
+            <a:r>
+              <a:rPr lang="en-US" sz="2400" dirty="0"/>
+              <a:t>This type can either be private or public</a:t>
+            </a:r>
+            <a:r>
+              <a:rPr lang="en-US" sz="2400" dirty="0" smtClean="0"/>
+              <a:t>.</a:t>
+            </a:r>
+          </a:p>
+          <a:p>
+            <a:r>
+              <a:rPr lang="en-US" sz="2400" dirty="0" smtClean="0"/>
+              <a:t> </a:t>
+            </a:r>
+            <a:r>
+              <a:rPr lang="en-US" sz="2400" dirty="0"/>
+              <a:t>The key idea </a:t>
+            </a:r>
+            <a:r>
+              <a:rPr lang="en-US" sz="2400" dirty="0" smtClean="0"/>
+              <a:t>is that</a:t>
+            </a:r>
+            <a:r>
+              <a:rPr lang="en-US" sz="2400" dirty="0"/>
+              <a:t>, unlike many other </a:t>
+            </a:r>
+            <a:r>
+              <a:rPr lang="en-US" sz="2400" dirty="0" err="1"/>
+              <a:t>blockchains</a:t>
+            </a:r>
+            <a:r>
+              <a:rPr lang="en-US" sz="2400" dirty="0"/>
+              <a:t>, the records are stored contiguously instead of </a:t>
+            </a:r>
+            <a:r>
+              <a:rPr lang="en-US" sz="2400" dirty="0" smtClean="0"/>
+              <a:t>sorted into </a:t>
+            </a:r>
+            <a:r>
+              <a:rPr lang="en-US" sz="2400" dirty="0"/>
+              <a:t>blocks. This concept is used in Ripple.</a:t>
+            </a:r>
+          </a:p>
+        </p:txBody>
+      </p:sp>
+    </p:spTree>
+    <p:extLst>
+      <p:ext uri="{BB962C8B-B14F-4D97-AF65-F5344CB8AC3E}">
+        <p14:creationId xmlns:p14="http://schemas.microsoft.com/office/powerpoint/2010/main" val="3058328640"/>
+      </p:ext>
+    </p:extLst>
+  </p:cSld>
+  <p:clrMapOvr>
+    <a:masterClrMapping/>
+  </p:clrMapOvr>
+</p:sld>
+</file>
+
+<file path=ppt/slides/slide99.xml><?xml version="1.0" encoding="utf-8"?>
+<p:sld xmlns:a="http://schemas.openxmlformats.org/drawingml/2006/main" xmlns:r="http://schemas.openxmlformats.org/officeDocument/2006/relationships" xmlns:p="http://schemas.openxmlformats.org/presentationml/2006/main">
+  <p:cSld>
+    <p:spTree>
+      <p:nvGrpSpPr>
+        <p:cNvPr id="1" name=""/>
+        <p:cNvGrpSpPr/>
+        <p:nvPr/>
+      </p:nvGrpSpPr>
+      <p:grpSpPr>
+        <a:xfrm>
+          <a:off x="0" y="0"/>
+          <a:ext cx="0" cy="0"/>
+          <a:chOff x="0" y="0"/>
+          <a:chExt cx="0" cy="0"/>
+        </a:xfrm>
+      </p:grpSpPr>
+      <p:sp>
+        <p:nvSpPr>
+          <p:cNvPr id="2" name="Title 1"/>
+          <p:cNvSpPr>
+            <a:spLocks noGrp="1"/>
+          </p:cNvSpPr>
+          <p:nvPr>
+            <p:ph type="title"/>
+          </p:nvPr>
+        </p:nvSpPr>
+        <p:spPr>
+          <a:xfrm>
+            <a:off x="2529425" y="0"/>
+            <a:ext cx="8911687" cy="1280890"/>
+          </a:xfrm>
+        </p:spPr>
+        <p:txBody>
+          <a:bodyPr/>
+          <a:lstStyle/>
+          <a:p>
+            <a:r>
+              <a:rPr lang="en-US" b="1" dirty="0"/>
+              <a:t>Types of </a:t>
+            </a:r>
+            <a:r>
+              <a:rPr lang="en-US" b="1" dirty="0" err="1"/>
+              <a:t>blockchain</a:t>
+            </a:r>
+            <a:endParaRPr lang="en-US" dirty="0"/>
+          </a:p>
+        </p:txBody>
+      </p:sp>
+      <p:sp>
+        <p:nvSpPr>
+          <p:cNvPr id="3" name="Content Placeholder 2"/>
+          <p:cNvSpPr>
+            <a:spLocks noGrp="1"/>
+          </p:cNvSpPr>
+          <p:nvPr>
+            <p:ph idx="1"/>
+          </p:nvPr>
+        </p:nvSpPr>
+        <p:spPr>
+          <a:xfrm>
+            <a:off x="1727200" y="850900"/>
+            <a:ext cx="10171112" cy="3777622"/>
+          </a:xfrm>
+        </p:spPr>
+        <p:txBody>
+          <a:bodyPr>
+            <a:noAutofit/>
+          </a:bodyPr>
+          <a:lstStyle/>
+          <a:p>
+            <a:r>
+              <a:rPr lang="en-US" sz="2400" b="1" dirty="0"/>
+              <a:t>Shared ledger</a:t>
+            </a:r>
+          </a:p>
+          <a:p>
+            <a:pPr lvl="1"/>
+            <a:r>
+              <a:rPr lang="en-US" sz="2400" dirty="0"/>
+              <a:t>This is generic term that is used to describe any application or database that is shared by </a:t>
+            </a:r>
+            <a:r>
+              <a:rPr lang="en-US" sz="2400" dirty="0" smtClean="0"/>
+              <a:t>the public </a:t>
+            </a:r>
+            <a:r>
+              <a:rPr lang="en-US" sz="2400" dirty="0"/>
+              <a:t>or a consortium.</a:t>
+            </a:r>
+          </a:p>
+          <a:p>
+            <a:r>
+              <a:rPr lang="en-US" sz="2400" b="1" dirty="0"/>
+              <a:t>Fully private and proprietary </a:t>
+            </a:r>
+            <a:r>
+              <a:rPr lang="en-US" sz="2400" b="1" dirty="0" err="1"/>
+              <a:t>blockchains</a:t>
+            </a:r>
+            <a:endParaRPr lang="en-US" sz="2400" b="1" dirty="0"/>
+          </a:p>
+          <a:p>
+            <a:pPr lvl="1"/>
+            <a:r>
+              <a:rPr lang="en-US" sz="2400" dirty="0"/>
+              <a:t>These </a:t>
+            </a:r>
+            <a:r>
+              <a:rPr lang="en-US" sz="2400" dirty="0" err="1"/>
+              <a:t>blockchains</a:t>
+            </a:r>
+            <a:r>
+              <a:rPr lang="en-US" sz="2400" dirty="0"/>
+              <a:t> perhaps have no mainstream application as they deviate from the </a:t>
+            </a:r>
+            <a:r>
+              <a:rPr lang="en-US" sz="2400" dirty="0" smtClean="0"/>
+              <a:t>core idea </a:t>
+            </a:r>
+            <a:r>
+              <a:rPr lang="en-US" sz="2400" dirty="0"/>
+              <a:t>of decentralization in </a:t>
+            </a:r>
+            <a:r>
+              <a:rPr lang="en-US" sz="2400" dirty="0" err="1"/>
+              <a:t>blockchain</a:t>
+            </a:r>
+            <a:r>
+              <a:rPr lang="en-US" sz="2400" dirty="0"/>
+              <a:t> technology</a:t>
+            </a:r>
+            <a:r>
+              <a:rPr lang="en-US" sz="2400" dirty="0" smtClean="0"/>
+              <a:t>.</a:t>
+            </a:r>
+          </a:p>
+          <a:p>
+            <a:pPr lvl="1"/>
+            <a:r>
+              <a:rPr lang="en-US" sz="2400" dirty="0" smtClean="0"/>
+              <a:t> </a:t>
+            </a:r>
+            <a:r>
+              <a:rPr lang="en-US" sz="2400" dirty="0"/>
+              <a:t>Nonetheless in specific private </a:t>
+            </a:r>
+            <a:r>
+              <a:rPr lang="en-US" sz="2400" dirty="0" smtClean="0"/>
+              <a:t>settings within </a:t>
+            </a:r>
+            <a:r>
+              <a:rPr lang="en-US" sz="2400" dirty="0"/>
+              <a:t>an organization there might be a need to share data and provide some level </a:t>
+            </a:r>
+            <a:r>
+              <a:rPr lang="en-US" sz="2400" dirty="0" smtClean="0"/>
+              <a:t>of guarantee </a:t>
+            </a:r>
+            <a:r>
+              <a:rPr lang="en-US" sz="2400" dirty="0"/>
+              <a:t>of the authenticity of the data. </a:t>
+            </a:r>
+            <a:endParaRPr lang="en-US" sz="2400" dirty="0" smtClean="0"/>
+          </a:p>
+          <a:p>
+            <a:pPr lvl="1"/>
+            <a:r>
+              <a:rPr lang="en-US" sz="2400" dirty="0" smtClean="0"/>
+              <a:t>For </a:t>
+            </a:r>
+            <a:r>
+              <a:rPr lang="en-US" sz="2400" dirty="0"/>
+              <a:t>example, for collaboration and sharing data between various government departments.</a:t>
+            </a:r>
+          </a:p>
+        </p:txBody>
+      </p:sp>
+    </p:spTree>
+    <p:extLst>
+      <p:ext uri="{BB962C8B-B14F-4D97-AF65-F5344CB8AC3E}">
+        <p14:creationId xmlns:p14="http://schemas.microsoft.com/office/powerpoint/2010/main" val="3477276380"/>
+      </p:ext>
+    </p:extLst>
+  </p:cSld>
+  <p:clrMapOvr>
+    <a:masterClrMapping/>
+  </p:clrMapOvr>
 </p:sld>
 </file>
 
